--- a/Slides/devcon2014_ege.pptx
+++ b/Slides/devcon2014_ege.pptx
@@ -5,27 +5,36 @@
     <p:sldMasterId id="2147483648" r:id="rId4"/>
   </p:sldMasterIdLst>
   <p:notesMasterIdLst>
-    <p:notesMasterId r:id="rId20"/>
+    <p:notesMasterId r:id="rId29"/>
   </p:notesMasterIdLst>
   <p:handoutMasterIdLst>
-    <p:handoutMasterId r:id="rId21"/>
+    <p:handoutMasterId r:id="rId30"/>
   </p:handoutMasterIdLst>
   <p:sldIdLst>
     <p:sldId id="257" r:id="rId5"/>
     <p:sldId id="270" r:id="rId6"/>
-    <p:sldId id="256" r:id="rId7"/>
+    <p:sldId id="269" r:id="rId7"/>
     <p:sldId id="259" r:id="rId8"/>
-    <p:sldId id="271" r:id="rId9"/>
-    <p:sldId id="275" r:id="rId10"/>
-    <p:sldId id="274" r:id="rId11"/>
-    <p:sldId id="276" r:id="rId12"/>
-    <p:sldId id="269" r:id="rId13"/>
-    <p:sldId id="277" r:id="rId14"/>
-    <p:sldId id="278" r:id="rId15"/>
-    <p:sldId id="258" r:id="rId16"/>
-    <p:sldId id="262" r:id="rId17"/>
-    <p:sldId id="267" r:id="rId18"/>
-    <p:sldId id="264" r:id="rId19"/>
+    <p:sldId id="281" r:id="rId9"/>
+    <p:sldId id="280" r:id="rId10"/>
+    <p:sldId id="271" r:id="rId11"/>
+    <p:sldId id="282" r:id="rId12"/>
+    <p:sldId id="283" r:id="rId13"/>
+    <p:sldId id="284" r:id="rId14"/>
+    <p:sldId id="285" r:id="rId15"/>
+    <p:sldId id="286" r:id="rId16"/>
+    <p:sldId id="287" r:id="rId17"/>
+    <p:sldId id="288" r:id="rId18"/>
+    <p:sldId id="290" r:id="rId19"/>
+    <p:sldId id="275" r:id="rId20"/>
+    <p:sldId id="291" r:id="rId21"/>
+    <p:sldId id="278" r:id="rId22"/>
+    <p:sldId id="292" r:id="rId23"/>
+    <p:sldId id="277" r:id="rId24"/>
+    <p:sldId id="293" r:id="rId25"/>
+    <p:sldId id="276" r:id="rId26"/>
+    <p:sldId id="267" r:id="rId27"/>
+    <p:sldId id="264" r:id="rId28"/>
   </p:sldIdLst>
   <p:sldSz cx="12192000" cy="6858000"/>
   <p:notesSz cx="6858000" cy="9144000"/>
@@ -217,7 +226,7 @@
           <a:p>
             <a:fld id="{94239FBE-FC08-4336-9B53-CDE8BC5ED33D}" type="datetimeFigureOut">
               <a:rPr lang="ru-RU" smtClean="0"/>
-              <a:t>24.05.2014</a:t>
+              <a:t>26.05.2014</a:t>
             </a:fld>
             <a:endParaRPr lang="ru-RU"/>
           </a:p>
@@ -382,7 +391,7 @@
           <a:p>
             <a:fld id="{135EBF37-D0C5-4B7C-9D35-9D2E20CA27EC}" type="datetimeFigureOut">
               <a:rPr lang="ru-RU" smtClean="0"/>
-              <a:t>24.05.2014</a:t>
+              <a:t>26.05.2014</a:t>
             </a:fld>
             <a:endParaRPr lang="ru-RU"/>
           </a:p>
@@ -1071,7 +1080,7 @@
                   <a:spcPct val="0"/>
                 </a:spcAft>
               </a:pPr>
-              <a:t>5/24/2014 11:37 PM</a:t>
+              <a:t>5/26/2014 7:35 AM</a:t>
             </a:fld>
             <a:endParaRPr lang="en-US"/>
           </a:p>
@@ -1241,7 +1250,7 @@
                   <a:spcPct val="0"/>
                 </a:spcAft>
               </a:pPr>
-              <a:t>15</a:t>
+              <a:t>24</a:t>
             </a:fld>
             <a:endParaRPr lang="en-US"/>
           </a:p>
@@ -5608,34 +5617,6 @@
           <a:chExt cx="0" cy="0"/>
         </a:xfrm>
       </p:grpSpPr>
-      <p:pic>
-        <p:nvPicPr>
-          <p:cNvPr id="4" name="Content Placeholder 3"/>
-          <p:cNvPicPr>
-            <a:picLocks noGrp="1" noChangeAspect="1"/>
-          </p:cNvPicPr>
-          <p:nvPr>
-            <p:ph sz="quarter" idx="10"/>
-          </p:nvPr>
-        </p:nvPicPr>
-        <p:blipFill rotWithShape="1">
-          <a:blip r:embed="rId2" cstate="print">
-            <a:extLst>
-              <a:ext uri="{28A0092B-C50C-407E-A947-70E740481C1C}">
-                <a14:useLocalDpi xmlns:a14="http://schemas.microsoft.com/office/drawing/2010/main" val="0"/>
-              </a:ext>
-            </a:extLst>
-          </a:blip>
-          <a:srcRect/>
-          <a:stretch/>
-        </p:blipFill>
-        <p:spPr>
-          <a:xfrm>
-            <a:off x="8256588" y="9000"/>
-            <a:ext cx="3935412" cy="6839999"/>
-          </a:xfrm>
-        </p:spPr>
-      </p:pic>
       <p:sp>
         <p:nvSpPr>
           <p:cNvPr id="2" name="Title 1"/>
@@ -5652,21 +5633,89 @@
           <a:lstStyle/>
           <a:p>
             <a:r>
-              <a:rPr lang="ru-RU" dirty="0"/>
-              <a:t>Будьте аккуратны с </a:t>
-            </a:r>
-            <a:r>
-              <a:rPr lang="ru-RU" dirty="0" smtClean="0"/>
-              <a:t>цветом подложки и текста.</a:t>
-            </a:r>
-            <a:endParaRPr lang="ru-RU" dirty="0"/>
+              <a:rPr lang="ru-RU" dirty="0" smtClean="0"/>
+              <a:t>Архитектура сервиса</a:t>
+            </a:r>
+            <a:endParaRPr lang="en-US" dirty="0"/>
+          </a:p>
+        </p:txBody>
+      </p:sp>
+      <p:sp>
+        <p:nvSpPr>
+          <p:cNvPr id="3" name="Content Placeholder 2"/>
+          <p:cNvSpPr>
+            <a:spLocks noGrp="1"/>
+          </p:cNvSpPr>
+          <p:nvPr>
+            <p:ph idx="1"/>
+          </p:nvPr>
+        </p:nvSpPr>
+        <p:spPr/>
+        <p:txBody>
+          <a:bodyPr/>
+          <a:lstStyle/>
+          <a:p>
+            <a:r>
+              <a:rPr lang="en-US" dirty="0" smtClean="0"/>
+              <a:t>Browser extension </a:t>
+            </a:r>
+            <a:r>
+              <a:rPr lang="ru-RU" dirty="0" smtClean="0"/>
+              <a:t>для сканирования и печати</a:t>
+            </a:r>
+            <a:endParaRPr lang="en-US" dirty="0" smtClean="0"/>
+          </a:p>
+          <a:p>
+            <a:r>
+              <a:rPr lang="en-US" dirty="0" smtClean="0"/>
+              <a:t>Azure Queue </a:t>
+            </a:r>
+            <a:r>
+              <a:rPr lang="ru-RU" dirty="0" smtClean="0"/>
+              <a:t>и </a:t>
+            </a:r>
+            <a:r>
+              <a:rPr lang="en-US" dirty="0" smtClean="0"/>
+              <a:t>Azure Worker Role </a:t>
+            </a:r>
+            <a:r>
+              <a:rPr lang="ru-RU" dirty="0" smtClean="0"/>
+              <a:t>для работы с распознаванием изображений</a:t>
+            </a:r>
+          </a:p>
+          <a:p>
+            <a:r>
+              <a:rPr lang="en-US" dirty="0" smtClean="0"/>
+              <a:t>ABBYY Cloud OCR SDK </a:t>
+            </a:r>
+            <a:r>
+              <a:rPr lang="ru-RU" dirty="0" smtClean="0"/>
+              <a:t>для распознавания</a:t>
+            </a:r>
+            <a:endParaRPr lang="en-US" dirty="0" smtClean="0"/>
+          </a:p>
+          <a:p>
+            <a:pPr lvl="1"/>
+            <a:r>
+              <a:rPr lang="en-US" dirty="0" smtClean="0">
+                <a:hlinkClick r:id="rId2"/>
+              </a:rPr>
+              <a:t>http</a:t>
+            </a:r>
+            <a:r>
+              <a:rPr lang="en-US" dirty="0">
+                <a:hlinkClick r:id="rId2"/>
+              </a:rPr>
+              <a:t>://ocrsdk.com/</a:t>
+            </a:r>
+            <a:endParaRPr lang="ru-RU" dirty="0" smtClean="0"/>
           </a:p>
         </p:txBody>
       </p:sp>
     </p:spTree>
     <p:extLst>
       <p:ext uri="{BB962C8B-B14F-4D97-AF65-F5344CB8AC3E}">
-        <p14:creationId xmlns:p14="http://schemas.microsoft.com/office/powerpoint/2010/main" val="1033598430"/>
+        <p14:creationId xmlns:p14="http://schemas.microsoft.com/office/powerpoint/2010/main" val="3643400134"/>
       </p:ext>
     </p:extLst>
   </p:cSld>
@@ -5684,6 +5733,907 @@
 </file>
 
 <file path=ppt/slides/slide11.xml><?xml version="1.0" encoding="utf-8"?>
+<p:sld xmlns:a="http://schemas.openxmlformats.org/drawingml/2006/main" xmlns:r="http://schemas.openxmlformats.org/officeDocument/2006/relationships" xmlns:p="http://schemas.openxmlformats.org/presentationml/2006/main">
+  <p:cSld>
+    <p:spTree>
+      <p:nvGrpSpPr>
+        <p:cNvPr id="1" name=""/>
+        <p:cNvGrpSpPr/>
+        <p:nvPr/>
+      </p:nvGrpSpPr>
+      <p:grpSpPr>
+        <a:xfrm>
+          <a:off x="0" y="0"/>
+          <a:ext cx="0" cy="0"/>
+          <a:chOff x="0" y="0"/>
+          <a:chExt cx="0" cy="0"/>
+        </a:xfrm>
+      </p:grpSpPr>
+      <p:sp>
+        <p:nvSpPr>
+          <p:cNvPr id="4" name="Title 3"/>
+          <p:cNvSpPr>
+            <a:spLocks noGrp="1"/>
+          </p:cNvSpPr>
+          <p:nvPr>
+            <p:ph type="ctrTitle"/>
+          </p:nvPr>
+        </p:nvSpPr>
+        <p:spPr/>
+        <p:txBody>
+          <a:bodyPr/>
+          <a:lstStyle/>
+          <a:p>
+            <a:r>
+              <a:rPr lang="en-US" dirty="0"/>
+              <a:t>2</a:t>
+            </a:r>
+            <a:r>
+              <a:rPr lang="en-US" dirty="0" smtClean="0"/>
+              <a:t>. </a:t>
+            </a:r>
+            <a:r>
+              <a:rPr lang="ru-RU" dirty="0" smtClean="0"/>
+              <a:t>Опыт разработки</a:t>
+            </a:r>
+            <a:endParaRPr lang="ru-RU" dirty="0"/>
+          </a:p>
+        </p:txBody>
+      </p:sp>
+      <p:sp>
+        <p:nvSpPr>
+          <p:cNvPr id="5" name="Subtitle 4"/>
+          <p:cNvSpPr>
+            <a:spLocks noGrp="1"/>
+          </p:cNvSpPr>
+          <p:nvPr>
+            <p:ph type="subTitle" idx="1"/>
+          </p:nvPr>
+        </p:nvSpPr>
+        <p:spPr/>
+        <p:txBody>
+          <a:bodyPr/>
+          <a:lstStyle/>
+          <a:p>
+            <a:endParaRPr lang="ru-RU"/>
+          </a:p>
+        </p:txBody>
+      </p:sp>
+    </p:spTree>
+    <p:extLst>
+      <p:ext uri="{BB962C8B-B14F-4D97-AF65-F5344CB8AC3E}">
+        <p14:creationId xmlns:p14="http://schemas.microsoft.com/office/powerpoint/2010/main" val="2708893099"/>
+      </p:ext>
+    </p:extLst>
+  </p:cSld>
+  <p:clrMapOvr>
+    <a:masterClrMapping/>
+  </p:clrMapOvr>
+  <p:timing>
+    <p:tnLst>
+      <p:par>
+        <p:cTn id="1" dur="indefinite" restart="never" nodeType="tmRoot"/>
+      </p:par>
+    </p:tnLst>
+  </p:timing>
+</p:sld>
+</file>
+
+<file path=ppt/slides/slide12.xml><?xml version="1.0" encoding="utf-8"?>
+<p:sld xmlns:a="http://schemas.openxmlformats.org/drawingml/2006/main" xmlns:r="http://schemas.openxmlformats.org/officeDocument/2006/relationships" xmlns:p="http://schemas.openxmlformats.org/presentationml/2006/main">
+  <p:cSld>
+    <p:spTree>
+      <p:nvGrpSpPr>
+        <p:cNvPr id="1" name=""/>
+        <p:cNvGrpSpPr/>
+        <p:nvPr/>
+      </p:nvGrpSpPr>
+      <p:grpSpPr>
+        <a:xfrm>
+          <a:off x="0" y="0"/>
+          <a:ext cx="0" cy="0"/>
+          <a:chOff x="0" y="0"/>
+          <a:chExt cx="0" cy="0"/>
+        </a:xfrm>
+      </p:grpSpPr>
+      <p:sp>
+        <p:nvSpPr>
+          <p:cNvPr id="2" name="Title 1"/>
+          <p:cNvSpPr>
+            <a:spLocks noGrp="1"/>
+          </p:cNvSpPr>
+          <p:nvPr>
+            <p:ph type="title"/>
+          </p:nvPr>
+        </p:nvSpPr>
+        <p:spPr/>
+        <p:txBody>
+          <a:bodyPr/>
+          <a:lstStyle/>
+          <a:p>
+            <a:r>
+              <a:rPr lang="ru-RU" dirty="0" smtClean="0"/>
+              <a:t>Данные</a:t>
+            </a:r>
+            <a:endParaRPr lang="en-US" dirty="0"/>
+          </a:p>
+        </p:txBody>
+      </p:sp>
+      <p:sp>
+        <p:nvSpPr>
+          <p:cNvPr id="3" name="Content Placeholder 2"/>
+          <p:cNvSpPr>
+            <a:spLocks noGrp="1"/>
+          </p:cNvSpPr>
+          <p:nvPr>
+            <p:ph idx="1"/>
+          </p:nvPr>
+        </p:nvSpPr>
+        <p:spPr/>
+        <p:txBody>
+          <a:bodyPr/>
+          <a:lstStyle/>
+          <a:p>
+            <a:r>
+              <a:rPr lang="ru-RU" dirty="0" smtClean="0"/>
+              <a:t>Мультитенантность</a:t>
+            </a:r>
+          </a:p>
+          <a:p>
+            <a:pPr lvl="1"/>
+            <a:r>
+              <a:rPr lang="ru-RU" dirty="0" smtClean="0"/>
+              <a:t>С</a:t>
+            </a:r>
+            <a:r>
+              <a:rPr lang="en-US" dirty="0" err="1" smtClean="0"/>
+              <a:t>onnection</a:t>
+            </a:r>
+            <a:r>
+              <a:rPr lang="en-US" dirty="0" smtClean="0"/>
+              <a:t> string per tenant</a:t>
+            </a:r>
+            <a:r>
+              <a:rPr lang="ru-RU" dirty="0" smtClean="0"/>
+              <a:t/>
+            </a:r>
+            <a:br>
+              <a:rPr lang="ru-RU" dirty="0" smtClean="0"/>
+            </a:br>
+            <a:r>
+              <a:rPr lang="ru-RU" dirty="0" smtClean="0"/>
+              <a:t>Глобально доступные данные</a:t>
+            </a:r>
+            <a:r>
+              <a:rPr lang="en-US" dirty="0"/>
+              <a:t> </a:t>
+            </a:r>
+            <a:r>
+              <a:rPr lang="ru-RU" dirty="0" smtClean="0"/>
+              <a:t>в </a:t>
+            </a:r>
+            <a:r>
+              <a:rPr lang="en-US" dirty="0" smtClean="0"/>
+              <a:t>Azure Table Storage</a:t>
+            </a:r>
+          </a:p>
+          <a:p>
+            <a:r>
+              <a:rPr lang="en-US" dirty="0" smtClean="0"/>
+              <a:t>Azure Blob storage </a:t>
+            </a:r>
+            <a:r>
+              <a:rPr lang="ru-RU" dirty="0" smtClean="0"/>
+              <a:t>для хранения файлов</a:t>
+            </a:r>
+          </a:p>
+          <a:p>
+            <a:pPr lvl="1"/>
+            <a:r>
+              <a:rPr lang="ru-RU" dirty="0" smtClean="0"/>
+              <a:t>Один контейнер или много контейнеров?</a:t>
+            </a:r>
+          </a:p>
+        </p:txBody>
+      </p:sp>
+    </p:spTree>
+    <p:extLst>
+      <p:ext uri="{BB962C8B-B14F-4D97-AF65-F5344CB8AC3E}">
+        <p14:creationId xmlns:p14="http://schemas.microsoft.com/office/powerpoint/2010/main" val="3309134068"/>
+      </p:ext>
+    </p:extLst>
+  </p:cSld>
+  <p:clrMapOvr>
+    <a:masterClrMapping/>
+  </p:clrMapOvr>
+  <p:timing>
+    <p:tnLst>
+      <p:par>
+        <p:cTn id="1" dur="indefinite" restart="never" nodeType="tmRoot"/>
+      </p:par>
+    </p:tnLst>
+  </p:timing>
+</p:sld>
+</file>
+
+<file path=ppt/slides/slide13.xml><?xml version="1.0" encoding="utf-8"?>
+<p:sld xmlns:a="http://schemas.openxmlformats.org/drawingml/2006/main" xmlns:r="http://schemas.openxmlformats.org/officeDocument/2006/relationships" xmlns:p="http://schemas.openxmlformats.org/presentationml/2006/main">
+  <p:cSld>
+    <p:spTree>
+      <p:nvGrpSpPr>
+        <p:cNvPr id="1" name=""/>
+        <p:cNvGrpSpPr/>
+        <p:nvPr/>
+      </p:nvGrpSpPr>
+      <p:grpSpPr>
+        <a:xfrm>
+          <a:off x="0" y="0"/>
+          <a:ext cx="0" cy="0"/>
+          <a:chOff x="0" y="0"/>
+          <a:chExt cx="0" cy="0"/>
+        </a:xfrm>
+      </p:grpSpPr>
+      <p:sp>
+        <p:nvSpPr>
+          <p:cNvPr id="2" name="Title 1"/>
+          <p:cNvSpPr>
+            <a:spLocks noGrp="1"/>
+          </p:cNvSpPr>
+          <p:nvPr>
+            <p:ph type="title"/>
+          </p:nvPr>
+        </p:nvSpPr>
+        <p:spPr/>
+        <p:txBody>
+          <a:bodyPr/>
+          <a:lstStyle/>
+          <a:p>
+            <a:r>
+              <a:rPr lang="en-US" dirty="0" smtClean="0"/>
+              <a:t>Backend</a:t>
+            </a:r>
+            <a:endParaRPr lang="en-US" dirty="0"/>
+          </a:p>
+        </p:txBody>
+      </p:sp>
+      <p:sp>
+        <p:nvSpPr>
+          <p:cNvPr id="3" name="Content Placeholder 2"/>
+          <p:cNvSpPr>
+            <a:spLocks noGrp="1"/>
+          </p:cNvSpPr>
+          <p:nvPr>
+            <p:ph idx="1"/>
+          </p:nvPr>
+        </p:nvSpPr>
+        <p:spPr/>
+        <p:txBody>
+          <a:bodyPr/>
+          <a:lstStyle/>
+          <a:p>
+            <a:r>
+              <a:rPr lang="en-US" dirty="0" smtClean="0"/>
+              <a:t>ASP.NET Web API</a:t>
+            </a:r>
+            <a:endParaRPr lang="ru-RU" dirty="0" smtClean="0"/>
+          </a:p>
+          <a:p>
+            <a:pPr lvl="1"/>
+            <a:r>
+              <a:rPr lang="ru-RU" dirty="0" smtClean="0"/>
+              <a:t>Удобно использовать и масштабировать</a:t>
+            </a:r>
+            <a:br>
+              <a:rPr lang="ru-RU" dirty="0" smtClean="0"/>
+            </a:br>
+            <a:r>
+              <a:rPr lang="en-US" dirty="0" smtClean="0"/>
+              <a:t>CORS/JSON portable</a:t>
+            </a:r>
+            <a:br>
+              <a:rPr lang="en-US" dirty="0" smtClean="0"/>
+            </a:br>
+            <a:r>
+              <a:rPr lang="ru-RU" dirty="0" smtClean="0"/>
+              <a:t>Миграция в </a:t>
+            </a:r>
+            <a:r>
+              <a:rPr lang="en-US" dirty="0" smtClean="0"/>
+              <a:t>ASP.NET </a:t>
+            </a:r>
+            <a:r>
+              <a:rPr lang="en-US" dirty="0" err="1" smtClean="0"/>
+              <a:t>vNext</a:t>
+            </a:r>
+            <a:endParaRPr lang="en-US" dirty="0" smtClean="0"/>
+          </a:p>
+          <a:p>
+            <a:r>
+              <a:rPr lang="ru-RU" dirty="0" smtClean="0"/>
+              <a:t>Композиция компонентов</a:t>
+            </a:r>
+          </a:p>
+          <a:p>
+            <a:pPr lvl="1"/>
+            <a:r>
+              <a:rPr lang="en-US" dirty="0" smtClean="0"/>
+              <a:t>Dependency Resolver </a:t>
+            </a:r>
+            <a:r>
+              <a:rPr lang="ru-RU" dirty="0" smtClean="0"/>
+              <a:t>позволяет подключить любой </a:t>
+            </a:r>
+            <a:r>
+              <a:rPr lang="en-US" dirty="0" smtClean="0"/>
+              <a:t>DI container</a:t>
+            </a:r>
+            <a:r>
+              <a:rPr lang="ru-RU" dirty="0"/>
+              <a:t/>
+            </a:r>
+            <a:br>
+              <a:rPr lang="ru-RU" dirty="0"/>
+            </a:br>
+            <a:r>
+              <a:rPr lang="ru-RU" dirty="0" smtClean="0"/>
+              <a:t>Наш выбор – </a:t>
+            </a:r>
+            <a:r>
+              <a:rPr lang="en-US" dirty="0" err="1" smtClean="0"/>
+              <a:t>Autofac</a:t>
+            </a:r>
+            <a:r>
+              <a:rPr lang="ru-RU" dirty="0" smtClean="0"/>
+              <a:t/>
+            </a:r>
+            <a:br>
+              <a:rPr lang="ru-RU" dirty="0" smtClean="0"/>
+            </a:br>
+            <a:r>
+              <a:rPr lang="ru-RU" dirty="0" smtClean="0"/>
+              <a:t>Минимизация зависимости от контейнера</a:t>
+            </a:r>
+            <a:br>
+              <a:rPr lang="ru-RU" dirty="0" smtClean="0"/>
+            </a:br>
+            <a:r>
+              <a:rPr lang="ru-RU" dirty="0" smtClean="0"/>
+              <a:t>Тестирование</a:t>
+            </a:r>
+            <a:br>
+              <a:rPr lang="ru-RU" dirty="0" smtClean="0"/>
+            </a:br>
+            <a:endParaRPr lang="ru-RU" dirty="0" smtClean="0"/>
+          </a:p>
+        </p:txBody>
+      </p:sp>
+    </p:spTree>
+    <p:extLst>
+      <p:ext uri="{BB962C8B-B14F-4D97-AF65-F5344CB8AC3E}">
+        <p14:creationId xmlns:p14="http://schemas.microsoft.com/office/powerpoint/2010/main" val="1574497135"/>
+      </p:ext>
+    </p:extLst>
+  </p:cSld>
+  <p:clrMapOvr>
+    <a:masterClrMapping/>
+  </p:clrMapOvr>
+  <p:timing>
+    <p:tnLst>
+      <p:par>
+        <p:cTn id="1" dur="indefinite" restart="never" nodeType="tmRoot"/>
+      </p:par>
+    </p:tnLst>
+  </p:timing>
+</p:sld>
+</file>
+
+<file path=ppt/slides/slide14.xml><?xml version="1.0" encoding="utf-8"?>
+<p:sld xmlns:a="http://schemas.openxmlformats.org/drawingml/2006/main" xmlns:r="http://schemas.openxmlformats.org/officeDocument/2006/relationships" xmlns:p="http://schemas.openxmlformats.org/presentationml/2006/main">
+  <p:cSld>
+    <p:spTree>
+      <p:nvGrpSpPr>
+        <p:cNvPr id="1" name=""/>
+        <p:cNvGrpSpPr/>
+        <p:nvPr/>
+      </p:nvGrpSpPr>
+      <p:grpSpPr>
+        <a:xfrm>
+          <a:off x="0" y="0"/>
+          <a:ext cx="0" cy="0"/>
+          <a:chOff x="0" y="0"/>
+          <a:chExt cx="0" cy="0"/>
+        </a:xfrm>
+      </p:grpSpPr>
+      <p:pic>
+        <p:nvPicPr>
+          <p:cNvPr id="9" name="Content Placeholder 8"/>
+          <p:cNvPicPr>
+            <a:picLocks noGrp="1" noChangeAspect="1"/>
+          </p:cNvPicPr>
+          <p:nvPr>
+            <p:ph sz="quarter" idx="10"/>
+          </p:nvPr>
+        </p:nvPicPr>
+        <p:blipFill>
+          <a:blip r:embed="rId2" cstate="screen">
+            <a:extLst>
+              <a:ext uri="{28A0092B-C50C-407E-A947-70E740481C1C}">
+                <a14:useLocalDpi xmlns:a14="http://schemas.microsoft.com/office/drawing/2010/main"/>
+              </a:ext>
+            </a:extLst>
+          </a:blip>
+          <a:stretch>
+            <a:fillRect/>
+          </a:stretch>
+        </p:blipFill>
+        <p:spPr>
+          <a:xfrm>
+            <a:off x="0" y="0"/>
+            <a:ext cx="12192000" cy="6858000"/>
+          </a:xfrm>
+        </p:spPr>
+      </p:pic>
+      <p:sp>
+        <p:nvSpPr>
+          <p:cNvPr id="3" name="Title 2"/>
+          <p:cNvSpPr>
+            <a:spLocks noGrp="1"/>
+          </p:cNvSpPr>
+          <p:nvPr>
+            <p:ph type="title"/>
+          </p:nvPr>
+        </p:nvSpPr>
+        <p:spPr>
+          <a:xfrm>
+            <a:off x="0" y="4869000"/>
+            <a:ext cx="12192000" cy="1391829"/>
+          </a:xfrm>
+          <a:solidFill>
+            <a:schemeClr val="bg1">
+              <a:lumMod val="50000"/>
+              <a:alpha val="80000"/>
+            </a:schemeClr>
+          </a:solidFill>
+        </p:spPr>
+        <p:txBody>
+          <a:bodyPr/>
+          <a:lstStyle/>
+          <a:p>
+            <a:r>
+              <a:rPr lang="en-US" dirty="0" smtClean="0"/>
+              <a:t>DEMO: Backend</a:t>
+            </a:r>
+            <a:endParaRPr lang="ru-RU" dirty="0"/>
+          </a:p>
+        </p:txBody>
+      </p:sp>
+    </p:spTree>
+    <p:extLst>
+      <p:ext uri="{BB962C8B-B14F-4D97-AF65-F5344CB8AC3E}">
+        <p14:creationId xmlns:p14="http://schemas.microsoft.com/office/powerpoint/2010/main" val="4160448148"/>
+      </p:ext>
+    </p:extLst>
+  </p:cSld>
+  <p:clrMapOvr>
+    <a:masterClrMapping/>
+  </p:clrMapOvr>
+  <p:timing>
+    <p:tnLst>
+      <p:par>
+        <p:cTn id="1" dur="indefinite" restart="never" nodeType="tmRoot"/>
+      </p:par>
+    </p:tnLst>
+  </p:timing>
+</p:sld>
+</file>
+
+<file path=ppt/slides/slide15.xml><?xml version="1.0" encoding="utf-8"?>
+<p:sld xmlns:a="http://schemas.openxmlformats.org/drawingml/2006/main" xmlns:r="http://schemas.openxmlformats.org/officeDocument/2006/relationships" xmlns:p="http://schemas.openxmlformats.org/presentationml/2006/main">
+  <p:cSld>
+    <p:spTree>
+      <p:nvGrpSpPr>
+        <p:cNvPr id="1" name=""/>
+        <p:cNvGrpSpPr/>
+        <p:nvPr/>
+      </p:nvGrpSpPr>
+      <p:grpSpPr>
+        <a:xfrm>
+          <a:off x="0" y="0"/>
+          <a:ext cx="0" cy="0"/>
+          <a:chOff x="0" y="0"/>
+          <a:chExt cx="0" cy="0"/>
+        </a:xfrm>
+      </p:grpSpPr>
+      <p:sp>
+        <p:nvSpPr>
+          <p:cNvPr id="2" name="Title 1"/>
+          <p:cNvSpPr>
+            <a:spLocks noGrp="1"/>
+          </p:cNvSpPr>
+          <p:nvPr>
+            <p:ph type="title"/>
+          </p:nvPr>
+        </p:nvSpPr>
+        <p:spPr/>
+        <p:txBody>
+          <a:bodyPr/>
+          <a:lstStyle/>
+          <a:p>
+            <a:r>
+              <a:rPr lang="en-US" dirty="0" smtClean="0"/>
+              <a:t>Frontend</a:t>
+            </a:r>
+            <a:endParaRPr lang="en-US" dirty="0"/>
+          </a:p>
+        </p:txBody>
+      </p:sp>
+      <p:sp>
+        <p:nvSpPr>
+          <p:cNvPr id="3" name="Content Placeholder 2"/>
+          <p:cNvSpPr>
+            <a:spLocks noGrp="1"/>
+          </p:cNvSpPr>
+          <p:nvPr>
+            <p:ph idx="1"/>
+          </p:nvPr>
+        </p:nvSpPr>
+        <p:spPr/>
+        <p:txBody>
+          <a:bodyPr/>
+          <a:lstStyle/>
+          <a:p>
+            <a:r>
+              <a:rPr lang="ru-RU" dirty="0" smtClean="0"/>
+              <a:t>Мультитенантность</a:t>
+            </a:r>
+          </a:p>
+          <a:p>
+            <a:pPr lvl="1"/>
+            <a:r>
+              <a:rPr lang="ru-RU" dirty="0" smtClean="0"/>
+              <a:t>С</a:t>
+            </a:r>
+            <a:r>
+              <a:rPr lang="en-US" dirty="0" err="1" smtClean="0"/>
+              <a:t>onnection</a:t>
+            </a:r>
+            <a:r>
+              <a:rPr lang="en-US" dirty="0" smtClean="0"/>
+              <a:t> string per tenant</a:t>
+            </a:r>
+            <a:r>
+              <a:rPr lang="ru-RU" dirty="0" smtClean="0"/>
+              <a:t/>
+            </a:r>
+            <a:br>
+              <a:rPr lang="ru-RU" dirty="0" smtClean="0"/>
+            </a:br>
+            <a:r>
+              <a:rPr lang="ru-RU" dirty="0" smtClean="0"/>
+              <a:t>Глобально доступные данные</a:t>
+            </a:r>
+            <a:r>
+              <a:rPr lang="en-US" dirty="0"/>
+              <a:t> </a:t>
+            </a:r>
+            <a:r>
+              <a:rPr lang="ru-RU" dirty="0" smtClean="0"/>
+              <a:t>в </a:t>
+            </a:r>
+            <a:r>
+              <a:rPr lang="en-US" dirty="0" smtClean="0"/>
+              <a:t>Azure Table Storage</a:t>
+            </a:r>
+          </a:p>
+          <a:p>
+            <a:r>
+              <a:rPr lang="en-US" dirty="0" smtClean="0"/>
+              <a:t>Azure Blob storage </a:t>
+            </a:r>
+            <a:r>
+              <a:rPr lang="ru-RU" dirty="0" smtClean="0"/>
+              <a:t>для хранения файлов</a:t>
+            </a:r>
+          </a:p>
+          <a:p>
+            <a:pPr lvl="1"/>
+            <a:r>
+              <a:rPr lang="ru-RU" dirty="0" smtClean="0"/>
+              <a:t>Один контейнер или много контейнеров?</a:t>
+            </a:r>
+          </a:p>
+        </p:txBody>
+      </p:sp>
+    </p:spTree>
+    <p:extLst>
+      <p:ext uri="{BB962C8B-B14F-4D97-AF65-F5344CB8AC3E}">
+        <p14:creationId xmlns:p14="http://schemas.microsoft.com/office/powerpoint/2010/main" val="310105159"/>
+      </p:ext>
+    </p:extLst>
+  </p:cSld>
+  <p:clrMapOvr>
+    <a:masterClrMapping/>
+  </p:clrMapOvr>
+  <p:timing>
+    <p:tnLst>
+      <p:par>
+        <p:cTn id="1" dur="indefinite" restart="never" nodeType="tmRoot"/>
+      </p:par>
+    </p:tnLst>
+  </p:timing>
+</p:sld>
+</file>
+
+<file path=ppt/slides/slide16.xml><?xml version="1.0" encoding="utf-8"?>
+<p:sld xmlns:a="http://schemas.openxmlformats.org/drawingml/2006/main" xmlns:r="http://schemas.openxmlformats.org/officeDocument/2006/relationships" xmlns:p="http://schemas.openxmlformats.org/presentationml/2006/main">
+  <p:cSld>
+    <p:spTree>
+      <p:nvGrpSpPr>
+        <p:cNvPr id="1" name=""/>
+        <p:cNvGrpSpPr/>
+        <p:nvPr/>
+      </p:nvGrpSpPr>
+      <p:grpSpPr>
+        <a:xfrm>
+          <a:off x="0" y="0"/>
+          <a:ext cx="0" cy="0"/>
+          <a:chOff x="0" y="0"/>
+          <a:chExt cx="0" cy="0"/>
+        </a:xfrm>
+      </p:grpSpPr>
+      <p:pic>
+        <p:nvPicPr>
+          <p:cNvPr id="8" name="Content Placeholder 7"/>
+          <p:cNvPicPr>
+            <a:picLocks noGrp="1" noChangeAspect="1"/>
+          </p:cNvPicPr>
+          <p:nvPr>
+            <p:ph sz="quarter" idx="10"/>
+          </p:nvPr>
+        </p:nvPicPr>
+        <p:blipFill>
+          <a:blip r:embed="rId2" cstate="screen">
+            <a:extLst>
+              <a:ext uri="{28A0092B-C50C-407E-A947-70E740481C1C}">
+                <a14:useLocalDpi xmlns:a14="http://schemas.microsoft.com/office/drawing/2010/main"/>
+              </a:ext>
+            </a:extLst>
+          </a:blip>
+          <a:stretch>
+            <a:fillRect/>
+          </a:stretch>
+        </p:blipFill>
+        <p:spPr>
+          <a:xfrm>
+            <a:off x="0" y="0"/>
+            <a:ext cx="12192000" cy="6858000"/>
+          </a:xfrm>
+        </p:spPr>
+      </p:pic>
+      <p:sp>
+        <p:nvSpPr>
+          <p:cNvPr id="3" name="Title 2"/>
+          <p:cNvSpPr>
+            <a:spLocks noGrp="1"/>
+          </p:cNvSpPr>
+          <p:nvPr>
+            <p:ph type="title"/>
+          </p:nvPr>
+        </p:nvSpPr>
+        <p:spPr>
+          <a:xfrm>
+            <a:off x="0" y="4869000"/>
+            <a:ext cx="12192000" cy="1391829"/>
+          </a:xfrm>
+          <a:solidFill>
+            <a:srgbClr val="FE1B8B">
+              <a:alpha val="69804"/>
+            </a:srgbClr>
+          </a:solidFill>
+        </p:spPr>
+        <p:txBody>
+          <a:bodyPr/>
+          <a:lstStyle/>
+          <a:p>
+            <a:r>
+              <a:rPr lang="en-US" dirty="0" smtClean="0"/>
+              <a:t>DEMO: Frontend</a:t>
+            </a:r>
+            <a:endParaRPr lang="ru-RU" dirty="0"/>
+          </a:p>
+        </p:txBody>
+      </p:sp>
+    </p:spTree>
+    <p:extLst>
+      <p:ext uri="{BB962C8B-B14F-4D97-AF65-F5344CB8AC3E}">
+        <p14:creationId xmlns:p14="http://schemas.microsoft.com/office/powerpoint/2010/main" val="1570773299"/>
+      </p:ext>
+    </p:extLst>
+  </p:cSld>
+  <p:clrMapOvr>
+    <a:masterClrMapping/>
+  </p:clrMapOvr>
+  <p:timing>
+    <p:tnLst>
+      <p:par>
+        <p:cTn id="1" dur="indefinite" restart="never" nodeType="tmRoot"/>
+      </p:par>
+    </p:tnLst>
+  </p:timing>
+</p:sld>
+</file>
+
+<file path=ppt/slides/slide17.xml><?xml version="1.0" encoding="utf-8"?>
+<p:sld xmlns:a="http://schemas.openxmlformats.org/drawingml/2006/main" xmlns:r="http://schemas.openxmlformats.org/officeDocument/2006/relationships" xmlns:p="http://schemas.openxmlformats.org/presentationml/2006/main">
+  <p:cSld>
+    <p:spTree>
+      <p:nvGrpSpPr>
+        <p:cNvPr id="1" name=""/>
+        <p:cNvGrpSpPr/>
+        <p:nvPr/>
+      </p:nvGrpSpPr>
+      <p:grpSpPr>
+        <a:xfrm>
+          <a:off x="0" y="0"/>
+          <a:ext cx="0" cy="0"/>
+          <a:chOff x="0" y="0"/>
+          <a:chExt cx="0" cy="0"/>
+        </a:xfrm>
+      </p:grpSpPr>
+      <p:sp>
+        <p:nvSpPr>
+          <p:cNvPr id="2" name="Title 1"/>
+          <p:cNvSpPr>
+            <a:spLocks noGrp="1"/>
+          </p:cNvSpPr>
+          <p:nvPr>
+            <p:ph type="title"/>
+          </p:nvPr>
+        </p:nvSpPr>
+        <p:spPr/>
+        <p:txBody>
+          <a:bodyPr/>
+          <a:lstStyle/>
+          <a:p>
+            <a:r>
+              <a:rPr lang="ru-RU" dirty="0" smtClean="0"/>
+              <a:t>Отладка и логгирование</a:t>
+            </a:r>
+            <a:endParaRPr lang="en-US" dirty="0"/>
+          </a:p>
+        </p:txBody>
+      </p:sp>
+      <p:sp>
+        <p:nvSpPr>
+          <p:cNvPr id="3" name="Content Placeholder 2"/>
+          <p:cNvSpPr>
+            <a:spLocks noGrp="1"/>
+          </p:cNvSpPr>
+          <p:nvPr>
+            <p:ph idx="1"/>
+          </p:nvPr>
+        </p:nvSpPr>
+        <p:spPr/>
+        <p:txBody>
+          <a:bodyPr/>
+          <a:lstStyle/>
+          <a:p>
+            <a:r>
+              <a:rPr lang="ru-RU" dirty="0" smtClean="0"/>
+              <a:t>Глобальный лог</a:t>
+            </a:r>
+          </a:p>
+          <a:p>
+            <a:pPr lvl="1"/>
+            <a:r>
+              <a:rPr lang="ru-RU" dirty="0" smtClean="0"/>
+              <a:t>Облачные сервисы отлаживать практически нереально</a:t>
+            </a:r>
+            <a:br>
+              <a:rPr lang="ru-RU" dirty="0" smtClean="0"/>
+            </a:br>
+            <a:r>
+              <a:rPr lang="ru-RU" dirty="0" smtClean="0"/>
+              <a:t>Логгирование – единственный вменяемый способ понять в чем проблема</a:t>
+            </a:r>
+            <a:br>
+              <a:rPr lang="ru-RU" dirty="0" smtClean="0"/>
+            </a:br>
+            <a:r>
+              <a:rPr lang="ru-RU" dirty="0" smtClean="0"/>
+              <a:t>Сохранять максимум информации</a:t>
+            </a:r>
+            <a:br>
+              <a:rPr lang="ru-RU" dirty="0" smtClean="0"/>
+            </a:br>
+            <a:r>
+              <a:rPr lang="en-US" dirty="0" smtClean="0"/>
+              <a:t>Activity Id – </a:t>
+            </a:r>
+            <a:r>
+              <a:rPr lang="ru-RU" dirty="0" smtClean="0"/>
+              <a:t>дать </a:t>
+            </a:r>
+            <a:r>
+              <a:rPr lang="en-US" dirty="0" smtClean="0"/>
+              <a:t>Id </a:t>
+            </a:r>
+            <a:r>
+              <a:rPr lang="ru-RU" dirty="0" smtClean="0"/>
+              <a:t>цепочке действий от клиента сквозь всю структуру сервиса</a:t>
+            </a:r>
+            <a:endParaRPr lang="en-US" dirty="0" smtClean="0"/>
+          </a:p>
+          <a:p>
+            <a:r>
+              <a:rPr lang="en-US" dirty="0" err="1" smtClean="0"/>
+              <a:t>Elasticsearch</a:t>
+            </a:r>
+            <a:r>
+              <a:rPr lang="en-US" dirty="0" smtClean="0"/>
+              <a:t> </a:t>
+            </a:r>
+            <a:r>
+              <a:rPr lang="ru-RU" dirty="0" smtClean="0"/>
+              <a:t>и </a:t>
+            </a:r>
+            <a:r>
+              <a:rPr lang="en-US" dirty="0" err="1" smtClean="0"/>
+              <a:t>Kibana</a:t>
+            </a:r>
+            <a:endParaRPr lang="ru-RU" dirty="0" smtClean="0"/>
+          </a:p>
+          <a:p>
+            <a:pPr lvl="1"/>
+            <a:r>
+              <a:rPr lang="ru-RU" dirty="0" smtClean="0"/>
+              <a:t>Способ эффективно работать с логами</a:t>
+            </a:r>
+          </a:p>
+          <a:p>
+            <a:r>
+              <a:rPr lang="en-US" dirty="0" smtClean="0"/>
+              <a:t>Application </a:t>
+            </a:r>
+            <a:r>
+              <a:rPr lang="en-US" dirty="0"/>
+              <a:t>Insights for Visual Studio </a:t>
+            </a:r>
+            <a:r>
+              <a:rPr lang="en-US" dirty="0" smtClean="0"/>
+              <a:t>Online</a:t>
+            </a:r>
+          </a:p>
+          <a:p>
+            <a:endParaRPr lang="ru-RU" dirty="0"/>
+          </a:p>
+          <a:p>
+            <a:pPr lvl="1"/>
+            <a:endParaRPr lang="ru-RU" dirty="0" smtClean="0"/>
+          </a:p>
+        </p:txBody>
+      </p:sp>
+    </p:spTree>
+    <p:extLst>
+      <p:ext uri="{BB962C8B-B14F-4D97-AF65-F5344CB8AC3E}">
+        <p14:creationId xmlns:p14="http://schemas.microsoft.com/office/powerpoint/2010/main" val="2454176407"/>
+      </p:ext>
+    </p:extLst>
+  </p:cSld>
+  <p:clrMapOvr>
+    <a:masterClrMapping/>
+  </p:clrMapOvr>
+  <p:timing>
+    <p:tnLst>
+      <p:par>
+        <p:cTn id="1" dur="indefinite" restart="never" nodeType="tmRoot"/>
+      </p:par>
+    </p:tnLst>
+  </p:timing>
+</p:sld>
+</file>
+
+<file path=ppt/slides/slide18.xml><?xml version="1.0" encoding="utf-8"?>
 <p:sld xmlns:a="http://schemas.openxmlformats.org/drawingml/2006/main" xmlns:r="http://schemas.openxmlformats.org/officeDocument/2006/relationships" xmlns:p="http://schemas.openxmlformats.org/presentationml/2006/main">
   <p:cSld>
     <p:spTree>
@@ -5750,9 +6700,14 @@
           <a:lstStyle/>
           <a:p>
             <a:r>
-              <a:rPr lang="ru-RU" dirty="0"/>
-              <a:t>Будьте аккуратны с цветом подложки и текста.</a:t>
-            </a:r>
+              <a:rPr lang="en-US" dirty="0" smtClean="0"/>
+              <a:t>DEMO: </a:t>
+            </a:r>
+            <a:r>
+              <a:rPr lang="en-US" dirty="0" err="1" smtClean="0"/>
+              <a:t>Elasticsearch</a:t>
+            </a:r>
+            <a:endParaRPr lang="ru-RU" dirty="0"/>
           </a:p>
         </p:txBody>
       </p:sp>
@@ -5776,7 +6731,7 @@
 </p:sld>
 </file>
 
-<file path=ppt/slides/slide12.xml><?xml version="1.0" encoding="utf-8"?>
+<file path=ppt/slides/slide19.xml><?xml version="1.0" encoding="utf-8"?>
 <p:sld xmlns:a="http://schemas.openxmlformats.org/drawingml/2006/main" xmlns:r="http://schemas.openxmlformats.org/officeDocument/2006/relationships" xmlns:p="http://schemas.openxmlformats.org/presentationml/2006/main">
   <p:cSld>
     <p:spTree>
@@ -5795,58 +6750,91 @@
       </p:grpSpPr>
       <p:sp>
         <p:nvSpPr>
-          <p:cNvPr id="2" name="Заголовок 1"/>
+          <p:cNvPr id="2" name="Title 1"/>
           <p:cNvSpPr>
             <a:spLocks noGrp="1"/>
           </p:cNvSpPr>
           <p:nvPr>
-            <p:ph type="ctrTitle"/>
+            <p:ph type="title"/>
           </p:nvPr>
         </p:nvSpPr>
         <p:spPr/>
         <p:txBody>
-          <a:bodyPr>
-            <a:normAutofit/>
-          </a:bodyPr>
+          <a:bodyPr/>
           <a:lstStyle/>
           <a:p>
             <a:r>
               <a:rPr lang="ru-RU" dirty="0" smtClean="0"/>
-              <a:t>НАЖИМАЕМ КНОПКИ И ТЫКАЕМ ПАЛЬЦАМИ</a:t>
-            </a:r>
-            <a:endParaRPr lang="ru-RU" dirty="0"/>
-          </a:p>
-        </p:txBody>
-      </p:sp>
-      <p:sp>
-        <p:nvSpPr>
-          <p:cNvPr id="4" name="Подзаголовок 3"/>
+              <a:t>Конфигурация</a:t>
+            </a:r>
+            <a:endParaRPr lang="en-US" dirty="0"/>
+          </a:p>
+        </p:txBody>
+      </p:sp>
+      <p:sp>
+        <p:nvSpPr>
+          <p:cNvPr id="3" name="Content Placeholder 2"/>
           <p:cNvSpPr>
             <a:spLocks noGrp="1"/>
           </p:cNvSpPr>
           <p:nvPr>
-            <p:ph type="subTitle" idx="1"/>
+            <p:ph idx="1"/>
           </p:nvPr>
         </p:nvSpPr>
         <p:spPr/>
         <p:txBody>
-          <a:bodyPr>
-            <a:normAutofit/>
-          </a:bodyPr>
+          <a:bodyPr/>
           <a:lstStyle/>
           <a:p>
             <a:r>
               <a:rPr lang="ru-RU" dirty="0" smtClean="0"/>
-              <a:t>Константин Кичинский</a:t>
-            </a:r>
+              <a:t>Разделение на статическую и динамическую</a:t>
+            </a:r>
+          </a:p>
+          <a:p>
+            <a:pPr lvl="1"/>
+            <a:r>
+              <a:rPr lang="ru-RU" dirty="0" smtClean="0"/>
+              <a:t>Все, что невозможно изменить без перезапуска приложения нужно хранить стандартным способом</a:t>
+            </a:r>
+          </a:p>
+          <a:p>
+            <a:pPr lvl="1"/>
+            <a:r>
+              <a:rPr lang="en-US" dirty="0" smtClean="0"/>
+              <a:t>Connection strings, storage accounts, </a:t>
+            </a:r>
+            <a:r>
+              <a:rPr lang="en-US" dirty="0" err="1" smtClean="0"/>
+              <a:t>etc</a:t>
+            </a:r>
+            <a:r>
+              <a:rPr lang="ru-RU" dirty="0" smtClean="0"/>
+              <a:t>.</a:t>
+            </a:r>
+            <a:r>
+              <a:rPr lang="en-US" dirty="0" smtClean="0"/>
+              <a:t> – </a:t>
+            </a:r>
+            <a:r>
+              <a:rPr lang="ru-RU" dirty="0" smtClean="0"/>
+              <a:t>можно изменять в процессе работы приложения</a:t>
+            </a:r>
+            <a:endParaRPr lang="en-US" dirty="0" smtClean="0"/>
+          </a:p>
+          <a:p>
             <a:endParaRPr lang="ru-RU" dirty="0"/>
+          </a:p>
+          <a:p>
+            <a:pPr lvl="1"/>
+            <a:endParaRPr lang="ru-RU" dirty="0" smtClean="0"/>
           </a:p>
         </p:txBody>
       </p:sp>
     </p:spTree>
     <p:extLst>
       <p:ext uri="{BB962C8B-B14F-4D97-AF65-F5344CB8AC3E}">
-        <p14:creationId xmlns:p14="http://schemas.microsoft.com/office/powerpoint/2010/main" val="2023245439"/>
+        <p14:creationId xmlns:p14="http://schemas.microsoft.com/office/powerpoint/2010/main" val="4188051220"/>
       </p:ext>
     </p:extLst>
   </p:cSld>
@@ -5863,7 +6851,7 @@
 </p:sld>
 </file>
 
-<file path=ppt/slides/slide13.xml><?xml version="1.0" encoding="utf-8"?>
+<file path=ppt/slides/slide2.xml><?xml version="1.0" encoding="utf-8"?>
 <p:sld xmlns:a="http://schemas.openxmlformats.org/drawingml/2006/main" xmlns:r="http://schemas.openxmlformats.org/officeDocument/2006/relationships" xmlns:p="http://schemas.openxmlformats.org/presentationml/2006/main">
   <p:cSld>
     <p:spTree>
@@ -5882,539 +6870,85 @@
       </p:grpSpPr>
       <p:sp>
         <p:nvSpPr>
-          <p:cNvPr id="4" name="Заголовок 3"/>
+          <p:cNvPr id="2" name="Title 1"/>
           <p:cNvSpPr>
             <a:spLocks noGrp="1"/>
           </p:cNvSpPr>
           <p:nvPr>
-            <p:ph type="title"/>
+            <p:ph type="ctrTitle"/>
           </p:nvPr>
         </p:nvSpPr>
         <p:spPr/>
         <p:txBody>
-          <a:bodyPr/>
+          <a:bodyPr>
+            <a:normAutofit fontScale="90000"/>
+          </a:bodyPr>
           <a:lstStyle/>
           <a:p>
             <a:r>
-              <a:rPr lang="ru-RU" dirty="0" err="1" smtClean="0"/>
-              <a:t>Кодим</a:t>
-            </a:r>
-            <a:endParaRPr lang="ru-RU" dirty="0"/>
-          </a:p>
-        </p:txBody>
-      </p:sp>
-      <p:sp>
-        <p:nvSpPr>
-          <p:cNvPr id="5" name="Объект 4"/>
+              <a:rPr lang="ru-RU" dirty="0"/>
+              <a:t>Опыт разработки сервиса мониторинга подготовки к ЕГЭ </a:t>
+            </a:r>
+            <a:r>
+              <a:rPr lang="ru-RU" dirty="0" smtClean="0"/>
+              <a:t>на платформе </a:t>
+            </a:r>
+            <a:r>
+              <a:rPr lang="ru-RU" dirty="0"/>
+              <a:t>Microsoft </a:t>
+            </a:r>
+            <a:r>
+              <a:rPr lang="ru-RU" dirty="0" smtClean="0"/>
+              <a:t>Azure</a:t>
+            </a:r>
+            <a:endParaRPr lang="en-US" dirty="0"/>
+          </a:p>
+        </p:txBody>
+      </p:sp>
+      <p:sp>
+        <p:nvSpPr>
+          <p:cNvPr id="3" name="Text Placeholder 2"/>
           <p:cNvSpPr>
             <a:spLocks noGrp="1"/>
           </p:cNvSpPr>
           <p:nvPr>
-            <p:ph idx="1"/>
+            <p:ph type="body" sz="quarter" idx="11"/>
           </p:nvPr>
         </p:nvSpPr>
         <p:spPr/>
         <p:txBody>
           <a:bodyPr>
-            <a:normAutofit fontScale="92500" lnSpcReduction="10000"/>
+            <a:normAutofit fontScale="85000" lnSpcReduction="10000"/>
           </a:bodyPr>
           <a:lstStyle/>
           <a:p>
-            <a:r>
-              <a:rPr lang="en-US" dirty="0" smtClean="0">
-                <a:solidFill>
-                  <a:schemeClr val="tx1">
-                    <a:lumMod val="25000"/>
-                    <a:lumOff val="75000"/>
-                  </a:schemeClr>
-                </a:solidFill>
-              </a:rPr>
-              <a:t>/</a:t>
-            </a:r>
-            <a:r>
-              <a:rPr lang="ru-RU" dirty="0" smtClean="0">
-                <a:solidFill>
-                  <a:schemeClr val="tx1">
-                    <a:lumMod val="25000"/>
-                    <a:lumOff val="75000"/>
-                  </a:schemeClr>
-                </a:solidFill>
-              </a:rPr>
-              <a:t>*</a:t>
-            </a:r>
-            <a:r>
-              <a:rPr lang="en-US" dirty="0" smtClean="0">
-                <a:solidFill>
-                  <a:schemeClr val="tx1">
-                    <a:lumMod val="25000"/>
-                    <a:lumOff val="75000"/>
-                  </a:schemeClr>
-                </a:solidFill>
-              </a:rPr>
-              <a:t> </a:t>
-            </a:r>
-            <a:r>
-              <a:rPr lang="ru-RU" dirty="0" smtClean="0">
-                <a:solidFill>
-                  <a:schemeClr val="tx1">
-                    <a:lumMod val="25000"/>
-                    <a:lumOff val="75000"/>
-                  </a:schemeClr>
-                </a:solidFill>
-              </a:rPr>
-              <a:t>1. Делайте разметку основных вещей (комментарии, ключевые слова, строки) </a:t>
-            </a:r>
-          </a:p>
-          <a:p>
-            <a:r>
-              <a:rPr lang="ru-RU" dirty="0" smtClean="0">
-                <a:solidFill>
-                  <a:schemeClr val="tx1">
-                    <a:lumMod val="25000"/>
-                    <a:lumOff val="75000"/>
-                  </a:schemeClr>
-                </a:solidFill>
-              </a:rPr>
-              <a:t>   2. Сокращайте код, чтобы было не больше 10-15 строчек, скрывайте неважное</a:t>
-            </a:r>
-          </a:p>
-          <a:p>
-            <a:r>
-              <a:rPr lang="ru-RU" dirty="0">
-                <a:solidFill>
-                  <a:schemeClr val="tx1">
-                    <a:lumMod val="25000"/>
-                    <a:lumOff val="75000"/>
-                  </a:schemeClr>
-                </a:solidFill>
-              </a:rPr>
-              <a:t> </a:t>
-            </a:r>
-            <a:r>
-              <a:rPr lang="ru-RU" dirty="0" smtClean="0">
-                <a:solidFill>
-                  <a:schemeClr val="tx1">
-                    <a:lumMod val="25000"/>
-                    <a:lumOff val="75000"/>
-                  </a:schemeClr>
-                </a:solidFill>
-              </a:rPr>
-              <a:t>  3. Длинный код разбивайте на несколько слайдов или показывайте в студии </a:t>
-            </a:r>
-            <a:r>
-              <a:rPr lang="ru-RU" dirty="0" smtClean="0">
-                <a:solidFill>
-                  <a:schemeClr val="tx1">
-                    <a:lumMod val="25000"/>
-                    <a:lumOff val="75000"/>
-                  </a:schemeClr>
-                </a:solidFill>
-                <a:sym typeface="Wingdings" panose="05000000000000000000" pitchFamily="2" charset="2"/>
-              </a:rPr>
-              <a:t></a:t>
-            </a:r>
-            <a:endParaRPr lang="ru-RU" dirty="0" smtClean="0">
-              <a:solidFill>
-                <a:schemeClr val="tx1">
-                  <a:lumMod val="25000"/>
-                  <a:lumOff val="75000"/>
-                </a:schemeClr>
-              </a:solidFill>
-            </a:endParaRPr>
-          </a:p>
-          <a:p>
-            <a:r>
-              <a:rPr lang="ru-RU" dirty="0" smtClean="0">
-                <a:solidFill>
-                  <a:schemeClr val="tx1">
-                    <a:lumMod val="25000"/>
-                    <a:lumOff val="75000"/>
-                  </a:schemeClr>
-                </a:solidFill>
-              </a:rPr>
-              <a:t>   4. Отмечайте, на что надо обратить внимание */</a:t>
-            </a:r>
-          </a:p>
-          <a:p>
-            <a:r>
-              <a:rPr lang="en-US" dirty="0" smtClean="0">
-                <a:solidFill>
-                  <a:schemeClr val="accent1">
-                    <a:lumMod val="60000"/>
-                    <a:lumOff val="40000"/>
-                  </a:schemeClr>
-                </a:solidFill>
-              </a:rPr>
-              <a:t>function </a:t>
-            </a:r>
-            <a:r>
-              <a:rPr lang="en-US" dirty="0" err="1" smtClean="0"/>
-              <a:t>getSharingDataRequestedHandler</a:t>
-            </a:r>
-            <a:r>
-              <a:rPr lang="en-US" dirty="0" smtClean="0"/>
-              <a:t>(</a:t>
-            </a:r>
-            <a:r>
-              <a:rPr lang="en-US" dirty="0">
-                <a:effectLst>
-                  <a:glow rad="228600">
-                    <a:schemeClr val="accent3">
-                      <a:alpha val="40000"/>
-                    </a:schemeClr>
-                  </a:glow>
-                </a:effectLst>
-              </a:rPr>
-              <a:t>item</a:t>
-            </a:r>
-            <a:r>
-              <a:rPr lang="en-US" dirty="0" smtClean="0"/>
-              <a:t>) </a:t>
-            </a:r>
-            <a:r>
-              <a:rPr lang="en-US" dirty="0"/>
-              <a:t>{</a:t>
-            </a:r>
-          </a:p>
-          <a:p>
-            <a:pPr lvl="1"/>
-            <a:r>
-              <a:rPr lang="en-US" dirty="0" err="1">
-                <a:solidFill>
-                  <a:schemeClr val="accent1">
-                    <a:lumMod val="60000"/>
-                    <a:lumOff val="40000"/>
-                  </a:schemeClr>
-                </a:solidFill>
-              </a:rPr>
-              <a:t>var</a:t>
+            <a:pPr lvl="0"/>
+            <a:r>
+              <a:rPr lang="ru-RU" dirty="0" smtClean="0"/>
+              <a:t>Евгений Агафонов</a:t>
             </a:r>
             <a:r>
               <a:rPr lang="en-US" dirty="0" smtClean="0"/>
               <a:t> </a:t>
             </a:r>
             <a:r>
-              <a:rPr lang="en-US" dirty="0"/>
-              <a:t>handler = </a:t>
-            </a:r>
-            <a:r>
-              <a:rPr lang="en-US" dirty="0">
-                <a:solidFill>
-                  <a:schemeClr val="accent1">
-                    <a:lumMod val="60000"/>
-                    <a:lumOff val="40000"/>
-                  </a:schemeClr>
-                </a:solidFill>
-              </a:rPr>
-              <a:t>function</a:t>
-            </a:r>
-            <a:r>
-              <a:rPr lang="en-US" dirty="0"/>
-              <a:t> </a:t>
-            </a:r>
-            <a:r>
-              <a:rPr lang="en-US" dirty="0" err="1"/>
-              <a:t>onSharingDataRequested</a:t>
-            </a:r>
-            <a:r>
-              <a:rPr lang="en-US" dirty="0"/>
-              <a:t>(event) {</a:t>
-            </a:r>
-          </a:p>
-          <a:p>
-            <a:pPr lvl="2"/>
-            <a:r>
-              <a:rPr lang="en-US" dirty="0" err="1">
-                <a:solidFill>
-                  <a:schemeClr val="accent1">
-                    <a:lumMod val="60000"/>
-                    <a:lumOff val="40000"/>
-                  </a:schemeClr>
-                </a:solidFill>
-              </a:rPr>
-              <a:t>var</a:t>
-            </a:r>
-            <a:r>
-              <a:rPr lang="en-US" dirty="0" smtClean="0"/>
-              <a:t> </a:t>
-            </a:r>
-            <a:r>
-              <a:rPr lang="en-US" dirty="0"/>
-              <a:t>request = </a:t>
-            </a:r>
-            <a:r>
-              <a:rPr lang="en-US" dirty="0" err="1"/>
-              <a:t>event.request</a:t>
-            </a:r>
-            <a:r>
-              <a:rPr lang="en-US" dirty="0"/>
-              <a:t>;</a:t>
-            </a:r>
-          </a:p>
-          <a:p>
-            <a:pPr lvl="2"/>
-            <a:r>
-              <a:rPr lang="en-US" dirty="0" err="1">
-                <a:solidFill>
-                  <a:schemeClr val="accent1">
-                    <a:lumMod val="60000"/>
-                    <a:lumOff val="40000"/>
-                  </a:schemeClr>
-                </a:solidFill>
-              </a:rPr>
-              <a:t>var</a:t>
-            </a:r>
-            <a:r>
-              <a:rPr lang="en-US" dirty="0" smtClean="0"/>
-              <a:t> </a:t>
-            </a:r>
-            <a:r>
-              <a:rPr lang="en-US" dirty="0"/>
-              <a:t>text = </a:t>
-            </a:r>
-            <a:r>
-              <a:rPr lang="en-US" dirty="0" err="1"/>
-              <a:t>item.title</a:t>
-            </a:r>
-            <a:r>
-              <a:rPr lang="en-US" dirty="0"/>
-              <a:t>;</a:t>
-            </a:r>
-          </a:p>
-          <a:p>
-            <a:pPr lvl="2"/>
-            <a:r>
-              <a:rPr lang="en-US" dirty="0">
-                <a:solidFill>
-                  <a:schemeClr val="accent1">
-                    <a:lumMod val="60000"/>
-                    <a:lumOff val="40000"/>
-                  </a:schemeClr>
-                </a:solidFill>
-              </a:rPr>
-              <a:t>if</a:t>
-            </a:r>
-            <a:r>
-              <a:rPr lang="en-US" dirty="0" smtClean="0"/>
-              <a:t> </a:t>
-            </a:r>
-            <a:r>
-              <a:rPr lang="en-US" dirty="0"/>
-              <a:t>(</a:t>
-            </a:r>
-            <a:r>
-              <a:rPr lang="en-US" dirty="0" err="1">
-                <a:effectLst>
-                  <a:glow rad="228600">
-                    <a:schemeClr val="accent3">
-                      <a:satMod val="175000"/>
-                      <a:alpha val="40000"/>
-                    </a:schemeClr>
-                  </a:glow>
-                </a:effectLst>
-              </a:rPr>
-              <a:t>item</a:t>
-            </a:r>
-            <a:r>
-              <a:rPr lang="en-US" dirty="0" err="1"/>
-              <a:t>.link</a:t>
-            </a:r>
-            <a:r>
-              <a:rPr lang="en-US" dirty="0"/>
-              <a:t>) {</a:t>
-            </a:r>
-          </a:p>
-          <a:p>
-            <a:pPr lvl="3"/>
-            <a:r>
-              <a:rPr lang="en-US" dirty="0" smtClean="0"/>
-              <a:t>text </a:t>
-            </a:r>
-            <a:r>
-              <a:rPr lang="en-US" dirty="0"/>
-              <a:t>+= </a:t>
-            </a:r>
-            <a:r>
-              <a:rPr lang="en-US" dirty="0">
-                <a:solidFill>
-                  <a:schemeClr val="bg2">
-                    <a:lumMod val="25000"/>
-                  </a:schemeClr>
-                </a:solidFill>
-              </a:rPr>
-              <a:t>"\n\r" </a:t>
-            </a:r>
-            <a:r>
-              <a:rPr lang="en-US" dirty="0"/>
-              <a:t>+ </a:t>
-            </a:r>
-            <a:r>
-              <a:rPr lang="en-US" dirty="0" err="1">
-                <a:effectLst>
-                  <a:glow rad="228600">
-                    <a:schemeClr val="accent3">
-                      <a:satMod val="175000"/>
-                      <a:alpha val="40000"/>
-                    </a:schemeClr>
-                  </a:glow>
-                </a:effectLst>
-              </a:rPr>
-              <a:t>item</a:t>
-            </a:r>
-            <a:r>
-              <a:rPr lang="en-US" dirty="0" err="1"/>
-              <a:t>.link</a:t>
-            </a:r>
-            <a:r>
-              <a:rPr lang="en-US" dirty="0"/>
-              <a:t>;</a:t>
-            </a:r>
-          </a:p>
-          <a:p>
-            <a:pPr lvl="3"/>
-            <a:r>
-              <a:rPr lang="en-US" dirty="0" err="1" smtClean="0"/>
-              <a:t>request.data.setUri</a:t>
-            </a:r>
-            <a:r>
-              <a:rPr lang="en-US" dirty="0" smtClean="0"/>
-              <a:t>(</a:t>
-            </a:r>
-            <a:r>
-              <a:rPr lang="en-US" dirty="0">
-                <a:solidFill>
-                  <a:schemeClr val="accent1">
-                    <a:lumMod val="60000"/>
-                    <a:lumOff val="40000"/>
-                  </a:schemeClr>
-                </a:solidFill>
-              </a:rPr>
-              <a:t>new</a:t>
-            </a:r>
-            <a:r>
-              <a:rPr lang="en-US" dirty="0" smtClean="0"/>
-              <a:t> </a:t>
-            </a:r>
-            <a:r>
-              <a:rPr lang="en-US" dirty="0" err="1"/>
-              <a:t>Windows.Foundation.Uri</a:t>
-            </a:r>
-            <a:r>
-              <a:rPr lang="en-US" dirty="0"/>
-              <a:t>(</a:t>
-            </a:r>
-            <a:r>
-              <a:rPr lang="en-US" dirty="0" err="1">
-                <a:effectLst>
-                  <a:glow rad="228600">
-                    <a:schemeClr val="accent3">
-                      <a:satMod val="175000"/>
-                      <a:alpha val="40000"/>
-                    </a:schemeClr>
-                  </a:glow>
-                </a:effectLst>
-              </a:rPr>
-              <a:t>item</a:t>
-            </a:r>
-            <a:r>
-              <a:rPr lang="en-US" dirty="0" err="1"/>
-              <a:t>.link</a:t>
-            </a:r>
-            <a:r>
-              <a:rPr lang="en-US" dirty="0"/>
-              <a:t>));</a:t>
-            </a:r>
-          </a:p>
-          <a:p>
-            <a:pPr lvl="2"/>
-            <a:r>
-              <a:rPr lang="ru-RU" dirty="0" smtClean="0"/>
-              <a:t>}</a:t>
-            </a:r>
-            <a:endParaRPr lang="ru-RU" dirty="0"/>
-          </a:p>
-          <a:p>
-            <a:pPr lvl="2"/>
-            <a:r>
-              <a:rPr lang="en-US" dirty="0" err="1" smtClean="0"/>
-              <a:t>request.data.properties.title</a:t>
-            </a:r>
-            <a:r>
-              <a:rPr lang="en-US" dirty="0" smtClean="0"/>
-              <a:t> </a:t>
-            </a:r>
-            <a:r>
-              <a:rPr lang="en-US" dirty="0"/>
-              <a:t>= text;</a:t>
-            </a:r>
-          </a:p>
-          <a:p>
-            <a:pPr lvl="2"/>
-            <a:r>
-              <a:rPr lang="en-US" dirty="0" smtClean="0">
-                <a:solidFill>
-                  <a:schemeClr val="accent1"/>
-                </a:solidFill>
-              </a:rPr>
-              <a:t>// … </a:t>
-            </a:r>
-            <a:r>
-              <a:rPr lang="ru-RU" dirty="0" smtClean="0">
-                <a:solidFill>
-                  <a:schemeClr val="accent1"/>
-                </a:solidFill>
-              </a:rPr>
-              <a:t>и другие свойства</a:t>
-            </a:r>
-            <a:endParaRPr lang="en-US" dirty="0">
-              <a:solidFill>
-                <a:schemeClr val="accent1"/>
-              </a:solidFill>
-            </a:endParaRPr>
-          </a:p>
-          <a:p>
-            <a:pPr lvl="1"/>
-            <a:r>
-              <a:rPr lang="ru-RU" dirty="0" smtClean="0"/>
-              <a:t>};</a:t>
-            </a:r>
-            <a:endParaRPr lang="ru-RU" dirty="0"/>
-          </a:p>
-          <a:p>
-            <a:pPr lvl="1"/>
-            <a:r>
-              <a:rPr lang="en-US" dirty="0">
-                <a:solidFill>
-                  <a:schemeClr val="accent1">
-                    <a:lumMod val="60000"/>
-                    <a:lumOff val="40000"/>
-                  </a:schemeClr>
-                </a:solidFill>
-              </a:rPr>
-              <a:t>return</a:t>
-            </a:r>
-            <a:r>
-              <a:rPr lang="en-US" dirty="0" smtClean="0"/>
-              <a:t> </a:t>
-            </a:r>
-            <a:r>
-              <a:rPr lang="en-US" dirty="0"/>
-              <a:t>handler;        </a:t>
-            </a:r>
-          </a:p>
-          <a:p>
-            <a:r>
-              <a:rPr lang="ru-RU" dirty="0" smtClean="0"/>
-              <a:t>}</a:t>
-            </a:r>
-            <a:endParaRPr lang="ru-RU" dirty="0"/>
+              <a:rPr lang="en-US" sz="2400" dirty="0" smtClean="0"/>
+              <a:t>{</a:t>
+            </a:r>
+            <a:r>
+              <a:rPr lang="en-US" sz="2400" dirty="0"/>
+              <a:t>ABBYY, Head of Education Products Development Group}</a:t>
+            </a:r>
+          </a:p>
+          <a:p>
+            <a:endParaRPr lang="en-US" dirty="0"/>
           </a:p>
         </p:txBody>
       </p:sp>
     </p:spTree>
     <p:extLst>
       <p:ext uri="{BB962C8B-B14F-4D97-AF65-F5344CB8AC3E}">
-        <p14:creationId xmlns:p14="http://schemas.microsoft.com/office/powerpoint/2010/main" val="3341480692"/>
+        <p14:creationId xmlns:p14="http://schemas.microsoft.com/office/powerpoint/2010/main" val="2899047879"/>
       </p:ext>
     </p:extLst>
   </p:cSld>
@@ -6431,7 +6965,7 @@
 </p:sld>
 </file>
 
-<file path=ppt/slides/slide14.xml><?xml version="1.0" encoding="utf-8"?>
+<file path=ppt/slides/slide20.xml><?xml version="1.0" encoding="utf-8"?>
 <p:sld xmlns:a="http://schemas.openxmlformats.org/drawingml/2006/main" xmlns:r="http://schemas.openxmlformats.org/officeDocument/2006/relationships" xmlns:p="http://schemas.openxmlformats.org/presentationml/2006/main">
   <p:cSld>
     <p:spTree>
@@ -6448,6 +6982,413 @@
           <a:chExt cx="0" cy="0"/>
         </a:xfrm>
       </p:grpSpPr>
+      <p:pic>
+        <p:nvPicPr>
+          <p:cNvPr id="4" name="Content Placeholder 3"/>
+          <p:cNvPicPr>
+            <a:picLocks noGrp="1" noChangeAspect="1"/>
+          </p:cNvPicPr>
+          <p:nvPr>
+            <p:ph sz="quarter" idx="10"/>
+          </p:nvPr>
+        </p:nvPicPr>
+        <p:blipFill rotWithShape="1">
+          <a:blip r:embed="rId2" cstate="print">
+            <a:extLst>
+              <a:ext uri="{28A0092B-C50C-407E-A947-70E740481C1C}">
+                <a14:useLocalDpi xmlns:a14="http://schemas.microsoft.com/office/drawing/2010/main" val="0"/>
+              </a:ext>
+            </a:extLst>
+          </a:blip>
+          <a:srcRect/>
+          <a:stretch/>
+        </p:blipFill>
+        <p:spPr>
+          <a:xfrm>
+            <a:off x="8256588" y="9000"/>
+            <a:ext cx="3935412" cy="6839999"/>
+          </a:xfrm>
+        </p:spPr>
+      </p:pic>
+      <p:sp>
+        <p:nvSpPr>
+          <p:cNvPr id="2" name="Title 1"/>
+          <p:cNvSpPr>
+            <a:spLocks noGrp="1"/>
+          </p:cNvSpPr>
+          <p:nvPr>
+            <p:ph type="title"/>
+          </p:nvPr>
+        </p:nvSpPr>
+        <p:spPr/>
+        <p:txBody>
+          <a:bodyPr/>
+          <a:lstStyle/>
+          <a:p>
+            <a:r>
+              <a:rPr lang="en-US" dirty="0" smtClean="0"/>
+              <a:t>DEMO: </a:t>
+            </a:r>
+            <a:r>
+              <a:rPr lang="ru-RU" dirty="0" smtClean="0"/>
+              <a:t>Динамическая конфигурация</a:t>
+            </a:r>
+            <a:endParaRPr lang="ru-RU" dirty="0"/>
+          </a:p>
+        </p:txBody>
+      </p:sp>
+    </p:spTree>
+    <p:extLst>
+      <p:ext uri="{BB962C8B-B14F-4D97-AF65-F5344CB8AC3E}">
+        <p14:creationId xmlns:p14="http://schemas.microsoft.com/office/powerpoint/2010/main" val="1033598430"/>
+      </p:ext>
+    </p:extLst>
+  </p:cSld>
+  <p:clrMapOvr>
+    <a:masterClrMapping/>
+  </p:clrMapOvr>
+  <p:timing>
+    <p:tnLst>
+      <p:par>
+        <p:cTn id="1" dur="indefinite" restart="never" nodeType="tmRoot"/>
+      </p:par>
+    </p:tnLst>
+  </p:timing>
+</p:sld>
+</file>
+
+<file path=ppt/slides/slide21.xml><?xml version="1.0" encoding="utf-8"?>
+<p:sld xmlns:a="http://schemas.openxmlformats.org/drawingml/2006/main" xmlns:r="http://schemas.openxmlformats.org/officeDocument/2006/relationships" xmlns:p="http://schemas.openxmlformats.org/presentationml/2006/main">
+  <p:cSld>
+    <p:spTree>
+      <p:nvGrpSpPr>
+        <p:cNvPr id="1" name=""/>
+        <p:cNvGrpSpPr/>
+        <p:nvPr/>
+      </p:nvGrpSpPr>
+      <p:grpSpPr>
+        <a:xfrm>
+          <a:off x="0" y="0"/>
+          <a:ext cx="0" cy="0"/>
+          <a:chOff x="0" y="0"/>
+          <a:chExt cx="0" cy="0"/>
+        </a:xfrm>
+      </p:grpSpPr>
+      <p:sp>
+        <p:nvSpPr>
+          <p:cNvPr id="2" name="Title 1"/>
+          <p:cNvSpPr>
+            <a:spLocks noGrp="1"/>
+          </p:cNvSpPr>
+          <p:nvPr>
+            <p:ph type="title"/>
+          </p:nvPr>
+        </p:nvSpPr>
+        <p:spPr/>
+        <p:txBody>
+          <a:bodyPr/>
+          <a:lstStyle/>
+          <a:p>
+            <a:r>
+              <a:rPr lang="ru-RU" dirty="0" smtClean="0"/>
+              <a:t>Полезные советы</a:t>
+            </a:r>
+            <a:endParaRPr lang="en-US" dirty="0"/>
+          </a:p>
+        </p:txBody>
+      </p:sp>
+      <p:sp>
+        <p:nvSpPr>
+          <p:cNvPr id="3" name="Content Placeholder 2"/>
+          <p:cNvSpPr>
+            <a:spLocks noGrp="1"/>
+          </p:cNvSpPr>
+          <p:nvPr>
+            <p:ph idx="1"/>
+          </p:nvPr>
+        </p:nvSpPr>
+        <p:spPr/>
+        <p:txBody>
+          <a:bodyPr>
+            <a:normAutofit fontScale="92500" lnSpcReduction="20000"/>
+          </a:bodyPr>
+          <a:lstStyle/>
+          <a:p>
+            <a:r>
+              <a:rPr lang="ru-RU" dirty="0" smtClean="0"/>
+              <a:t>Администрирование</a:t>
+            </a:r>
+            <a:endParaRPr lang="en-US" dirty="0"/>
+          </a:p>
+          <a:p>
+            <a:pPr lvl="1"/>
+            <a:r>
+              <a:rPr lang="ru-RU" dirty="0" smtClean="0"/>
+              <a:t>Оформляйте все задачи по администрированию в виде кода</a:t>
+            </a:r>
+            <a:r>
+              <a:rPr lang="en-US" dirty="0" smtClean="0"/>
+              <a:t/>
+            </a:r>
+            <a:br>
+              <a:rPr lang="en-US" dirty="0" smtClean="0"/>
+            </a:br>
+            <a:r>
+              <a:rPr lang="ru-RU" dirty="0" smtClean="0"/>
+              <a:t>Удобно использовать </a:t>
+            </a:r>
+            <a:r>
+              <a:rPr lang="en-US" dirty="0" smtClean="0"/>
+              <a:t>LINQPad </a:t>
+            </a:r>
+            <a:r>
+              <a:rPr lang="ru-RU" dirty="0" smtClean="0"/>
+              <a:t>и</a:t>
+            </a:r>
+            <a:r>
+              <a:rPr lang="en-US" dirty="0" smtClean="0"/>
+              <a:t>/</a:t>
+            </a:r>
+            <a:r>
+              <a:rPr lang="ru-RU" dirty="0" smtClean="0"/>
+              <a:t>или </a:t>
+            </a:r>
+            <a:r>
+              <a:rPr lang="en-US" dirty="0" err="1" smtClean="0"/>
+              <a:t>scriptcs</a:t>
+            </a:r>
+            <a:r>
+              <a:rPr lang="en-US" dirty="0" smtClean="0"/>
+              <a:t/>
+            </a:r>
+            <a:br>
+              <a:rPr lang="en-US" dirty="0" smtClean="0"/>
+            </a:br>
+            <a:r>
+              <a:rPr lang="ru-RU" dirty="0" smtClean="0"/>
+              <a:t>Такой код потом легко мигрируется в административное приложение</a:t>
+            </a:r>
+          </a:p>
+          <a:p>
+            <a:r>
+              <a:rPr lang="ru-RU" dirty="0" smtClean="0"/>
+              <a:t>Развертывание</a:t>
+            </a:r>
+          </a:p>
+          <a:p>
+            <a:pPr lvl="1"/>
+            <a:r>
+              <a:rPr lang="ru-RU" dirty="0" smtClean="0"/>
+              <a:t>Пишите код с учетом механизмов развертывания в </a:t>
+            </a:r>
+            <a:r>
+              <a:rPr lang="en-US" dirty="0" smtClean="0"/>
+              <a:t>Azure</a:t>
+            </a:r>
+            <a:br>
+              <a:rPr lang="en-US" dirty="0" smtClean="0"/>
+            </a:br>
+            <a:r>
+              <a:rPr lang="ru-RU" dirty="0" smtClean="0"/>
+              <a:t>Версионность сообщений в </a:t>
+            </a:r>
+            <a:r>
+              <a:rPr lang="en-US" dirty="0" smtClean="0"/>
+              <a:t>Azure Queues</a:t>
+            </a:r>
+            <a:br>
+              <a:rPr lang="en-US" dirty="0" smtClean="0"/>
+            </a:br>
+            <a:r>
+              <a:rPr lang="ru-RU" dirty="0" smtClean="0"/>
+              <a:t>Подумайте о режиме </a:t>
+            </a:r>
+            <a:r>
+              <a:rPr lang="en-US" dirty="0" smtClean="0"/>
+              <a:t>read-only</a:t>
+            </a:r>
+            <a:endParaRPr lang="ru-RU" dirty="0" smtClean="0"/>
+          </a:p>
+          <a:p>
+            <a:r>
+              <a:rPr lang="ru-RU" dirty="0" smtClean="0"/>
+              <a:t>Документация</a:t>
+            </a:r>
+          </a:p>
+          <a:p>
+            <a:pPr lvl="1"/>
+            <a:r>
+              <a:rPr lang="ru-RU" dirty="0" smtClean="0"/>
+              <a:t>Храните всю информацию о сервисе в </a:t>
+            </a:r>
+            <a:r>
+              <a:rPr lang="en-US" dirty="0" smtClean="0"/>
+              <a:t>Azure </a:t>
+            </a:r>
+            <a:r>
+              <a:rPr lang="ru-RU" dirty="0" smtClean="0"/>
+              <a:t>на «портале Проекта»</a:t>
+            </a:r>
+            <a:br>
+              <a:rPr lang="ru-RU" dirty="0" smtClean="0"/>
+            </a:br>
+            <a:r>
+              <a:rPr lang="ru-RU" dirty="0" smtClean="0"/>
+              <a:t>Создайте сертификат управления сервисом и тоже сохраните в доступном месте</a:t>
+            </a:r>
+            <a:br>
+              <a:rPr lang="ru-RU" dirty="0" smtClean="0"/>
+            </a:br>
+            <a:r>
+              <a:rPr lang="ru-RU" dirty="0" smtClean="0"/>
+              <a:t>Как и все сертификаты вообще </a:t>
+            </a:r>
+            <a:r>
+              <a:rPr lang="ru-RU" dirty="0" smtClean="0">
+                <a:sym typeface="Wingdings" panose="05000000000000000000" pitchFamily="2" charset="2"/>
+              </a:rPr>
+              <a:t></a:t>
+            </a:r>
+            <a:endParaRPr lang="ru-RU" dirty="0"/>
+          </a:p>
+          <a:p>
+            <a:pPr lvl="1"/>
+            <a:endParaRPr lang="ru-RU" dirty="0" smtClean="0"/>
+          </a:p>
+        </p:txBody>
+      </p:sp>
+    </p:spTree>
+    <p:extLst>
+      <p:ext uri="{BB962C8B-B14F-4D97-AF65-F5344CB8AC3E}">
+        <p14:creationId xmlns:p14="http://schemas.microsoft.com/office/powerpoint/2010/main" val="2981581124"/>
+      </p:ext>
+    </p:extLst>
+  </p:cSld>
+  <p:clrMapOvr>
+    <a:masterClrMapping/>
+  </p:clrMapOvr>
+  <p:timing>
+    <p:tnLst>
+      <p:par>
+        <p:cTn id="1" dur="indefinite" restart="never" nodeType="tmRoot"/>
+      </p:par>
+    </p:tnLst>
+  </p:timing>
+</p:sld>
+</file>
+
+<file path=ppt/slides/slide22.xml><?xml version="1.0" encoding="utf-8"?>
+<p:sld xmlns:a="http://schemas.openxmlformats.org/drawingml/2006/main" xmlns:r="http://schemas.openxmlformats.org/officeDocument/2006/relationships" xmlns:p="http://schemas.openxmlformats.org/presentationml/2006/main">
+  <p:cSld>
+    <p:spTree>
+      <p:nvGrpSpPr>
+        <p:cNvPr id="1" name=""/>
+        <p:cNvGrpSpPr/>
+        <p:nvPr/>
+      </p:nvGrpSpPr>
+      <p:grpSpPr>
+        <a:xfrm>
+          <a:off x="0" y="0"/>
+          <a:ext cx="0" cy="0"/>
+          <a:chOff x="0" y="0"/>
+          <a:chExt cx="0" cy="0"/>
+        </a:xfrm>
+      </p:grpSpPr>
+      <p:pic>
+        <p:nvPicPr>
+          <p:cNvPr id="4" name="Content Placeholder 3"/>
+          <p:cNvPicPr>
+            <a:picLocks noGrp="1" noChangeAspect="1"/>
+          </p:cNvPicPr>
+          <p:nvPr>
+            <p:ph sz="quarter" idx="10"/>
+          </p:nvPr>
+        </p:nvPicPr>
+        <p:blipFill rotWithShape="1">
+          <a:blip r:embed="rId2" cstate="print">
+            <a:extLst>
+              <a:ext uri="{28A0092B-C50C-407E-A947-70E740481C1C}">
+                <a14:useLocalDpi xmlns:a14="http://schemas.microsoft.com/office/drawing/2010/main" val="0"/>
+              </a:ext>
+            </a:extLst>
+          </a:blip>
+          <a:srcRect/>
+          <a:stretch/>
+        </p:blipFill>
+        <p:spPr>
+          <a:xfrm>
+            <a:off x="6096000" y="9000"/>
+            <a:ext cx="6096000" cy="6840000"/>
+          </a:xfrm>
+        </p:spPr>
+      </p:pic>
+      <p:sp>
+        <p:nvSpPr>
+          <p:cNvPr id="3" name="Title 2"/>
+          <p:cNvSpPr>
+            <a:spLocks noGrp="1"/>
+          </p:cNvSpPr>
+          <p:nvPr>
+            <p:ph type="title"/>
+          </p:nvPr>
+        </p:nvSpPr>
+        <p:spPr>
+          <a:solidFill>
+            <a:schemeClr val="bg2">
+              <a:lumMod val="25000"/>
+              <a:alpha val="70000"/>
+            </a:schemeClr>
+          </a:solidFill>
+        </p:spPr>
+        <p:txBody>
+          <a:bodyPr/>
+          <a:lstStyle/>
+          <a:p>
+            <a:r>
+              <a:rPr lang="ru-RU" dirty="0" smtClean="0"/>
+              <a:t>Вопросы?</a:t>
+            </a:r>
+            <a:endParaRPr lang="ru-RU" dirty="0"/>
+          </a:p>
+        </p:txBody>
+      </p:sp>
+    </p:spTree>
+    <p:extLst>
+      <p:ext uri="{BB962C8B-B14F-4D97-AF65-F5344CB8AC3E}">
+        <p14:creationId xmlns:p14="http://schemas.microsoft.com/office/powerpoint/2010/main" val="548306238"/>
+      </p:ext>
+    </p:extLst>
+  </p:cSld>
+  <p:clrMapOvr>
+    <a:masterClrMapping/>
+  </p:clrMapOvr>
+  <p:timing>
+    <p:tnLst>
+      <p:par>
+        <p:cTn id="1" dur="indefinite" restart="never" nodeType="tmRoot"/>
+      </p:par>
+    </p:tnLst>
+  </p:timing>
+</p:sld>
+</file>
+
+<file path=ppt/slides/slide23.xml><?xml version="1.0" encoding="utf-8"?>
+<p:sld xmlns:a="http://schemas.openxmlformats.org/drawingml/2006/main" xmlns:r="http://schemas.openxmlformats.org/officeDocument/2006/relationships" xmlns:p="http://schemas.openxmlformats.org/presentationml/2006/main">
+  <p:cSld>
+    <p:spTree>
+      <p:nvGrpSpPr>
+        <p:cNvPr id="1" name=""/>
+        <p:cNvGrpSpPr/>
+        <p:nvPr/>
+      </p:nvGrpSpPr>
+      <p:grpSpPr>
+        <a:xfrm>
+          <a:off x="0" y="0"/>
+          <a:ext cx="0" cy="0"/>
+          <a:chOff x="0" y="0"/>
+          <a:chExt cx="0" cy="0"/>
+        </a:xfrm>
+      </p:grpSpPr>
       <p:sp>
         <p:nvSpPr>
           <p:cNvPr id="4" name="Заголовок 3"/>
@@ -6483,24 +7424,26 @@
         </p:nvSpPr>
         <p:spPr/>
         <p:txBody>
-          <a:bodyPr/>
+          <a:bodyPr>
+            <a:normAutofit/>
+          </a:bodyPr>
           <a:lstStyle/>
           <a:p>
             <a:r>
-              <a:rPr lang="ru-RU" dirty="0"/>
-              <a:t>Константин </a:t>
-            </a:r>
-            <a:r>
-              <a:rPr lang="ru-RU" dirty="0" err="1"/>
-              <a:t>Кичинский</a:t>
+              <a:rPr lang="ru-RU" dirty="0" smtClean="0"/>
+              <a:t>Евгений Агафонов</a:t>
             </a:r>
             <a:endParaRPr lang="ru-RU" dirty="0"/>
           </a:p>
           <a:p>
             <a:pPr lvl="1"/>
             <a:r>
+              <a:rPr lang="en-US" dirty="0"/>
+              <a:t>{ABBYY, Head of Education Products Development Group</a:t>
+            </a:r>
+            <a:r>
               <a:rPr lang="en-US" dirty="0" smtClean="0"/>
-              <a:t>{Microsoft Russia, DX}</a:t>
+              <a:t>}</a:t>
             </a:r>
             <a:endParaRPr lang="en-US" dirty="0"/>
           </a:p>
@@ -6510,7 +7453,7 @@
               <a:rPr lang="en-US" dirty="0" smtClean="0">
                 <a:hlinkClick r:id="rId2"/>
               </a:rPr>
-              <a:t>konkich@microsoft.com</a:t>
+              <a:t>eugene_a@abbyy.com</a:t>
             </a:r>
             <a:r>
               <a:rPr lang="en-US" dirty="0"/>
@@ -6530,7 +7473,7 @@
               <a:rPr lang="en-US" dirty="0" err="1" smtClean="0">
                 <a:hlinkClick r:id="rId3"/>
               </a:rPr>
-              <a:t>kichinsky</a:t>
+              <a:t>eugene_agafonov</a:t>
             </a:r>
             <a:r>
               <a:rPr lang="en-US" dirty="0" smtClean="0"/>
@@ -6540,12 +7483,9 @@
               <a:rPr lang="en-US" dirty="0" smtClean="0">
                 <a:hlinkClick r:id="rId4"/>
               </a:rPr>
-              <a:t>outofline.ru</a:t>
-            </a:r>
-            <a:r>
-              <a:rPr lang="en-US" dirty="0" smtClean="0"/>
-              <a:t> </a:t>
-            </a:r>
+              <a:t>eugeneagafonov.com</a:t>
+            </a:r>
+            <a:endParaRPr lang="en-US" dirty="0" smtClean="0"/>
           </a:p>
         </p:txBody>
       </p:sp>
@@ -6594,7 +7534,7 @@
 </p:sld>
 </file>
 
-<file path=ppt/slides/slide15.xml><?xml version="1.0" encoding="utf-8"?>
+<file path=ppt/slides/slide24.xml><?xml version="1.0" encoding="utf-8"?>
 <p:sld xmlns:a="http://schemas.openxmlformats.org/drawingml/2006/main" xmlns:r="http://schemas.openxmlformats.org/officeDocument/2006/relationships" xmlns:p="http://schemas.openxmlformats.org/presentationml/2006/main">
   <p:cSld>
     <p:spTree>
@@ -6639,115 +7579,6 @@
 </p:sld>
 </file>
 
-<file path=ppt/slides/slide2.xml><?xml version="1.0" encoding="utf-8"?>
-<p:sld xmlns:a="http://schemas.openxmlformats.org/drawingml/2006/main" xmlns:r="http://schemas.openxmlformats.org/officeDocument/2006/relationships" xmlns:p="http://schemas.openxmlformats.org/presentationml/2006/main">
-  <p:cSld>
-    <p:spTree>
-      <p:nvGrpSpPr>
-        <p:cNvPr id="1" name=""/>
-        <p:cNvGrpSpPr/>
-        <p:nvPr/>
-      </p:nvGrpSpPr>
-      <p:grpSpPr>
-        <a:xfrm>
-          <a:off x="0" y="0"/>
-          <a:ext cx="0" cy="0"/>
-          <a:chOff x="0" y="0"/>
-          <a:chExt cx="0" cy="0"/>
-        </a:xfrm>
-      </p:grpSpPr>
-      <p:sp>
-        <p:nvSpPr>
-          <p:cNvPr id="2" name="Title 1"/>
-          <p:cNvSpPr>
-            <a:spLocks noGrp="1"/>
-          </p:cNvSpPr>
-          <p:nvPr>
-            <p:ph type="ctrTitle"/>
-          </p:nvPr>
-        </p:nvSpPr>
-        <p:spPr/>
-        <p:txBody>
-          <a:bodyPr>
-            <a:normAutofit/>
-          </a:bodyPr>
-          <a:lstStyle/>
-          <a:p>
-            <a:r>
-              <a:rPr lang="ru-RU" dirty="0" smtClean="0"/>
-              <a:t>ОТКРЫТИЕ КОНФЕРЕНЦИИ ПЛАНЕРНЫЙ ДОКЛАД</a:t>
-            </a:r>
-            <a:endParaRPr lang="en-US" dirty="0"/>
-          </a:p>
-        </p:txBody>
-      </p:sp>
-      <p:sp>
-        <p:nvSpPr>
-          <p:cNvPr id="3" name="Text Placeholder 2"/>
-          <p:cNvSpPr>
-            <a:spLocks noGrp="1"/>
-          </p:cNvSpPr>
-          <p:nvPr>
-            <p:ph type="body" sz="quarter" idx="11"/>
-          </p:nvPr>
-        </p:nvSpPr>
-        <p:spPr/>
-        <p:txBody>
-          <a:bodyPr/>
-          <a:lstStyle/>
-          <a:p>
-            <a:pPr lvl="0"/>
-            <a:r>
-              <a:rPr lang="en-US" dirty="0" smtClean="0"/>
-              <a:t>Giorgio Sardo </a:t>
-            </a:r>
-            <a:r>
-              <a:rPr lang="en-US" sz="2400" dirty="0" smtClean="0"/>
-              <a:t>{Microsoft Corp. | DX</a:t>
-            </a:r>
-            <a:r>
-              <a:rPr lang="ru-RU" sz="2400" dirty="0" smtClean="0"/>
-              <a:t> </a:t>
-            </a:r>
-            <a:r>
-              <a:rPr lang="en-US" sz="2400" smtClean="0"/>
-              <a:t>| </a:t>
-            </a:r>
-            <a:r>
-              <a:rPr lang="en-US" sz="2400"/>
-              <a:t>Senior </a:t>
-            </a:r>
-            <a:r>
-              <a:rPr lang="en-US" sz="2400" smtClean="0"/>
-              <a:t>Director}</a:t>
-            </a:r>
-            <a:endParaRPr lang="ru-RU" sz="2400" dirty="0"/>
-          </a:p>
-          <a:p>
-            <a:endParaRPr lang="en-US" dirty="0"/>
-          </a:p>
-        </p:txBody>
-      </p:sp>
-    </p:spTree>
-    <p:extLst>
-      <p:ext uri="{BB962C8B-B14F-4D97-AF65-F5344CB8AC3E}">
-        <p14:creationId xmlns:p14="http://schemas.microsoft.com/office/powerpoint/2010/main" val="2899047879"/>
-      </p:ext>
-    </p:extLst>
-  </p:cSld>
-  <p:clrMapOvr>
-    <a:masterClrMapping/>
-  </p:clrMapOvr>
-  <p:timing>
-    <p:tnLst>
-      <p:par>
-        <p:cTn id="1" dur="indefinite" restart="never" nodeType="tmRoot"/>
-      </p:par>
-    </p:tnLst>
-  </p:timing>
-</p:sld>
-</file>
-
 <file path=ppt/slides/slide3.xml><?xml version="1.0" encoding="utf-8"?>
 <p:sld xmlns:a="http://schemas.openxmlformats.org/drawingml/2006/main" xmlns:r="http://schemas.openxmlformats.org/officeDocument/2006/relationships" xmlns:p="http://schemas.openxmlformats.org/presentationml/2006/main">
   <p:cSld>
@@ -6782,40 +7613,13 @@
           </a:bodyPr>
           <a:lstStyle/>
           <a:p>
-            <a:pPr>
-              <a:lnSpc>
-                <a:spcPct val="100000"/>
-              </a:lnSpc>
-            </a:pPr>
-            <a:r>
-              <a:rPr lang="ru-RU" dirty="0" smtClean="0"/>
-              <a:t>ТЫК-ТЫК, ЖМАК-ЖМАК, </a:t>
-            </a:r>
-            <a:r>
-              <a:rPr lang="en-US" dirty="0" smtClean="0"/>
-              <a:t/>
-            </a:r>
-            <a:br>
-              <a:rPr lang="en-US" dirty="0" smtClean="0"/>
-            </a:br>
-            <a:r>
-              <a:rPr lang="ru-RU" dirty="0" smtClean="0"/>
-              <a:t>ИЛИ КАК ПОДГОТОВИТЬ САЙТ </a:t>
-            </a:r>
-            <a:r>
-              <a:rPr lang="en-US" dirty="0" smtClean="0"/>
-              <a:t/>
-            </a:r>
-            <a:br>
-              <a:rPr lang="en-US" dirty="0" smtClean="0"/>
-            </a:br>
-            <a:r>
-              <a:rPr lang="ru-RU" dirty="0" smtClean="0"/>
-              <a:t>К </a:t>
-            </a:r>
-            <a:r>
-              <a:rPr lang="en-US" dirty="0" smtClean="0"/>
-              <a:t>WINDOWS 8</a:t>
+            <a:r>
+              <a:rPr lang="ru-RU" dirty="0" smtClean="0"/>
+              <a:t>ЕВГЕНИЙ </a:t>
+            </a:r>
+            <a:r>
+              <a:rPr lang="ru-RU" dirty="0" smtClean="0"/>
+              <a:t>АГАФОНОВ</a:t>
             </a:r>
             <a:endParaRPr lang="ru-RU" dirty="0"/>
           </a:p>
@@ -6831,37 +7635,72 @@
             <p:ph type="subTitle" idx="1"/>
           </p:nvPr>
         </p:nvSpPr>
-        <p:spPr/>
-        <p:txBody>
-          <a:bodyPr>
-            <a:normAutofit/>
-          </a:bodyPr>
+        <p:spPr>
+          <a:xfrm>
+            <a:off x="0" y="4149000"/>
+            <a:ext cx="12192000" cy="862114"/>
+          </a:xfrm>
+        </p:spPr>
+        <p:txBody>
+          <a:bodyPr/>
           <a:lstStyle/>
           <a:p>
-            <a:r>
-              <a:rPr lang="ru-RU" dirty="0" smtClean="0"/>
-              <a:t>Константин Кичинский</a:t>
-            </a:r>
+            <a:pPr marL="0" indent="0">
+              <a:buNone/>
+            </a:pPr>
             <a:r>
               <a:rPr lang="en-US" dirty="0" smtClean="0"/>
-              <a:t> </a:t>
-            </a:r>
-            <a:r>
-              <a:rPr lang="en-US" sz="2400" dirty="0"/>
               <a:t>{</a:t>
             </a:r>
             <a:r>
-              <a:rPr lang="en-US" sz="2400" dirty="0" smtClean="0"/>
-              <a:t>Microsoft | DX | Technical Evangelist}</a:t>
-            </a:r>
-            <a:endParaRPr lang="ru-RU" sz="2400" dirty="0"/>
-          </a:p>
-        </p:txBody>
-      </p:sp>
+              <a:rPr lang="en-US" sz="3200" dirty="0" smtClean="0"/>
+              <a:t>ABBYY</a:t>
+            </a:r>
+            <a:r>
+              <a:rPr lang="en-US" sz="3200" dirty="0"/>
+              <a:t>, Head of Education Products Development Group</a:t>
+            </a:r>
+            <a:r>
+              <a:rPr lang="en-US" dirty="0"/>
+              <a:t>}</a:t>
+            </a:r>
+            <a:endParaRPr lang="ru-RU" dirty="0"/>
+          </a:p>
+        </p:txBody>
+      </p:sp>
+      <p:pic>
+        <p:nvPicPr>
+          <p:cNvPr id="3" name="Рисунок 2"/>
+          <p:cNvPicPr>
+            <a:picLocks noGrp="1" noChangeAspect="1"/>
+          </p:cNvPicPr>
+          <p:nvPr>
+            <p:ph type="pic" sz="quarter" idx="10"/>
+          </p:nvPr>
+        </p:nvPicPr>
+        <p:blipFill>
+          <a:blip r:embed="rId2" cstate="print">
+            <a:extLst>
+              <a:ext uri="{28A0092B-C50C-407E-A947-70E740481C1C}">
+                <a14:useLocalDpi xmlns:a14="http://schemas.microsoft.com/office/drawing/2010/main" val="0"/>
+              </a:ext>
+            </a:extLst>
+          </a:blip>
+          <a:stretch>
+            <a:fillRect/>
+          </a:stretch>
+        </p:blipFill>
+        <p:spPr>
+          <a:xfrm>
+            <a:off x="9651983" y="1656000"/>
+            <a:ext cx="2157770" cy="2160587"/>
+          </a:xfrm>
+        </p:spPr>
+      </p:pic>
     </p:spTree>
     <p:extLst>
       <p:ext uri="{BB962C8B-B14F-4D97-AF65-F5344CB8AC3E}">
-        <p14:creationId xmlns:p14="http://schemas.microsoft.com/office/powerpoint/2010/main" val="1714819322"/>
+        <p14:creationId xmlns:p14="http://schemas.microsoft.com/office/powerpoint/2010/main" val="288244254"/>
       </p:ext>
     </p:extLst>
   </p:cSld>
@@ -7045,12 +7884,12 @@
       </p:grpSpPr>
       <p:sp>
         <p:nvSpPr>
-          <p:cNvPr id="4" name="Title 3"/>
+          <p:cNvPr id="4" name="Заголовок 3"/>
           <p:cNvSpPr>
             <a:spLocks noGrp="1"/>
           </p:cNvSpPr>
           <p:nvPr>
-            <p:ph type="ctrTitle"/>
+            <p:ph type="title"/>
           </p:nvPr>
         </p:nvSpPr>
         <p:spPr/>
@@ -7059,8 +7898,8 @@
           <a:lstStyle/>
           <a:p>
             <a:r>
-              <a:rPr lang="en-US" dirty="0" smtClean="0"/>
-              <a:t>1. Next section</a:t>
+              <a:rPr lang="ru-RU" dirty="0" smtClean="0"/>
+              <a:t>О чем пойдет речь</a:t>
             </a:r>
             <a:endParaRPr lang="ru-RU" dirty="0"/>
           </a:p>
@@ -7068,27 +7907,108 @@
       </p:sp>
       <p:sp>
         <p:nvSpPr>
-          <p:cNvPr id="5" name="Subtitle 4"/>
+          <p:cNvPr id="5" name="Объект 4"/>
           <p:cNvSpPr>
             <a:spLocks noGrp="1"/>
           </p:cNvSpPr>
           <p:nvPr>
-            <p:ph type="subTitle" idx="1"/>
+            <p:ph idx="1"/>
           </p:nvPr>
         </p:nvSpPr>
         <p:spPr/>
         <p:txBody>
-          <a:bodyPr/>
+          <a:bodyPr>
+            <a:normAutofit/>
+          </a:bodyPr>
           <a:lstStyle/>
           <a:p>
-            <a:endParaRPr lang="ru-RU"/>
+            <a:r>
+              <a:rPr lang="ru-RU" dirty="0" smtClean="0"/>
+              <a:t>Назначение сервиса</a:t>
+            </a:r>
+          </a:p>
+          <a:p>
+            <a:r>
+              <a:rPr lang="ru-RU" dirty="0" smtClean="0"/>
+              <a:t>Архитектура сервиса</a:t>
+            </a:r>
+            <a:endParaRPr lang="ru-RU" dirty="0" smtClean="0"/>
+          </a:p>
+          <a:p>
+            <a:r>
+              <a:rPr lang="ru-RU" dirty="0" smtClean="0"/>
+              <a:t>Данные</a:t>
+            </a:r>
+          </a:p>
+          <a:p>
+            <a:pPr lvl="1"/>
+            <a:r>
+              <a:rPr lang="ru-RU" dirty="0" smtClean="0"/>
+              <a:t>Мультитенантность</a:t>
+            </a:r>
+            <a:br>
+              <a:rPr lang="ru-RU" dirty="0" smtClean="0"/>
+            </a:br>
+            <a:r>
+              <a:rPr lang="ru-RU" dirty="0" smtClean="0"/>
+              <a:t>Отличие глобальных и </a:t>
+            </a:r>
+            <a:r>
+              <a:rPr lang="en-US" dirty="0" smtClean="0"/>
+              <a:t>per tenant </a:t>
+            </a:r>
+            <a:r>
+              <a:rPr lang="ru-RU" dirty="0" smtClean="0"/>
+              <a:t>данных</a:t>
+            </a:r>
+            <a:endParaRPr lang="ru-RU" dirty="0" smtClean="0"/>
+          </a:p>
+          <a:p>
+            <a:r>
+              <a:rPr lang="en-US" dirty="0" smtClean="0"/>
+              <a:t>Backend </a:t>
+            </a:r>
+            <a:r>
+              <a:rPr lang="ru-RU" dirty="0"/>
+              <a:t>-</a:t>
+            </a:r>
+            <a:r>
+              <a:rPr lang="ru-RU" dirty="0" smtClean="0"/>
+              <a:t> </a:t>
+            </a:r>
+            <a:r>
+              <a:rPr lang="en-US" dirty="0" err="1" smtClean="0"/>
+              <a:t>RESTful</a:t>
+            </a:r>
+            <a:r>
+              <a:rPr lang="en-US" dirty="0" smtClean="0"/>
+              <a:t> API</a:t>
+            </a:r>
+          </a:p>
+          <a:p>
+            <a:pPr lvl="1"/>
+            <a:r>
+              <a:rPr lang="ru-RU" dirty="0" smtClean="0"/>
+              <a:t>Композиция компонентов в приложении</a:t>
+            </a:r>
+            <a:endParaRPr lang="en-US" dirty="0" smtClean="0"/>
+          </a:p>
+          <a:p>
+            <a:endParaRPr lang="en-US" dirty="0" smtClean="0"/>
+          </a:p>
+          <a:p>
+            <a:endParaRPr lang="ru-RU" dirty="0" smtClean="0"/>
+          </a:p>
+          <a:p>
+            <a:pPr lvl="1"/>
+            <a:endParaRPr lang="ru-RU" dirty="0"/>
           </a:p>
         </p:txBody>
       </p:sp>
     </p:spTree>
     <p:extLst>
       <p:ext uri="{BB962C8B-B14F-4D97-AF65-F5344CB8AC3E}">
-        <p14:creationId xmlns:p14="http://schemas.microsoft.com/office/powerpoint/2010/main" val="187153265"/>
+        <p14:creationId xmlns:p14="http://schemas.microsoft.com/office/powerpoint/2010/main" val="1031957936"/>
       </p:ext>
     </p:extLst>
   </p:cSld>
@@ -7122,38 +8042,9 @@
           <a:chExt cx="0" cy="0"/>
         </a:xfrm>
       </p:grpSpPr>
-      <p:pic>
-        <p:nvPicPr>
-          <p:cNvPr id="8" name="Content Placeholder 7"/>
-          <p:cNvPicPr>
-            <a:picLocks noGrp="1" noChangeAspect="1"/>
-          </p:cNvPicPr>
-          <p:nvPr>
-            <p:ph sz="quarter" idx="10"/>
-          </p:nvPr>
-        </p:nvPicPr>
-        <p:blipFill>
-          <a:blip r:embed="rId2" cstate="screen">
-            <a:extLst>
-              <a:ext uri="{28A0092B-C50C-407E-A947-70E740481C1C}">
-                <a14:useLocalDpi xmlns:a14="http://schemas.microsoft.com/office/drawing/2010/main"/>
-              </a:ext>
-            </a:extLst>
-          </a:blip>
-          <a:stretch>
-            <a:fillRect/>
-          </a:stretch>
-        </p:blipFill>
-        <p:spPr>
-          <a:xfrm>
-            <a:off x="0" y="0"/>
-            <a:ext cx="12192000" cy="6858000"/>
-          </a:xfrm>
-        </p:spPr>
-      </p:pic>
-      <p:sp>
-        <p:nvSpPr>
-          <p:cNvPr id="3" name="Title 2"/>
+      <p:sp>
+        <p:nvSpPr>
+          <p:cNvPr id="4" name="Заголовок 3"/>
           <p:cNvSpPr>
             <a:spLocks noGrp="1"/>
           </p:cNvSpPr>
@@ -7161,36 +8052,109 @@
             <p:ph type="title"/>
           </p:nvPr>
         </p:nvSpPr>
-        <p:spPr>
-          <a:xfrm>
-            <a:off x="0" y="4536602"/>
-            <a:ext cx="12192000" cy="2056626"/>
-          </a:xfrm>
-          <a:solidFill>
-            <a:srgbClr val="FE1B8B">
-              <a:alpha val="69804"/>
-            </a:srgbClr>
-          </a:solidFill>
-        </p:spPr>
+        <p:spPr/>
         <p:txBody>
           <a:bodyPr/>
           <a:lstStyle/>
           <a:p>
             <a:r>
-              <a:rPr lang="ru-RU" dirty="0"/>
-              <a:t>Будьте аккуратны с цветом,</a:t>
+              <a:rPr lang="ru-RU" dirty="0" smtClean="0"/>
+              <a:t>О чем пойдет речь</a:t>
+            </a:r>
+            <a:endParaRPr lang="ru-RU" dirty="0"/>
+          </a:p>
+        </p:txBody>
+      </p:sp>
+      <p:sp>
+        <p:nvSpPr>
+          <p:cNvPr id="5" name="Объект 4"/>
+          <p:cNvSpPr>
+            <a:spLocks noGrp="1"/>
+          </p:cNvSpPr>
+          <p:nvPr>
+            <p:ph idx="1"/>
+          </p:nvPr>
+        </p:nvSpPr>
+        <p:spPr/>
+        <p:txBody>
+          <a:bodyPr>
+            <a:normAutofit lnSpcReduction="10000"/>
+          </a:bodyPr>
+          <a:lstStyle/>
+          <a:p>
+            <a:r>
+              <a:rPr lang="en-US" dirty="0"/>
+              <a:t>Frontend</a:t>
+            </a:r>
+          </a:p>
+          <a:p>
+            <a:pPr lvl="1"/>
+            <a:r>
+              <a:rPr lang="en-US" dirty="0"/>
+              <a:t>UI Framework – knockout.js</a:t>
             </a:r>
             <a:br>
-              <a:rPr lang="ru-RU" dirty="0"/>
+              <a:rPr lang="en-US" dirty="0"/>
             </a:br>
             <a:r>
-              <a:rPr lang="ru-RU" dirty="0"/>
-              <a:t>если нужна </a:t>
-            </a:r>
-            <a:r>
-              <a:rPr lang="ru-RU" dirty="0" smtClean="0"/>
-              <a:t>подпись.</a:t>
-            </a:r>
+              <a:rPr lang="en-US" dirty="0" smtClean="0"/>
+              <a:t>Typescript</a:t>
+            </a:r>
+            <a:endParaRPr lang="ru-RU" dirty="0" smtClean="0"/>
+          </a:p>
+          <a:p>
+            <a:r>
+              <a:rPr lang="ru-RU" dirty="0" smtClean="0"/>
+              <a:t>Стратегия отладки и логгирования</a:t>
+            </a:r>
+          </a:p>
+          <a:p>
+            <a:pPr lvl="1"/>
+            <a:r>
+              <a:rPr lang="en-US" dirty="0" err="1" smtClean="0"/>
+              <a:t>Elasticsearch</a:t>
+            </a:r>
+            <a:r>
+              <a:rPr lang="en-US" dirty="0" smtClean="0"/>
+              <a:t> + </a:t>
+            </a:r>
+            <a:r>
+              <a:rPr lang="en-US" dirty="0" err="1" smtClean="0"/>
+              <a:t>Kibana</a:t>
+            </a:r>
+            <a:endParaRPr lang="ru-RU" dirty="0" smtClean="0"/>
+          </a:p>
+          <a:p>
+            <a:r>
+              <a:rPr lang="ru-RU" dirty="0" smtClean="0"/>
+              <a:t>Конфигурация</a:t>
+            </a:r>
+            <a:endParaRPr lang="en-US" dirty="0"/>
+          </a:p>
+          <a:p>
+            <a:pPr lvl="1"/>
+            <a:r>
+              <a:rPr lang="ru-RU" dirty="0" smtClean="0"/>
+              <a:t>Разделение статической и динамической частей</a:t>
+            </a:r>
+            <a:endParaRPr lang="en-US" dirty="0" smtClean="0"/>
+          </a:p>
+          <a:p>
+            <a:r>
+              <a:rPr lang="ru-RU" dirty="0" smtClean="0"/>
+              <a:t>Полезные советы</a:t>
+            </a:r>
+            <a:endParaRPr lang="en-US" dirty="0"/>
+          </a:p>
+          <a:p>
+            <a:pPr lvl="1"/>
+            <a:endParaRPr lang="en-US" dirty="0" smtClean="0"/>
+          </a:p>
+          <a:p>
+            <a:endParaRPr lang="ru-RU" dirty="0" smtClean="0"/>
+          </a:p>
+          <a:p>
+            <a:pPr lvl="1"/>
             <a:endParaRPr lang="ru-RU" dirty="0"/>
           </a:p>
         </p:txBody>
@@ -7198,7 +8162,7 @@
     </p:spTree>
     <p:extLst>
       <p:ext uri="{BB962C8B-B14F-4D97-AF65-F5344CB8AC3E}">
-        <p14:creationId xmlns:p14="http://schemas.microsoft.com/office/powerpoint/2010/main" val="1570773299"/>
+        <p14:creationId xmlns:p14="http://schemas.microsoft.com/office/powerpoint/2010/main" val="2434466184"/>
       </p:ext>
     </p:extLst>
   </p:cSld>
@@ -7232,73 +8196,56 @@
           <a:chExt cx="0" cy="0"/>
         </a:xfrm>
       </p:grpSpPr>
-      <p:pic>
-        <p:nvPicPr>
-          <p:cNvPr id="9" name="Content Placeholder 8"/>
-          <p:cNvPicPr>
-            <a:picLocks noGrp="1" noChangeAspect="1"/>
-          </p:cNvPicPr>
-          <p:nvPr>
-            <p:ph sz="quarter" idx="10"/>
-          </p:nvPr>
-        </p:nvPicPr>
-        <p:blipFill>
-          <a:blip r:embed="rId2" cstate="screen">
-            <a:extLst>
-              <a:ext uri="{28A0092B-C50C-407E-A947-70E740481C1C}">
-                <a14:useLocalDpi xmlns:a14="http://schemas.microsoft.com/office/drawing/2010/main"/>
-              </a:ext>
-            </a:extLst>
-          </a:blip>
-          <a:stretch>
-            <a:fillRect/>
-          </a:stretch>
-        </p:blipFill>
-        <p:spPr>
-          <a:xfrm>
-            <a:off x="0" y="0"/>
-            <a:ext cx="12192000" cy="6858000"/>
-          </a:xfrm>
-        </p:spPr>
-      </p:pic>
-      <p:sp>
-        <p:nvSpPr>
-          <p:cNvPr id="3" name="Title 2"/>
+      <p:sp>
+        <p:nvSpPr>
+          <p:cNvPr id="4" name="Title 3"/>
           <p:cNvSpPr>
             <a:spLocks noGrp="1"/>
           </p:cNvSpPr>
           <p:nvPr>
-            <p:ph type="title"/>
+            <p:ph type="ctrTitle"/>
           </p:nvPr>
         </p:nvSpPr>
-        <p:spPr>
-          <a:xfrm>
-            <a:off x="0" y="4536602"/>
-            <a:ext cx="12192000" cy="2056626"/>
-          </a:xfrm>
-          <a:solidFill>
-            <a:schemeClr val="bg1">
-              <a:lumMod val="50000"/>
-              <a:alpha val="80000"/>
-            </a:schemeClr>
-          </a:solidFill>
-        </p:spPr>
+        <p:spPr/>
         <p:txBody>
           <a:bodyPr/>
           <a:lstStyle/>
           <a:p>
             <a:r>
-              <a:rPr lang="ru-RU" dirty="0" smtClean="0"/>
-              <a:t>Цвет подложки можно поменять. Если очень нужно…</a:t>
+              <a:rPr lang="en-US" dirty="0" smtClean="0"/>
+              <a:t>1. </a:t>
+            </a:r>
+            <a:r>
+              <a:rPr lang="ru-RU" dirty="0" smtClean="0"/>
+              <a:t>Назначение и архитектура сервиса</a:t>
             </a:r>
             <a:endParaRPr lang="ru-RU" dirty="0"/>
+          </a:p>
+        </p:txBody>
+      </p:sp>
+      <p:sp>
+        <p:nvSpPr>
+          <p:cNvPr id="5" name="Subtitle 4"/>
+          <p:cNvSpPr>
+            <a:spLocks noGrp="1"/>
+          </p:cNvSpPr>
+          <p:nvPr>
+            <p:ph type="subTitle" idx="1"/>
+          </p:nvPr>
+        </p:nvSpPr>
+        <p:spPr/>
+        <p:txBody>
+          <a:bodyPr/>
+          <a:lstStyle/>
+          <a:p>
+            <a:endParaRPr lang="ru-RU"/>
           </a:p>
         </p:txBody>
       </p:sp>
     </p:spTree>
     <p:extLst>
       <p:ext uri="{BB962C8B-B14F-4D97-AF65-F5344CB8AC3E}">
-        <p14:creationId xmlns:p14="http://schemas.microsoft.com/office/powerpoint/2010/main" val="775928876"/>
+        <p14:creationId xmlns:p14="http://schemas.microsoft.com/office/powerpoint/2010/main" val="187153265"/>
       </p:ext>
     </p:extLst>
   </p:cSld>
@@ -7332,37 +8279,9 @@
           <a:chExt cx="0" cy="0"/>
         </a:xfrm>
       </p:grpSpPr>
-      <p:pic>
-        <p:nvPicPr>
-          <p:cNvPr id="4" name="Content Placeholder 3"/>
-          <p:cNvPicPr>
-            <a:picLocks noGrp="1" noChangeAspect="1"/>
-          </p:cNvPicPr>
-          <p:nvPr>
-            <p:ph sz="quarter" idx="10"/>
-          </p:nvPr>
-        </p:nvPicPr>
-        <p:blipFill rotWithShape="1">
-          <a:blip r:embed="rId2" cstate="print">
-            <a:extLst>
-              <a:ext uri="{28A0092B-C50C-407E-A947-70E740481C1C}">
-                <a14:useLocalDpi xmlns:a14="http://schemas.microsoft.com/office/drawing/2010/main" val="0"/>
-              </a:ext>
-            </a:extLst>
-          </a:blip>
-          <a:srcRect/>
-          <a:stretch/>
-        </p:blipFill>
-        <p:spPr>
-          <a:xfrm>
-            <a:off x="6096000" y="9000"/>
-            <a:ext cx="6096000" cy="6840000"/>
-          </a:xfrm>
-        </p:spPr>
-      </p:pic>
-      <p:sp>
-        <p:nvSpPr>
-          <p:cNvPr id="3" name="Title 2"/>
+      <p:sp>
+        <p:nvSpPr>
+          <p:cNvPr id="4" name="Заголовок 3"/>
           <p:cNvSpPr>
             <a:spLocks noGrp="1"/>
           </p:cNvSpPr>
@@ -7370,29 +8289,87 @@
             <p:ph type="title"/>
           </p:nvPr>
         </p:nvSpPr>
-        <p:spPr>
-          <a:solidFill>
-            <a:schemeClr val="bg2">
-              <a:lumMod val="25000"/>
-              <a:alpha val="70000"/>
-            </a:schemeClr>
-          </a:solidFill>
-        </p:spPr>
+        <p:spPr/>
         <p:txBody>
           <a:bodyPr/>
           <a:lstStyle/>
           <a:p>
             <a:r>
-              <a:rPr lang="ru-RU" dirty="0"/>
-              <a:t>Будьте аккуратны с цветом подложки и текста.</a:t>
-            </a:r>
+              <a:rPr lang="ru-RU" dirty="0" smtClean="0"/>
+              <a:t>Назначение сервиса</a:t>
+            </a:r>
+            <a:endParaRPr lang="ru-RU" dirty="0"/>
+          </a:p>
+        </p:txBody>
+      </p:sp>
+      <p:sp>
+        <p:nvSpPr>
+          <p:cNvPr id="5" name="Объект 4"/>
+          <p:cNvSpPr>
+            <a:spLocks noGrp="1"/>
+          </p:cNvSpPr>
+          <p:nvPr>
+            <p:ph idx="1"/>
+          </p:nvPr>
+        </p:nvSpPr>
+        <p:spPr/>
+        <p:txBody>
+          <a:bodyPr>
+            <a:normAutofit/>
+          </a:bodyPr>
+          <a:lstStyle/>
+          <a:p>
+            <a:r>
+              <a:rPr lang="ru-RU" dirty="0" smtClean="0"/>
+              <a:t>Оценка готовности учеников к ЕГЭ</a:t>
+            </a:r>
+          </a:p>
+          <a:p>
+            <a:r>
+              <a:rPr lang="ru-RU" dirty="0" smtClean="0"/>
+              <a:t>Репетиция в максимально приближенных к настоящему экзамену условиях</a:t>
+            </a:r>
+            <a:endParaRPr lang="ru-RU" dirty="0" smtClean="0"/>
+          </a:p>
+          <a:p>
+            <a:r>
+              <a:rPr lang="ru-RU" dirty="0" smtClean="0"/>
+              <a:t>Аналитика по результатам уровня класса</a:t>
+            </a:r>
+            <a:r>
+              <a:rPr lang="en-US" dirty="0" smtClean="0"/>
+              <a:t>/</a:t>
+            </a:r>
+            <a:r>
+              <a:rPr lang="ru-RU" dirty="0" smtClean="0"/>
+              <a:t>школы</a:t>
+            </a:r>
+            <a:r>
+              <a:rPr lang="en-US" dirty="0" smtClean="0"/>
+              <a:t>/</a:t>
+            </a:r>
+            <a:r>
+              <a:rPr lang="ru-RU" dirty="0" smtClean="0"/>
+              <a:t>региона</a:t>
+            </a:r>
+            <a:endParaRPr lang="en-US" dirty="0" smtClean="0"/>
+          </a:p>
+          <a:p>
+            <a:endParaRPr lang="en-US" dirty="0" smtClean="0"/>
+          </a:p>
+          <a:p>
+            <a:endParaRPr lang="ru-RU" dirty="0" smtClean="0"/>
+          </a:p>
+          <a:p>
+            <a:pPr lvl="1"/>
+            <a:endParaRPr lang="ru-RU" dirty="0"/>
           </a:p>
         </p:txBody>
       </p:sp>
     </p:spTree>
     <p:extLst>
       <p:ext uri="{BB962C8B-B14F-4D97-AF65-F5344CB8AC3E}">
-        <p14:creationId xmlns:p14="http://schemas.microsoft.com/office/powerpoint/2010/main" val="548306238"/>
+        <p14:creationId xmlns:p14="http://schemas.microsoft.com/office/powerpoint/2010/main" val="3048016764"/>
       </p:ext>
     </p:extLst>
   </p:cSld>
@@ -7428,12 +8405,12 @@
       </p:grpSpPr>
       <p:sp>
         <p:nvSpPr>
-          <p:cNvPr id="4" name="Заголовок 3"/>
+          <p:cNvPr id="2" name="Title 1"/>
           <p:cNvSpPr>
             <a:spLocks noGrp="1"/>
           </p:cNvSpPr>
           <p:nvPr>
-            <p:ph type="ctrTitle"/>
+            <p:ph type="title"/>
           </p:nvPr>
         </p:nvSpPr>
         <p:spPr/>
@@ -7443,20 +8420,20 @@
           <a:p>
             <a:r>
               <a:rPr lang="ru-RU" dirty="0" smtClean="0"/>
-              <a:t>АЛЕКСАНДР ЛОЖЕЧКИН</a:t>
-            </a:r>
-            <a:endParaRPr lang="ru-RU" dirty="0"/>
-          </a:p>
-        </p:txBody>
-      </p:sp>
-      <p:sp>
-        <p:nvSpPr>
-          <p:cNvPr id="5" name="Подзаголовок 4"/>
+              <a:t>Архитектура сервиса</a:t>
+            </a:r>
+            <a:endParaRPr lang="en-US" dirty="0"/>
+          </a:p>
+        </p:txBody>
+      </p:sp>
+      <p:sp>
+        <p:nvSpPr>
+          <p:cNvPr id="3" name="Content Placeholder 2"/>
           <p:cNvSpPr>
             <a:spLocks noGrp="1"/>
           </p:cNvSpPr>
           <p:nvPr>
-            <p:ph type="subTitle" idx="1"/>
+            <p:ph idx="1"/>
           </p:nvPr>
         </p:nvSpPr>
         <p:spPr/>
@@ -7464,44 +8441,66 @@
           <a:bodyPr/>
           <a:lstStyle/>
           <a:p>
-            <a:pPr marL="0" indent="0">
-              <a:buNone/>
-            </a:pPr>
+            <a:r>
+              <a:rPr lang="en-US" dirty="0" err="1" smtClean="0"/>
+              <a:t>RESTful</a:t>
+            </a:r>
             <a:r>
               <a:rPr lang="en-US" dirty="0" smtClean="0"/>
-              <a:t>{Microsoft CEE, DX Lead}</a:t>
-            </a:r>
-            <a:endParaRPr lang="ru-RU" dirty="0"/>
-          </a:p>
-        </p:txBody>
-      </p:sp>
-      <p:pic>
-        <p:nvPicPr>
-          <p:cNvPr id="3" name="Рисунок 2"/>
-          <p:cNvPicPr>
-            <a:picLocks noGrp="1" noChangeAspect="1"/>
-          </p:cNvPicPr>
-          <p:nvPr>
-            <p:ph type="pic" sz="quarter" idx="10"/>
-          </p:nvPr>
-        </p:nvPicPr>
-        <p:blipFill rotWithShape="1">
-          <a:blip r:embed="rId2" cstate="print">
-            <a:extLst>
-              <a:ext uri="{28A0092B-C50C-407E-A947-70E740481C1C}">
-                <a14:useLocalDpi xmlns:a14="http://schemas.microsoft.com/office/drawing/2010/main" val="0"/>
-              </a:ext>
-            </a:extLst>
-          </a:blip>
-          <a:srcRect t="-3"/>
-          <a:stretch/>
-        </p:blipFill>
-        <p:spPr/>
-      </p:pic>
+              <a:t> API + HTML5 client</a:t>
+            </a:r>
+          </a:p>
+          <a:p>
+            <a:r>
+              <a:rPr lang="en-US" dirty="0" smtClean="0"/>
+              <a:t>Azure Cache </a:t>
+            </a:r>
+            <a:r>
+              <a:rPr lang="ru-RU" dirty="0" smtClean="0"/>
+              <a:t>для часто требующихся данных</a:t>
+            </a:r>
+          </a:p>
+          <a:p>
+            <a:r>
+              <a:rPr lang="en-US" dirty="0" smtClean="0"/>
+              <a:t>Azure Blob storage </a:t>
+            </a:r>
+            <a:r>
+              <a:rPr lang="ru-RU" dirty="0" smtClean="0"/>
+              <a:t>для хранения изображений и контента</a:t>
+            </a:r>
+          </a:p>
+          <a:p>
+            <a:r>
+              <a:rPr lang="en-US" dirty="0" smtClean="0"/>
+              <a:t>Azure Table storage </a:t>
+            </a:r>
+            <a:r>
+              <a:rPr lang="ru-RU" dirty="0" smtClean="0"/>
+              <a:t>для хранения глобальных данных</a:t>
+            </a:r>
+          </a:p>
+          <a:p>
+            <a:r>
+              <a:rPr lang="en-US" dirty="0" smtClean="0"/>
+              <a:t>SQL Azure </a:t>
+            </a:r>
+            <a:r>
+              <a:rPr lang="ru-RU" dirty="0" smtClean="0"/>
+              <a:t>для хранения данных </a:t>
+            </a:r>
+            <a:r>
+              <a:rPr lang="en-US" dirty="0" smtClean="0"/>
+              <a:t>per tenant</a:t>
+            </a:r>
+            <a:endParaRPr lang="ru-RU" dirty="0" smtClean="0"/>
+          </a:p>
+        </p:txBody>
+      </p:sp>
     </p:spTree>
     <p:extLst>
       <p:ext uri="{BB962C8B-B14F-4D97-AF65-F5344CB8AC3E}">
-        <p14:creationId xmlns:p14="http://schemas.microsoft.com/office/powerpoint/2010/main" val="288244254"/>
+        <p14:creationId xmlns:p14="http://schemas.microsoft.com/office/powerpoint/2010/main" val="2499349514"/>
       </p:ext>
     </p:extLst>
   </p:cSld>
@@ -8407,13 +9406,13 @@
 <file path=customXml/itemProps2.xml><?xml version="1.0" encoding="utf-8"?>
 <ds:datastoreItem xmlns:ds="http://schemas.openxmlformats.org/officeDocument/2006/customXml" ds:itemID="{A5A1518E-3F6D-4166-8FC6-37AEE79B374E}">
   <ds:schemaRefs>
-    <ds:schemaRef ds:uri="83163233-208f-487d-8d66-a814ca9ada95"/>
-    <ds:schemaRef ds:uri="http://purl.org/dc/terms/"/>
-    <ds:schemaRef ds:uri="http://schemas.openxmlformats.org/package/2006/metadata/core-properties"/>
     <ds:schemaRef ds:uri="http://schemas.microsoft.com/office/2006/documentManagement/types"/>
     <ds:schemaRef ds:uri="http://schemas.microsoft.com/office/infopath/2007/PartnerControls"/>
     <ds:schemaRef ds:uri="http://purl.org/dc/elements/1.1/"/>
     <ds:schemaRef ds:uri="http://schemas.microsoft.com/office/2006/metadata/properties"/>
+    <ds:schemaRef ds:uri="83163233-208f-487d-8d66-a814ca9ada95"/>
+    <ds:schemaRef ds:uri="http://purl.org/dc/terms/"/>
+    <ds:schemaRef ds:uri="http://schemas.openxmlformats.org/package/2006/metadata/core-properties"/>
     <ds:schemaRef ds:uri="http://www.w3.org/XML/1998/namespace"/>
     <ds:schemaRef ds:uri="http://purl.org/dc/dcmitype/"/>
   </ds:schemaRefs>

--- a/Slides/devcon2014_ege.pptx
+++ b/Slides/devcon2014_ege.pptx
@@ -5,36 +5,35 @@
     <p:sldMasterId id="2147483648" r:id="rId4"/>
   </p:sldMasterIdLst>
   <p:notesMasterIdLst>
-    <p:notesMasterId r:id="rId29"/>
+    <p:notesMasterId r:id="rId28"/>
   </p:notesMasterIdLst>
   <p:handoutMasterIdLst>
-    <p:handoutMasterId r:id="rId30"/>
+    <p:handoutMasterId r:id="rId29"/>
   </p:handoutMasterIdLst>
   <p:sldIdLst>
     <p:sldId id="257" r:id="rId5"/>
     <p:sldId id="270" r:id="rId6"/>
     <p:sldId id="269" r:id="rId7"/>
-    <p:sldId id="259" r:id="rId8"/>
-    <p:sldId id="281" r:id="rId9"/>
-    <p:sldId id="280" r:id="rId10"/>
-    <p:sldId id="271" r:id="rId11"/>
-    <p:sldId id="282" r:id="rId12"/>
-    <p:sldId id="283" r:id="rId13"/>
-    <p:sldId id="284" r:id="rId14"/>
-    <p:sldId id="285" r:id="rId15"/>
-    <p:sldId id="286" r:id="rId16"/>
-    <p:sldId id="287" r:id="rId17"/>
-    <p:sldId id="288" r:id="rId18"/>
-    <p:sldId id="290" r:id="rId19"/>
-    <p:sldId id="275" r:id="rId20"/>
-    <p:sldId id="291" r:id="rId21"/>
-    <p:sldId id="278" r:id="rId22"/>
-    <p:sldId id="292" r:id="rId23"/>
-    <p:sldId id="277" r:id="rId24"/>
-    <p:sldId id="293" r:id="rId25"/>
-    <p:sldId id="276" r:id="rId26"/>
-    <p:sldId id="267" r:id="rId27"/>
-    <p:sldId id="264" r:id="rId28"/>
+    <p:sldId id="281" r:id="rId8"/>
+    <p:sldId id="280" r:id="rId9"/>
+    <p:sldId id="271" r:id="rId10"/>
+    <p:sldId id="282" r:id="rId11"/>
+    <p:sldId id="283" r:id="rId12"/>
+    <p:sldId id="284" r:id="rId13"/>
+    <p:sldId id="285" r:id="rId14"/>
+    <p:sldId id="286" r:id="rId15"/>
+    <p:sldId id="287" r:id="rId16"/>
+    <p:sldId id="288" r:id="rId17"/>
+    <p:sldId id="290" r:id="rId18"/>
+    <p:sldId id="275" r:id="rId19"/>
+    <p:sldId id="291" r:id="rId20"/>
+    <p:sldId id="278" r:id="rId21"/>
+    <p:sldId id="292" r:id="rId22"/>
+    <p:sldId id="277" r:id="rId23"/>
+    <p:sldId id="293" r:id="rId24"/>
+    <p:sldId id="276" r:id="rId25"/>
+    <p:sldId id="267" r:id="rId26"/>
+    <p:sldId id="264" r:id="rId27"/>
   </p:sldIdLst>
   <p:sldSz cx="12192000" cy="6858000"/>
   <p:notesSz cx="6858000" cy="9144000"/>
@@ -1080,7 +1079,7 @@
                   <a:spcPct val="0"/>
                 </a:spcAft>
               </a:pPr>
-              <a:t>5/26/2014 7:35 AM</a:t>
+              <a:t>5/26/2014 10:58 AM</a:t>
             </a:fld>
             <a:endParaRPr lang="en-US"/>
           </a:p>
@@ -1250,7 +1249,7 @@
                   <a:spcPct val="0"/>
                 </a:spcAft>
               </a:pPr>
-              <a:t>24</a:t>
+              <a:t>23</a:t>
             </a:fld>
             <a:endParaRPr lang="en-US"/>
           </a:p>
@@ -5619,12 +5618,12 @@
       </p:grpSpPr>
       <p:sp>
         <p:nvSpPr>
-          <p:cNvPr id="2" name="Title 1"/>
+          <p:cNvPr id="4" name="Title 3"/>
           <p:cNvSpPr>
             <a:spLocks noGrp="1"/>
           </p:cNvSpPr>
           <p:nvPr>
-            <p:ph type="title"/>
+            <p:ph type="ctrTitle"/>
           </p:nvPr>
         </p:nvSpPr>
         <p:spPr/>
@@ -5633,21 +5632,29 @@
           <a:lstStyle/>
           <a:p>
             <a:r>
-              <a:rPr lang="ru-RU" dirty="0" smtClean="0"/>
-              <a:t>Архитектура сервиса</a:t>
-            </a:r>
-            <a:endParaRPr lang="en-US" dirty="0"/>
-          </a:p>
-        </p:txBody>
-      </p:sp>
-      <p:sp>
-        <p:nvSpPr>
-          <p:cNvPr id="3" name="Content Placeholder 2"/>
+              <a:rPr lang="en-US" dirty="0"/>
+              <a:t>2</a:t>
+            </a:r>
+            <a:r>
+              <a:rPr lang="en-US" dirty="0" smtClean="0"/>
+              <a:t>. </a:t>
+            </a:r>
+            <a:r>
+              <a:rPr lang="ru-RU" dirty="0" smtClean="0"/>
+              <a:t>Опыт разработки</a:t>
+            </a:r>
+            <a:endParaRPr lang="ru-RU" dirty="0"/>
+          </a:p>
+        </p:txBody>
+      </p:sp>
+      <p:sp>
+        <p:nvSpPr>
+          <p:cNvPr id="5" name="Subtitle 4"/>
           <p:cNvSpPr>
             <a:spLocks noGrp="1"/>
           </p:cNvSpPr>
           <p:nvPr>
-            <p:ph idx="1"/>
+            <p:ph type="subTitle" idx="1"/>
           </p:nvPr>
         </p:nvSpPr>
         <p:spPr/>
@@ -5655,67 +5662,14 @@
           <a:bodyPr/>
           <a:lstStyle/>
           <a:p>
-            <a:r>
-              <a:rPr lang="en-US" dirty="0" smtClean="0"/>
-              <a:t>Browser extension </a:t>
-            </a:r>
-            <a:r>
-              <a:rPr lang="ru-RU" dirty="0" smtClean="0"/>
-              <a:t>для сканирования и печати</a:t>
-            </a:r>
-            <a:endParaRPr lang="en-US" dirty="0" smtClean="0"/>
-          </a:p>
-          <a:p>
-            <a:r>
-              <a:rPr lang="en-US" dirty="0" smtClean="0"/>
-              <a:t>Azure Queue </a:t>
-            </a:r>
-            <a:r>
-              <a:rPr lang="ru-RU" dirty="0" smtClean="0"/>
-              <a:t>и </a:t>
-            </a:r>
-            <a:r>
-              <a:rPr lang="en-US" dirty="0" smtClean="0"/>
-              <a:t>Azure Worker Role </a:t>
-            </a:r>
-            <a:r>
-              <a:rPr lang="ru-RU" dirty="0" smtClean="0"/>
-              <a:t>для работы с распознаванием изображений</a:t>
-            </a:r>
-          </a:p>
-          <a:p>
-            <a:r>
-              <a:rPr lang="en-US" dirty="0" smtClean="0"/>
-              <a:t>ABBYY Cloud OCR SDK </a:t>
-            </a:r>
-            <a:r>
-              <a:rPr lang="ru-RU" dirty="0" smtClean="0"/>
-              <a:t>для распознавания</a:t>
-            </a:r>
-            <a:endParaRPr lang="en-US" dirty="0" smtClean="0"/>
-          </a:p>
-          <a:p>
-            <a:pPr lvl="1"/>
-            <a:r>
-              <a:rPr lang="en-US" dirty="0" smtClean="0">
-                <a:hlinkClick r:id="rId2"/>
-              </a:rPr>
-              <a:t>http</a:t>
-            </a:r>
-            <a:r>
-              <a:rPr lang="en-US" dirty="0">
-                <a:hlinkClick r:id="rId2"/>
-              </a:rPr>
-              <a:t>://ocrsdk.com/</a:t>
-            </a:r>
-            <a:endParaRPr lang="ru-RU" dirty="0" smtClean="0"/>
+            <a:endParaRPr lang="ru-RU"/>
           </a:p>
         </p:txBody>
       </p:sp>
     </p:spTree>
     <p:extLst>
       <p:ext uri="{BB962C8B-B14F-4D97-AF65-F5344CB8AC3E}">
-        <p14:creationId xmlns:p14="http://schemas.microsoft.com/office/powerpoint/2010/main" val="3643400134"/>
+        <p14:creationId xmlns:p14="http://schemas.microsoft.com/office/powerpoint/2010/main" val="2708893099"/>
       </p:ext>
     </p:extLst>
   </p:cSld>
@@ -5751,12 +5705,12 @@
       </p:grpSpPr>
       <p:sp>
         <p:nvSpPr>
-          <p:cNvPr id="4" name="Title 3"/>
+          <p:cNvPr id="2" name="Title 1"/>
           <p:cNvSpPr>
             <a:spLocks noGrp="1"/>
           </p:cNvSpPr>
           <p:nvPr>
-            <p:ph type="ctrTitle"/>
+            <p:ph type="title"/>
           </p:nvPr>
         </p:nvSpPr>
         <p:spPr/>
@@ -5765,29 +5719,21 @@
           <a:lstStyle/>
           <a:p>
             <a:r>
-              <a:rPr lang="en-US" dirty="0"/>
-              <a:t>2</a:t>
-            </a:r>
-            <a:r>
-              <a:rPr lang="en-US" dirty="0" smtClean="0"/>
-              <a:t>. </a:t>
-            </a:r>
-            <a:r>
-              <a:rPr lang="ru-RU" dirty="0" smtClean="0"/>
-              <a:t>Опыт разработки</a:t>
-            </a:r>
-            <a:endParaRPr lang="ru-RU" dirty="0"/>
-          </a:p>
-        </p:txBody>
-      </p:sp>
-      <p:sp>
-        <p:nvSpPr>
-          <p:cNvPr id="5" name="Subtitle 4"/>
+              <a:rPr lang="ru-RU" dirty="0" smtClean="0"/>
+              <a:t>Данные</a:t>
+            </a:r>
+            <a:endParaRPr lang="en-US" dirty="0"/>
+          </a:p>
+        </p:txBody>
+      </p:sp>
+      <p:sp>
+        <p:nvSpPr>
+          <p:cNvPr id="3" name="Content Placeholder 2"/>
           <p:cNvSpPr>
             <a:spLocks noGrp="1"/>
           </p:cNvSpPr>
           <p:nvPr>
-            <p:ph type="subTitle" idx="1"/>
+            <p:ph idx="1"/>
           </p:nvPr>
         </p:nvSpPr>
         <p:spPr/>
@@ -5795,14 +5741,72 @@
           <a:bodyPr/>
           <a:lstStyle/>
           <a:p>
-            <a:endParaRPr lang="ru-RU"/>
+            <a:r>
+              <a:rPr lang="ru-RU" dirty="0" smtClean="0"/>
+              <a:t>Мультитенантность</a:t>
+            </a:r>
+          </a:p>
+          <a:p>
+            <a:pPr lvl="1"/>
+            <a:r>
+              <a:rPr lang="ru-RU" dirty="0" smtClean="0"/>
+              <a:t>С</a:t>
+            </a:r>
+            <a:r>
+              <a:rPr lang="en-US" dirty="0" err="1" smtClean="0"/>
+              <a:t>onnection</a:t>
+            </a:r>
+            <a:r>
+              <a:rPr lang="en-US" dirty="0" smtClean="0"/>
+              <a:t> string per tenant</a:t>
+            </a:r>
+            <a:r>
+              <a:rPr lang="ru-RU" dirty="0" smtClean="0"/>
+              <a:t/>
+            </a:r>
+            <a:br>
+              <a:rPr lang="ru-RU" dirty="0" smtClean="0"/>
+            </a:br>
+            <a:r>
+              <a:rPr lang="ru-RU" dirty="0" smtClean="0"/>
+              <a:t>Глобально доступные данные</a:t>
+            </a:r>
+            <a:r>
+              <a:rPr lang="en-US" dirty="0"/>
+              <a:t> </a:t>
+            </a:r>
+            <a:r>
+              <a:rPr lang="ru-RU" dirty="0" smtClean="0"/>
+              <a:t>в </a:t>
+            </a:r>
+            <a:r>
+              <a:rPr lang="en-US" dirty="0" smtClean="0"/>
+              <a:t>Azure Table Storage</a:t>
+            </a:r>
+          </a:p>
+          <a:p>
+            <a:r>
+              <a:rPr lang="en-US" dirty="0" smtClean="0"/>
+              <a:t>Azure Blob storage </a:t>
+            </a:r>
+            <a:r>
+              <a:rPr lang="ru-RU" dirty="0" smtClean="0"/>
+              <a:t>для хранения файлов</a:t>
+            </a:r>
+          </a:p>
+          <a:p>
+            <a:pPr lvl="1"/>
+            <a:r>
+              <a:rPr lang="ru-RU" dirty="0" smtClean="0"/>
+              <a:t>Один контейнер или много контейнеров?</a:t>
+            </a:r>
           </a:p>
         </p:txBody>
       </p:sp>
     </p:spTree>
     <p:extLst>
       <p:ext uri="{BB962C8B-B14F-4D97-AF65-F5344CB8AC3E}">
-        <p14:creationId xmlns:p14="http://schemas.microsoft.com/office/powerpoint/2010/main" val="2708893099"/>
+        <p14:creationId xmlns:p14="http://schemas.microsoft.com/office/powerpoint/2010/main" val="3309134068"/>
       </p:ext>
     </p:extLst>
   </p:cSld>
@@ -5852,143 +5856,6 @@
           <a:lstStyle/>
           <a:p>
             <a:r>
-              <a:rPr lang="ru-RU" dirty="0" smtClean="0"/>
-              <a:t>Данные</a:t>
-            </a:r>
-            <a:endParaRPr lang="en-US" dirty="0"/>
-          </a:p>
-        </p:txBody>
-      </p:sp>
-      <p:sp>
-        <p:nvSpPr>
-          <p:cNvPr id="3" name="Content Placeholder 2"/>
-          <p:cNvSpPr>
-            <a:spLocks noGrp="1"/>
-          </p:cNvSpPr>
-          <p:nvPr>
-            <p:ph idx="1"/>
-          </p:nvPr>
-        </p:nvSpPr>
-        <p:spPr/>
-        <p:txBody>
-          <a:bodyPr/>
-          <a:lstStyle/>
-          <a:p>
-            <a:r>
-              <a:rPr lang="ru-RU" dirty="0" smtClean="0"/>
-              <a:t>Мультитенантность</a:t>
-            </a:r>
-          </a:p>
-          <a:p>
-            <a:pPr lvl="1"/>
-            <a:r>
-              <a:rPr lang="ru-RU" dirty="0" smtClean="0"/>
-              <a:t>С</a:t>
-            </a:r>
-            <a:r>
-              <a:rPr lang="en-US" dirty="0" err="1" smtClean="0"/>
-              <a:t>onnection</a:t>
-            </a:r>
-            <a:r>
-              <a:rPr lang="en-US" dirty="0" smtClean="0"/>
-              <a:t> string per tenant</a:t>
-            </a:r>
-            <a:r>
-              <a:rPr lang="ru-RU" dirty="0" smtClean="0"/>
-              <a:t/>
-            </a:r>
-            <a:br>
-              <a:rPr lang="ru-RU" dirty="0" smtClean="0"/>
-            </a:br>
-            <a:r>
-              <a:rPr lang="ru-RU" dirty="0" smtClean="0"/>
-              <a:t>Глобально доступные данные</a:t>
-            </a:r>
-            <a:r>
-              <a:rPr lang="en-US" dirty="0"/>
-              <a:t> </a:t>
-            </a:r>
-            <a:r>
-              <a:rPr lang="ru-RU" dirty="0" smtClean="0"/>
-              <a:t>в </a:t>
-            </a:r>
-            <a:r>
-              <a:rPr lang="en-US" dirty="0" smtClean="0"/>
-              <a:t>Azure Table Storage</a:t>
-            </a:r>
-          </a:p>
-          <a:p>
-            <a:r>
-              <a:rPr lang="en-US" dirty="0" smtClean="0"/>
-              <a:t>Azure Blob storage </a:t>
-            </a:r>
-            <a:r>
-              <a:rPr lang="ru-RU" dirty="0" smtClean="0"/>
-              <a:t>для хранения файлов</a:t>
-            </a:r>
-          </a:p>
-          <a:p>
-            <a:pPr lvl="1"/>
-            <a:r>
-              <a:rPr lang="ru-RU" dirty="0" smtClean="0"/>
-              <a:t>Один контейнер или много контейнеров?</a:t>
-            </a:r>
-          </a:p>
-        </p:txBody>
-      </p:sp>
-    </p:spTree>
-    <p:extLst>
-      <p:ext uri="{BB962C8B-B14F-4D97-AF65-F5344CB8AC3E}">
-        <p14:creationId xmlns:p14="http://schemas.microsoft.com/office/powerpoint/2010/main" val="3309134068"/>
-      </p:ext>
-    </p:extLst>
-  </p:cSld>
-  <p:clrMapOvr>
-    <a:masterClrMapping/>
-  </p:clrMapOvr>
-  <p:timing>
-    <p:tnLst>
-      <p:par>
-        <p:cTn id="1" dur="indefinite" restart="never" nodeType="tmRoot"/>
-      </p:par>
-    </p:tnLst>
-  </p:timing>
-</p:sld>
-</file>
-
-<file path=ppt/slides/slide13.xml><?xml version="1.0" encoding="utf-8"?>
-<p:sld xmlns:a="http://schemas.openxmlformats.org/drawingml/2006/main" xmlns:r="http://schemas.openxmlformats.org/officeDocument/2006/relationships" xmlns:p="http://schemas.openxmlformats.org/presentationml/2006/main">
-  <p:cSld>
-    <p:spTree>
-      <p:nvGrpSpPr>
-        <p:cNvPr id="1" name=""/>
-        <p:cNvGrpSpPr/>
-        <p:nvPr/>
-      </p:nvGrpSpPr>
-      <p:grpSpPr>
-        <a:xfrm>
-          <a:off x="0" y="0"/>
-          <a:ext cx="0" cy="0"/>
-          <a:chOff x="0" y="0"/>
-          <a:chExt cx="0" cy="0"/>
-        </a:xfrm>
-      </p:grpSpPr>
-      <p:sp>
-        <p:nvSpPr>
-          <p:cNvPr id="2" name="Title 1"/>
-          <p:cNvSpPr>
-            <a:spLocks noGrp="1"/>
-          </p:cNvSpPr>
-          <p:nvPr>
-            <p:ph type="title"/>
-          </p:nvPr>
-        </p:nvSpPr>
-        <p:spPr/>
-        <p:txBody>
-          <a:bodyPr/>
-          <a:lstStyle/>
-          <a:p>
-            <a:r>
               <a:rPr lang="en-US" dirty="0" smtClean="0"/>
               <a:t>Backend</a:t>
             </a:r>
@@ -6127,7 +5994,7 @@
 </p:sld>
 </file>
 
-<file path=ppt/slides/slide14.xml><?xml version="1.0" encoding="utf-8"?>
+<file path=ppt/slides/slide13.xml><?xml version="1.0" encoding="utf-8"?>
 <p:sld xmlns:a="http://schemas.openxmlformats.org/drawingml/2006/main" xmlns:r="http://schemas.openxmlformats.org/officeDocument/2006/relationships" xmlns:p="http://schemas.openxmlformats.org/presentationml/2006/main">
   <p:cSld>
     <p:spTree>
@@ -6227,7 +6094,7 @@
 </p:sld>
 </file>
 
-<file path=ppt/slides/slide15.xml><?xml version="1.0" encoding="utf-8"?>
+<file path=ppt/slides/slide14.xml><?xml version="1.0" encoding="utf-8"?>
 <p:sld xmlns:a="http://schemas.openxmlformats.org/drawingml/2006/main" xmlns:r="http://schemas.openxmlformats.org/officeDocument/2006/relationships" xmlns:p="http://schemas.openxmlformats.org/presentationml/2006/main">
   <p:cSld>
     <p:spTree>
@@ -6364,7 +6231,7 @@
 </p:sld>
 </file>
 
-<file path=ppt/slides/slide16.xml><?xml version="1.0" encoding="utf-8"?>
+<file path=ppt/slides/slide15.xml><?xml version="1.0" encoding="utf-8"?>
 <p:sld xmlns:a="http://schemas.openxmlformats.org/drawingml/2006/main" xmlns:r="http://schemas.openxmlformats.org/officeDocument/2006/relationships" xmlns:p="http://schemas.openxmlformats.org/presentationml/2006/main">
   <p:cSld>
     <p:spTree>
@@ -6463,7 +6330,7 @@
 </p:sld>
 </file>
 
-<file path=ppt/slides/slide17.xml><?xml version="1.0" encoding="utf-8"?>
+<file path=ppt/slides/slide16.xml><?xml version="1.0" encoding="utf-8"?>
 <p:sld xmlns:a="http://schemas.openxmlformats.org/drawingml/2006/main" xmlns:r="http://schemas.openxmlformats.org/officeDocument/2006/relationships" xmlns:p="http://schemas.openxmlformats.org/presentationml/2006/main">
   <p:cSld>
     <p:spTree>
@@ -6633,7 +6500,7 @@
 </p:sld>
 </file>
 
-<file path=ppt/slides/slide18.xml><?xml version="1.0" encoding="utf-8"?>
+<file path=ppt/slides/slide17.xml><?xml version="1.0" encoding="utf-8"?>
 <p:sld xmlns:a="http://schemas.openxmlformats.org/drawingml/2006/main" xmlns:r="http://schemas.openxmlformats.org/officeDocument/2006/relationships" xmlns:p="http://schemas.openxmlformats.org/presentationml/2006/main">
   <p:cSld>
     <p:spTree>
@@ -6731,7 +6598,7 @@
 </p:sld>
 </file>
 
-<file path=ppt/slides/slide19.xml><?xml version="1.0" encoding="utf-8"?>
+<file path=ppt/slides/slide18.xml><?xml version="1.0" encoding="utf-8"?>
 <p:sld xmlns:a="http://schemas.openxmlformats.org/drawingml/2006/main" xmlns:r="http://schemas.openxmlformats.org/officeDocument/2006/relationships" xmlns:p="http://schemas.openxmlformats.org/presentationml/2006/main">
   <p:cSld>
     <p:spTree>
@@ -6851,121 +6718,7 @@
 </p:sld>
 </file>
 
-<file path=ppt/slides/slide2.xml><?xml version="1.0" encoding="utf-8"?>
-<p:sld xmlns:a="http://schemas.openxmlformats.org/drawingml/2006/main" xmlns:r="http://schemas.openxmlformats.org/officeDocument/2006/relationships" xmlns:p="http://schemas.openxmlformats.org/presentationml/2006/main">
-  <p:cSld>
-    <p:spTree>
-      <p:nvGrpSpPr>
-        <p:cNvPr id="1" name=""/>
-        <p:cNvGrpSpPr/>
-        <p:nvPr/>
-      </p:nvGrpSpPr>
-      <p:grpSpPr>
-        <a:xfrm>
-          <a:off x="0" y="0"/>
-          <a:ext cx="0" cy="0"/>
-          <a:chOff x="0" y="0"/>
-          <a:chExt cx="0" cy="0"/>
-        </a:xfrm>
-      </p:grpSpPr>
-      <p:sp>
-        <p:nvSpPr>
-          <p:cNvPr id="2" name="Title 1"/>
-          <p:cNvSpPr>
-            <a:spLocks noGrp="1"/>
-          </p:cNvSpPr>
-          <p:nvPr>
-            <p:ph type="ctrTitle"/>
-          </p:nvPr>
-        </p:nvSpPr>
-        <p:spPr/>
-        <p:txBody>
-          <a:bodyPr>
-            <a:normAutofit fontScale="90000"/>
-          </a:bodyPr>
-          <a:lstStyle/>
-          <a:p>
-            <a:r>
-              <a:rPr lang="ru-RU" dirty="0"/>
-              <a:t>Опыт разработки сервиса мониторинга подготовки к ЕГЭ </a:t>
-            </a:r>
-            <a:r>
-              <a:rPr lang="ru-RU" dirty="0" smtClean="0"/>
-              <a:t>на платформе </a:t>
-            </a:r>
-            <a:r>
-              <a:rPr lang="ru-RU" dirty="0"/>
-              <a:t>Microsoft </a:t>
-            </a:r>
-            <a:r>
-              <a:rPr lang="ru-RU" dirty="0" smtClean="0"/>
-              <a:t>Azure</a:t>
-            </a:r>
-            <a:endParaRPr lang="en-US" dirty="0"/>
-          </a:p>
-        </p:txBody>
-      </p:sp>
-      <p:sp>
-        <p:nvSpPr>
-          <p:cNvPr id="3" name="Text Placeholder 2"/>
-          <p:cNvSpPr>
-            <a:spLocks noGrp="1"/>
-          </p:cNvSpPr>
-          <p:nvPr>
-            <p:ph type="body" sz="quarter" idx="11"/>
-          </p:nvPr>
-        </p:nvSpPr>
-        <p:spPr/>
-        <p:txBody>
-          <a:bodyPr>
-            <a:normAutofit fontScale="85000" lnSpcReduction="10000"/>
-          </a:bodyPr>
-          <a:lstStyle/>
-          <a:p>
-            <a:pPr lvl="0"/>
-            <a:r>
-              <a:rPr lang="ru-RU" dirty="0" smtClean="0"/>
-              <a:t>Евгений Агафонов</a:t>
-            </a:r>
-            <a:r>
-              <a:rPr lang="en-US" dirty="0" smtClean="0"/>
-              <a:t> </a:t>
-            </a:r>
-            <a:r>
-              <a:rPr lang="en-US" sz="2400" dirty="0" smtClean="0"/>
-              <a:t>{</a:t>
-            </a:r>
-            <a:r>
-              <a:rPr lang="en-US" sz="2400" dirty="0"/>
-              <a:t>ABBYY, Head of Education Products Development Group}</a:t>
-            </a:r>
-          </a:p>
-          <a:p>
-            <a:endParaRPr lang="en-US" dirty="0"/>
-          </a:p>
-        </p:txBody>
-      </p:sp>
-    </p:spTree>
-    <p:extLst>
-      <p:ext uri="{BB962C8B-B14F-4D97-AF65-F5344CB8AC3E}">
-        <p14:creationId xmlns:p14="http://schemas.microsoft.com/office/powerpoint/2010/main" val="2899047879"/>
-      </p:ext>
-    </p:extLst>
-  </p:cSld>
-  <p:clrMapOvr>
-    <a:masterClrMapping/>
-  </p:clrMapOvr>
-  <p:timing>
-    <p:tnLst>
-      <p:par>
-        <p:cTn id="1" dur="indefinite" restart="never" nodeType="tmRoot"/>
-      </p:par>
-    </p:tnLst>
-  </p:timing>
-</p:sld>
-</file>
-
-<file path=ppt/slides/slide20.xml><?xml version="1.0" encoding="utf-8"?>
+<file path=ppt/slides/slide19.xml><?xml version="1.0" encoding="utf-8"?>
 <p:sld xmlns:a="http://schemas.openxmlformats.org/drawingml/2006/main" xmlns:r="http://schemas.openxmlformats.org/officeDocument/2006/relationships" xmlns:p="http://schemas.openxmlformats.org/presentationml/2006/main">
   <p:cSld>
     <p:spTree>
@@ -7057,7 +6810,121 @@
 </p:sld>
 </file>
 
-<file path=ppt/slides/slide21.xml><?xml version="1.0" encoding="utf-8"?>
+<file path=ppt/slides/slide2.xml><?xml version="1.0" encoding="utf-8"?>
+<p:sld xmlns:a="http://schemas.openxmlformats.org/drawingml/2006/main" xmlns:r="http://schemas.openxmlformats.org/officeDocument/2006/relationships" xmlns:p="http://schemas.openxmlformats.org/presentationml/2006/main">
+  <p:cSld>
+    <p:spTree>
+      <p:nvGrpSpPr>
+        <p:cNvPr id="1" name=""/>
+        <p:cNvGrpSpPr/>
+        <p:nvPr/>
+      </p:nvGrpSpPr>
+      <p:grpSpPr>
+        <a:xfrm>
+          <a:off x="0" y="0"/>
+          <a:ext cx="0" cy="0"/>
+          <a:chOff x="0" y="0"/>
+          <a:chExt cx="0" cy="0"/>
+        </a:xfrm>
+      </p:grpSpPr>
+      <p:sp>
+        <p:nvSpPr>
+          <p:cNvPr id="2" name="Title 1"/>
+          <p:cNvSpPr>
+            <a:spLocks noGrp="1"/>
+          </p:cNvSpPr>
+          <p:nvPr>
+            <p:ph type="ctrTitle"/>
+          </p:nvPr>
+        </p:nvSpPr>
+        <p:spPr/>
+        <p:txBody>
+          <a:bodyPr>
+            <a:normAutofit fontScale="90000"/>
+          </a:bodyPr>
+          <a:lstStyle/>
+          <a:p>
+            <a:r>
+              <a:rPr lang="ru-RU" dirty="0"/>
+              <a:t>Опыт разработки сервиса мониторинга подготовки к ЕГЭ </a:t>
+            </a:r>
+            <a:r>
+              <a:rPr lang="ru-RU" dirty="0" smtClean="0"/>
+              <a:t>на платформе </a:t>
+            </a:r>
+            <a:r>
+              <a:rPr lang="ru-RU" dirty="0"/>
+              <a:t>Microsoft </a:t>
+            </a:r>
+            <a:r>
+              <a:rPr lang="ru-RU" dirty="0" smtClean="0"/>
+              <a:t>Azure</a:t>
+            </a:r>
+            <a:endParaRPr lang="en-US" dirty="0"/>
+          </a:p>
+        </p:txBody>
+      </p:sp>
+      <p:sp>
+        <p:nvSpPr>
+          <p:cNvPr id="3" name="Text Placeholder 2"/>
+          <p:cNvSpPr>
+            <a:spLocks noGrp="1"/>
+          </p:cNvSpPr>
+          <p:nvPr>
+            <p:ph type="body" sz="quarter" idx="11"/>
+          </p:nvPr>
+        </p:nvSpPr>
+        <p:spPr/>
+        <p:txBody>
+          <a:bodyPr>
+            <a:normAutofit fontScale="85000" lnSpcReduction="10000"/>
+          </a:bodyPr>
+          <a:lstStyle/>
+          <a:p>
+            <a:pPr lvl="0"/>
+            <a:r>
+              <a:rPr lang="ru-RU" dirty="0" smtClean="0"/>
+              <a:t>Евгений Агафонов</a:t>
+            </a:r>
+            <a:r>
+              <a:rPr lang="en-US" dirty="0" smtClean="0"/>
+              <a:t> </a:t>
+            </a:r>
+            <a:r>
+              <a:rPr lang="en-US" sz="2400" dirty="0" smtClean="0"/>
+              <a:t>{</a:t>
+            </a:r>
+            <a:r>
+              <a:rPr lang="en-US" sz="2400" dirty="0"/>
+              <a:t>ABBYY, Head of Education Products Development Group}</a:t>
+            </a:r>
+          </a:p>
+          <a:p>
+            <a:endParaRPr lang="en-US" dirty="0"/>
+          </a:p>
+        </p:txBody>
+      </p:sp>
+    </p:spTree>
+    <p:extLst>
+      <p:ext uri="{BB962C8B-B14F-4D97-AF65-F5344CB8AC3E}">
+        <p14:creationId xmlns:p14="http://schemas.microsoft.com/office/powerpoint/2010/main" val="2899047879"/>
+      </p:ext>
+    </p:extLst>
+  </p:cSld>
+  <p:clrMapOvr>
+    <a:masterClrMapping/>
+  </p:clrMapOvr>
+  <p:timing>
+    <p:tnLst>
+      <p:par>
+        <p:cTn id="1" dur="indefinite" restart="never" nodeType="tmRoot"/>
+      </p:par>
+    </p:tnLst>
+  </p:timing>
+</p:sld>
+</file>
+
+<file path=ppt/slides/slide20.xml><?xml version="1.0" encoding="utf-8"?>
 <p:sld xmlns:a="http://schemas.openxmlformats.org/drawingml/2006/main" xmlns:r="http://schemas.openxmlformats.org/officeDocument/2006/relationships" xmlns:p="http://schemas.openxmlformats.org/presentationml/2006/main">
   <p:cSld>
     <p:spTree>
@@ -7277,7 +7144,7 @@
 </p:sld>
 </file>
 
-<file path=ppt/slides/slide22.xml><?xml version="1.0" encoding="utf-8"?>
+<file path=ppt/slides/slide21.xml><?xml version="1.0" encoding="utf-8"?>
 <p:sld xmlns:a="http://schemas.openxmlformats.org/drawingml/2006/main" xmlns:r="http://schemas.openxmlformats.org/officeDocument/2006/relationships" xmlns:p="http://schemas.openxmlformats.org/presentationml/2006/main">
   <p:cSld>
     <p:spTree>
@@ -7372,7 +7239,7 @@
 </p:sld>
 </file>
 
-<file path=ppt/slides/slide23.xml><?xml version="1.0" encoding="utf-8"?>
+<file path=ppt/slides/slide22.xml><?xml version="1.0" encoding="utf-8"?>
 <p:sld xmlns:a="http://schemas.openxmlformats.org/drawingml/2006/main" xmlns:r="http://schemas.openxmlformats.org/officeDocument/2006/relationships" xmlns:p="http://schemas.openxmlformats.org/presentationml/2006/main">
   <p:cSld>
     <p:spTree>
@@ -7534,7 +7401,7 @@
 </p:sld>
 </file>
 
-<file path=ppt/slides/slide24.xml><?xml version="1.0" encoding="utf-8"?>
+<file path=ppt/slides/slide23.xml><?xml version="1.0" encoding="utf-8"?>
 <p:sld xmlns:a="http://schemas.openxmlformats.org/drawingml/2006/main" xmlns:r="http://schemas.openxmlformats.org/officeDocument/2006/relationships" xmlns:p="http://schemas.openxmlformats.org/presentationml/2006/main">
   <p:cSld>
     <p:spTree>
@@ -7615,11 +7482,7 @@
           <a:p>
             <a:r>
               <a:rPr lang="ru-RU" dirty="0" smtClean="0"/>
-              <a:t>ЕВГЕНИЙ </a:t>
-            </a:r>
-            <a:r>
-              <a:rPr lang="ru-RU" dirty="0" smtClean="0"/>
-              <a:t>АГАФОНОВ</a:t>
+              <a:t>ЕВГЕНИЙ АГАФОНОВ</a:t>
             </a:r>
             <a:endParaRPr lang="ru-RU" dirty="0"/>
           </a:p>
@@ -7751,11 +7614,7 @@
           <a:p>
             <a:r>
               <a:rPr lang="ru-RU" dirty="0" smtClean="0"/>
-              <a:t>Когда тыкать и когда </a:t>
-            </a:r>
-            <a:r>
-              <a:rPr lang="ru-RU" dirty="0" err="1" smtClean="0"/>
-              <a:t>жмакать</a:t>
+              <a:t>О чем пойдет речь</a:t>
             </a:r>
             <a:endParaRPr lang="ru-RU" dirty="0"/>
           </a:p>
@@ -7780,64 +7639,78 @@
           <a:p>
             <a:r>
               <a:rPr lang="ru-RU" dirty="0" smtClean="0"/>
-              <a:t>Старайтесь не использовать списки, сделанные вручную</a:t>
+              <a:t>Назначение сервиса</a:t>
+            </a:r>
+          </a:p>
+          <a:p>
+            <a:r>
+              <a:rPr lang="ru-RU" dirty="0" smtClean="0"/>
+              <a:t>Архитектура сервиса</a:t>
+            </a:r>
+          </a:p>
+          <a:p>
+            <a:r>
+              <a:rPr lang="ru-RU" dirty="0" smtClean="0"/>
+              <a:t>Данные</a:t>
             </a:r>
           </a:p>
           <a:p>
             <a:pPr lvl="1"/>
             <a:r>
               <a:rPr lang="ru-RU" dirty="0" smtClean="0"/>
-              <a:t>Если можно, ограничивайтесь уровнями текста, регулируя в </a:t>
+              <a:t>Мультитенантность</a:t>
+            </a:r>
+            <a:br>
+              <a:rPr lang="ru-RU" dirty="0" smtClean="0"/>
+            </a:br>
+            <a:r>
+              <a:rPr lang="ru-RU" dirty="0" smtClean="0"/>
+              <a:t>Отличие глобальных и </a:t>
             </a:r>
             <a:r>
               <a:rPr lang="en-US" dirty="0" smtClean="0"/>
-              <a:t>PowerPoint </a:t>
-            </a:r>
-            <a:r>
-              <a:rPr lang="ru-RU" dirty="0" smtClean="0"/>
-              <a:t>отступы</a:t>
-            </a:r>
-          </a:p>
-          <a:p>
-            <a:pPr lvl="2"/>
-            <a:r>
-              <a:rPr lang="ru-RU" dirty="0" smtClean="0"/>
-              <a:t>Это такие две кнопочки со стрелочками (не путать с табуляцией)</a:t>
-            </a:r>
-          </a:p>
-          <a:p>
-            <a:pPr lvl="2"/>
-            <a:r>
-              <a:rPr lang="ru-RU" dirty="0" smtClean="0"/>
-              <a:t>Нажимая их, вы будете автоматически получать правильные отступы из шаблона</a:t>
+              <a:t>per tenant </a:t>
+            </a:r>
+            <a:r>
+              <a:rPr lang="ru-RU" dirty="0" smtClean="0"/>
+              <a:t>данных</a:t>
+            </a:r>
+          </a:p>
+          <a:p>
+            <a:r>
+              <a:rPr lang="en-US" dirty="0" smtClean="0"/>
+              <a:t>Backend </a:t>
+            </a:r>
+            <a:r>
+              <a:rPr lang="ru-RU" dirty="0"/>
+              <a:t>-</a:t>
+            </a:r>
+            <a:r>
+              <a:rPr lang="ru-RU" dirty="0" smtClean="0"/>
+              <a:t> </a:t>
+            </a:r>
+            <a:r>
+              <a:rPr lang="en-US" dirty="0" err="1" smtClean="0"/>
+              <a:t>RESTful</a:t>
+            </a:r>
+            <a:r>
+              <a:rPr lang="en-US" dirty="0" smtClean="0"/>
+              <a:t> API</a:t>
             </a:r>
           </a:p>
           <a:p>
             <a:pPr lvl="1"/>
             <a:r>
               <a:rPr lang="ru-RU" dirty="0" smtClean="0"/>
-              <a:t>Не используйте списки глубиной более 3 уровней</a:t>
-            </a:r>
-          </a:p>
-          <a:p>
-            <a:r>
-              <a:rPr lang="ru-RU" dirty="0" smtClean="0"/>
-              <a:t>В шаблоне есть два макета для обычных слайдов:</a:t>
-            </a:r>
-          </a:p>
-          <a:p>
-            <a:pPr lvl="1"/>
-            <a:r>
-              <a:rPr lang="ru-RU" dirty="0" smtClean="0"/>
-              <a:t>Традиционный с маркированными списками</a:t>
-            </a:r>
-          </a:p>
-          <a:p>
-            <a:pPr lvl="1"/>
-            <a:r>
-              <a:rPr lang="ru-RU" dirty="0" smtClean="0"/>
-              <a:t>Новый – без маркеров на 1 и 2 уровнях (как этот)</a:t>
-            </a:r>
+              <a:t>Композиция компонентов в приложении</a:t>
+            </a:r>
+            <a:endParaRPr lang="en-US" dirty="0" smtClean="0"/>
+          </a:p>
+          <a:p>
+            <a:endParaRPr lang="en-US" dirty="0" smtClean="0"/>
+          </a:p>
+          <a:p>
+            <a:endParaRPr lang="ru-RU" dirty="0" smtClean="0"/>
           </a:p>
           <a:p>
             <a:pPr lvl="1"/>
@@ -7848,7 +7721,7 @@
     </p:spTree>
     <p:extLst>
       <p:ext uri="{BB962C8B-B14F-4D97-AF65-F5344CB8AC3E}">
-        <p14:creationId xmlns:p14="http://schemas.microsoft.com/office/powerpoint/2010/main" val="1752826016"/>
+        <p14:creationId xmlns:p14="http://schemas.microsoft.com/office/powerpoint/2010/main" val="1031957936"/>
       </p:ext>
     </p:extLst>
   </p:cSld>
@@ -7918,82 +7791,76 @@
         <p:spPr/>
         <p:txBody>
           <a:bodyPr>
-            <a:normAutofit/>
+            <a:normAutofit lnSpcReduction="10000"/>
           </a:bodyPr>
           <a:lstStyle/>
           <a:p>
             <a:r>
-              <a:rPr lang="ru-RU" dirty="0" smtClean="0"/>
-              <a:t>Назначение сервиса</a:t>
-            </a:r>
-          </a:p>
-          <a:p>
-            <a:r>
-              <a:rPr lang="ru-RU" dirty="0" smtClean="0"/>
-              <a:t>Архитектура сервиса</a:t>
+              <a:rPr lang="en-US" dirty="0"/>
+              <a:t>Frontend</a:t>
+            </a:r>
+          </a:p>
+          <a:p>
+            <a:pPr lvl="1"/>
+            <a:r>
+              <a:rPr lang="en-US" dirty="0"/>
+              <a:t>UI Framework – knockout.js</a:t>
+            </a:r>
+            <a:br>
+              <a:rPr lang="en-US" dirty="0"/>
+            </a:br>
+            <a:r>
+              <a:rPr lang="en-US" dirty="0" smtClean="0"/>
+              <a:t>Typescript</a:t>
             </a:r>
             <a:endParaRPr lang="ru-RU" dirty="0" smtClean="0"/>
           </a:p>
           <a:p>
             <a:r>
               <a:rPr lang="ru-RU" dirty="0" smtClean="0"/>
-              <a:t>Данные</a:t>
+              <a:t>Стратегия отладки и логгирования</a:t>
             </a:r>
           </a:p>
           <a:p>
             <a:pPr lvl="1"/>
             <a:r>
-              <a:rPr lang="ru-RU" dirty="0" smtClean="0"/>
-              <a:t>Мультитенантность</a:t>
-            </a:r>
-            <a:br>
-              <a:rPr lang="ru-RU" dirty="0" smtClean="0"/>
-            </a:br>
-            <a:r>
-              <a:rPr lang="ru-RU" dirty="0" smtClean="0"/>
-              <a:t>Отличие глобальных и </a:t>
+              <a:rPr lang="en-US" dirty="0" err="1" smtClean="0"/>
+              <a:t>Elasticsearch</a:t>
             </a:r>
             <a:r>
               <a:rPr lang="en-US" dirty="0" smtClean="0"/>
-              <a:t>per tenant </a:t>
-            </a:r>
-            <a:r>
-              <a:rPr lang="ru-RU" dirty="0" smtClean="0"/>
-              <a:t>данных</a:t>
+              <a:t> + </a:t>
+            </a:r>
+            <a:r>
+              <a:rPr lang="en-US" dirty="0" err="1" smtClean="0"/>
+              <a:t>Kibana</a:t>
             </a:r>
             <a:endParaRPr lang="ru-RU" dirty="0" smtClean="0"/>
           </a:p>
           <a:p>
             <a:r>
-              <a:rPr lang="en-US" dirty="0" smtClean="0"/>
-              <a:t>Backend </a:t>
-            </a:r>
-            <a:r>
-              <a:rPr lang="ru-RU" dirty="0"/>
-              <a:t>-</a:t>
-            </a:r>
-            <a:r>
-              <a:rPr lang="ru-RU" dirty="0" smtClean="0"/>
-              <a:t> </a:t>
-            </a:r>
-            <a:r>
-              <a:rPr lang="en-US" dirty="0" err="1" smtClean="0"/>
-              <a:t>RESTful</a:t>
-            </a:r>
-            <a:r>
-              <a:rPr lang="en-US" dirty="0" smtClean="0"/>
-              <a:t> API</a:t>
-            </a:r>
+              <a:rPr lang="ru-RU" dirty="0" smtClean="0"/>
+              <a:t>Конфигурация</a:t>
+            </a:r>
+            <a:endParaRPr lang="en-US" dirty="0"/>
           </a:p>
           <a:p>
             <a:pPr lvl="1"/>
             <a:r>
               <a:rPr lang="ru-RU" dirty="0" smtClean="0"/>
-              <a:t>Композиция компонентов в приложении</a:t>
+              <a:t>Разделение статической и динамической частей</a:t>
             </a:r>
             <a:endParaRPr lang="en-US" dirty="0" smtClean="0"/>
           </a:p>
           <a:p>
+            <a:r>
+              <a:rPr lang="ru-RU" dirty="0" smtClean="0"/>
+              <a:t>Полезные советы</a:t>
+            </a:r>
+            <a:endParaRPr lang="en-US" dirty="0"/>
+          </a:p>
+          <a:p>
+            <a:pPr lvl="1"/>
             <a:endParaRPr lang="en-US" dirty="0" smtClean="0"/>
           </a:p>
           <a:p>
@@ -8008,7 +7875,7 @@
     </p:spTree>
     <p:extLst>
       <p:ext uri="{BB962C8B-B14F-4D97-AF65-F5344CB8AC3E}">
-        <p14:creationId xmlns:p14="http://schemas.microsoft.com/office/powerpoint/2010/main" val="1031957936"/>
+        <p14:creationId xmlns:p14="http://schemas.microsoft.com/office/powerpoint/2010/main" val="2434466184"/>
       </p:ext>
     </p:extLst>
   </p:cSld>
@@ -8044,12 +7911,12 @@
       </p:grpSpPr>
       <p:sp>
         <p:nvSpPr>
-          <p:cNvPr id="4" name="Заголовок 3"/>
+          <p:cNvPr id="4" name="Title 3"/>
           <p:cNvSpPr>
             <a:spLocks noGrp="1"/>
           </p:cNvSpPr>
           <p:nvPr>
-            <p:ph type="title"/>
+            <p:ph type="ctrTitle"/>
           </p:nvPr>
         </p:nvSpPr>
         <p:spPr/>
@@ -8058,8 +7925,12 @@
           <a:lstStyle/>
           <a:p>
             <a:r>
-              <a:rPr lang="ru-RU" dirty="0" smtClean="0"/>
-              <a:t>О чем пойдет речь</a:t>
+              <a:rPr lang="en-US" dirty="0" smtClean="0"/>
+              <a:t>1. </a:t>
+            </a:r>
+            <a:r>
+              <a:rPr lang="ru-RU" dirty="0" smtClean="0"/>
+              <a:t>Назначение и архитектура сервиса</a:t>
             </a:r>
             <a:endParaRPr lang="ru-RU" dirty="0"/>
           </a:p>
@@ -8067,102 +7938,27 @@
       </p:sp>
       <p:sp>
         <p:nvSpPr>
-          <p:cNvPr id="5" name="Объект 4"/>
+          <p:cNvPr id="5" name="Subtitle 4"/>
           <p:cNvSpPr>
             <a:spLocks noGrp="1"/>
           </p:cNvSpPr>
           <p:nvPr>
-            <p:ph idx="1"/>
+            <p:ph type="subTitle" idx="1"/>
           </p:nvPr>
         </p:nvSpPr>
         <p:spPr/>
         <p:txBody>
-          <a:bodyPr>
-            <a:normAutofit lnSpcReduction="10000"/>
-          </a:bodyPr>
+          <a:bodyPr/>
           <a:lstStyle/>
           <a:p>
-            <a:r>
-              <a:rPr lang="en-US" dirty="0"/>
-              <a:t>Frontend</a:t>
-            </a:r>
-          </a:p>
-          <a:p>
-            <a:pPr lvl="1"/>
-            <a:r>
-              <a:rPr lang="en-US" dirty="0"/>
-              <a:t>UI Framework – knockout.js</a:t>
-            </a:r>
-            <a:br>
-              <a:rPr lang="en-US" dirty="0"/>
-            </a:br>
-            <a:r>
-              <a:rPr lang="en-US" dirty="0" smtClean="0"/>
-              <a:t>Typescript</a:t>
-            </a:r>
-            <a:endParaRPr lang="ru-RU" dirty="0" smtClean="0"/>
-          </a:p>
-          <a:p>
-            <a:r>
-              <a:rPr lang="ru-RU" dirty="0" smtClean="0"/>
-              <a:t>Стратегия отладки и логгирования</a:t>
-            </a:r>
-          </a:p>
-          <a:p>
-            <a:pPr lvl="1"/>
-            <a:r>
-              <a:rPr lang="en-US" dirty="0" err="1" smtClean="0"/>
-              <a:t>Elasticsearch</a:t>
-            </a:r>
-            <a:r>
-              <a:rPr lang="en-US" dirty="0" smtClean="0"/>
-              <a:t> + </a:t>
-            </a:r>
-            <a:r>
-              <a:rPr lang="en-US" dirty="0" err="1" smtClean="0"/>
-              <a:t>Kibana</a:t>
-            </a:r>
-            <a:endParaRPr lang="ru-RU" dirty="0" smtClean="0"/>
-          </a:p>
-          <a:p>
-            <a:r>
-              <a:rPr lang="ru-RU" dirty="0" smtClean="0"/>
-              <a:t>Конфигурация</a:t>
-            </a:r>
-            <a:endParaRPr lang="en-US" dirty="0"/>
-          </a:p>
-          <a:p>
-            <a:pPr lvl="1"/>
-            <a:r>
-              <a:rPr lang="ru-RU" dirty="0" smtClean="0"/>
-              <a:t>Разделение статической и динамической частей</a:t>
-            </a:r>
-            <a:endParaRPr lang="en-US" dirty="0" smtClean="0"/>
-          </a:p>
-          <a:p>
-            <a:r>
-              <a:rPr lang="ru-RU" dirty="0" smtClean="0"/>
-              <a:t>Полезные советы</a:t>
-            </a:r>
-            <a:endParaRPr lang="en-US" dirty="0"/>
-          </a:p>
-          <a:p>
-            <a:pPr lvl="1"/>
-            <a:endParaRPr lang="en-US" dirty="0" smtClean="0"/>
-          </a:p>
-          <a:p>
-            <a:endParaRPr lang="ru-RU" dirty="0" smtClean="0"/>
-          </a:p>
-          <a:p>
-            <a:pPr lvl="1"/>
-            <a:endParaRPr lang="ru-RU" dirty="0"/>
+            <a:endParaRPr lang="ru-RU"/>
           </a:p>
         </p:txBody>
       </p:sp>
     </p:spTree>
     <p:extLst>
       <p:ext uri="{BB962C8B-B14F-4D97-AF65-F5344CB8AC3E}">
-        <p14:creationId xmlns:p14="http://schemas.microsoft.com/office/powerpoint/2010/main" val="2434466184"/>
+        <p14:creationId xmlns:p14="http://schemas.microsoft.com/office/powerpoint/2010/main" val="187153265"/>
       </p:ext>
     </p:extLst>
   </p:cSld>
@@ -8198,12 +7994,12 @@
       </p:grpSpPr>
       <p:sp>
         <p:nvSpPr>
-          <p:cNvPr id="4" name="Title 3"/>
+          <p:cNvPr id="4" name="Заголовок 3"/>
           <p:cNvSpPr>
             <a:spLocks noGrp="1"/>
           </p:cNvSpPr>
           <p:nvPr>
-            <p:ph type="ctrTitle"/>
+            <p:ph type="title"/>
           </p:nvPr>
         </p:nvSpPr>
         <p:spPr/>
@@ -8212,12 +8008,8 @@
           <a:lstStyle/>
           <a:p>
             <a:r>
-              <a:rPr lang="en-US" dirty="0" smtClean="0"/>
-              <a:t>1. </a:t>
-            </a:r>
-            <a:r>
-              <a:rPr lang="ru-RU" dirty="0" smtClean="0"/>
-              <a:t>Назначение и архитектура сервиса</a:t>
+              <a:rPr lang="ru-RU" dirty="0" smtClean="0"/>
+              <a:t>Назначение сервиса</a:t>
             </a:r>
             <a:endParaRPr lang="ru-RU" dirty="0"/>
           </a:p>
@@ -8225,27 +8017,71 @@
       </p:sp>
       <p:sp>
         <p:nvSpPr>
-          <p:cNvPr id="5" name="Subtitle 4"/>
+          <p:cNvPr id="5" name="Объект 4"/>
           <p:cNvSpPr>
             <a:spLocks noGrp="1"/>
           </p:cNvSpPr>
           <p:nvPr>
-            <p:ph type="subTitle" idx="1"/>
+            <p:ph idx="1"/>
           </p:nvPr>
         </p:nvSpPr>
         <p:spPr/>
         <p:txBody>
-          <a:bodyPr/>
+          <a:bodyPr>
+            <a:normAutofit/>
+          </a:bodyPr>
           <a:lstStyle/>
           <a:p>
-            <a:endParaRPr lang="ru-RU"/>
+            <a:r>
+              <a:rPr lang="ru-RU" dirty="0" smtClean="0"/>
+              <a:t>Оценка готовности учеников к ЕГЭ</a:t>
+            </a:r>
+          </a:p>
+          <a:p>
+            <a:r>
+              <a:rPr lang="ru-RU" dirty="0" smtClean="0"/>
+              <a:t>Репетиция в максимально приближенных к настоящему экзамену условиях</a:t>
+            </a:r>
+          </a:p>
+          <a:p>
+            <a:r>
+              <a:rPr lang="ru-RU" dirty="0" smtClean="0"/>
+              <a:t>Аналитика по результатам уровня класса</a:t>
+            </a:r>
+            <a:r>
+              <a:rPr lang="en-US" dirty="0" smtClean="0"/>
+              <a:t>/</a:t>
+            </a:r>
+            <a:r>
+              <a:rPr lang="ru-RU" dirty="0" smtClean="0"/>
+              <a:t>школы</a:t>
+            </a:r>
+            <a:r>
+              <a:rPr lang="en-US" dirty="0" smtClean="0"/>
+              <a:t>/</a:t>
+            </a:r>
+            <a:r>
+              <a:rPr lang="ru-RU" dirty="0" smtClean="0"/>
+              <a:t>региона</a:t>
+            </a:r>
+            <a:endParaRPr lang="en-US" dirty="0" smtClean="0"/>
+          </a:p>
+          <a:p>
+            <a:endParaRPr lang="en-US" dirty="0" smtClean="0"/>
+          </a:p>
+          <a:p>
+            <a:endParaRPr lang="ru-RU" dirty="0" smtClean="0"/>
+          </a:p>
+          <a:p>
+            <a:pPr lvl="1"/>
+            <a:endParaRPr lang="ru-RU" dirty="0"/>
           </a:p>
         </p:txBody>
       </p:sp>
     </p:spTree>
     <p:extLst>
       <p:ext uri="{BB962C8B-B14F-4D97-AF65-F5344CB8AC3E}">
-        <p14:creationId xmlns:p14="http://schemas.microsoft.com/office/powerpoint/2010/main" val="187153265"/>
+        <p14:creationId xmlns:p14="http://schemas.microsoft.com/office/powerpoint/2010/main" val="3048016764"/>
       </p:ext>
     </p:extLst>
   </p:cSld>
@@ -8281,7 +8117,7 @@
       </p:grpSpPr>
       <p:sp>
         <p:nvSpPr>
-          <p:cNvPr id="4" name="Заголовок 3"/>
+          <p:cNvPr id="2" name="Title 1"/>
           <p:cNvSpPr>
             <a:spLocks noGrp="1"/>
           </p:cNvSpPr>
@@ -8296,15 +8132,15 @@
           <a:p>
             <a:r>
               <a:rPr lang="ru-RU" dirty="0" smtClean="0"/>
-              <a:t>Назначение сервиса</a:t>
-            </a:r>
-            <a:endParaRPr lang="ru-RU" dirty="0"/>
-          </a:p>
-        </p:txBody>
-      </p:sp>
-      <p:sp>
-        <p:nvSpPr>
-          <p:cNvPr id="5" name="Объект 4"/>
+              <a:t>Архитектура сервиса</a:t>
+            </a:r>
+            <a:endParaRPr lang="en-US" dirty="0"/>
+          </a:p>
+        </p:txBody>
+      </p:sp>
+      <p:sp>
+        <p:nvSpPr>
+          <p:cNvPr id="3" name="Content Placeholder 2"/>
           <p:cNvSpPr>
             <a:spLocks noGrp="1"/>
           </p:cNvSpPr>
@@ -8314,62 +8150,69 @@
         </p:nvSpPr>
         <p:spPr/>
         <p:txBody>
-          <a:bodyPr>
-            <a:normAutofit/>
-          </a:bodyPr>
+          <a:bodyPr/>
           <a:lstStyle/>
           <a:p>
             <a:r>
-              <a:rPr lang="ru-RU" dirty="0" smtClean="0"/>
-              <a:t>Оценка готовности учеников к ЕГЭ</a:t>
-            </a:r>
-          </a:p>
-          <a:p>
-            <a:r>
-              <a:rPr lang="ru-RU" dirty="0" smtClean="0"/>
-              <a:t>Репетиция в максимально приближенных к настоящему экзамену условиях</a:t>
+              <a:rPr lang="en-US" dirty="0" err="1" smtClean="0"/>
+              <a:t>RESTful</a:t>
+            </a:r>
+            <a:r>
+              <a:rPr lang="en-US" dirty="0" smtClean="0"/>
+              <a:t> API + HTML5 client</a:t>
+            </a:r>
+          </a:p>
+          <a:p>
+            <a:r>
+              <a:rPr lang="en-US" dirty="0" smtClean="0"/>
+              <a:t>Azure Cache </a:t>
+            </a:r>
+            <a:r>
+              <a:rPr lang="ru-RU" dirty="0" smtClean="0"/>
+              <a:t>для часто требующихся данных</a:t>
+            </a:r>
+          </a:p>
+          <a:p>
+            <a:r>
+              <a:rPr lang="en-US" dirty="0" smtClean="0"/>
+              <a:t>Azure Blob storage </a:t>
+            </a:r>
+            <a:r>
+              <a:rPr lang="ru-RU" dirty="0" smtClean="0"/>
+              <a:t>для хранения изображений и контента</a:t>
+            </a:r>
+          </a:p>
+          <a:p>
+            <a:r>
+              <a:rPr lang="en-US" dirty="0" smtClean="0"/>
+              <a:t>Azure Table storage </a:t>
+            </a:r>
+            <a:r>
+              <a:rPr lang="ru-RU" dirty="0" smtClean="0"/>
+              <a:t>для хранения глобальных данных</a:t>
+            </a:r>
+          </a:p>
+          <a:p>
+            <a:r>
+              <a:rPr lang="en-US" dirty="0" smtClean="0"/>
+              <a:t>SQL Azure </a:t>
+            </a:r>
+            <a:r>
+              <a:rPr lang="ru-RU" dirty="0" smtClean="0"/>
+              <a:t>для хранения данных </a:t>
+            </a:r>
+            <a:r>
+              <a:rPr lang="en-US" dirty="0" smtClean="0"/>
+              <a:t>per tenant</a:t>
             </a:r>
             <a:endParaRPr lang="ru-RU" dirty="0" smtClean="0"/>
-          </a:p>
-          <a:p>
-            <a:r>
-              <a:rPr lang="ru-RU" dirty="0" smtClean="0"/>
-              <a:t>Аналитика по результатам уровня класса</a:t>
-            </a:r>
-            <a:r>
-              <a:rPr lang="en-US" dirty="0" smtClean="0"/>
-              <a:t>/</a:t>
-            </a:r>
-            <a:r>
-              <a:rPr lang="ru-RU" dirty="0" smtClean="0"/>
-              <a:t>школы</a:t>
-            </a:r>
-            <a:r>
-              <a:rPr lang="en-US" dirty="0" smtClean="0"/>
-              <a:t>/</a:t>
-            </a:r>
-            <a:r>
-              <a:rPr lang="ru-RU" dirty="0" smtClean="0"/>
-              <a:t>региона</a:t>
-            </a:r>
-            <a:endParaRPr lang="en-US" dirty="0" smtClean="0"/>
-          </a:p>
-          <a:p>
-            <a:endParaRPr lang="en-US" dirty="0" smtClean="0"/>
-          </a:p>
-          <a:p>
-            <a:endParaRPr lang="ru-RU" dirty="0" smtClean="0"/>
-          </a:p>
-          <a:p>
-            <a:pPr lvl="1"/>
-            <a:endParaRPr lang="ru-RU" dirty="0"/>
           </a:p>
         </p:txBody>
       </p:sp>
     </p:spTree>
     <p:extLst>
       <p:ext uri="{BB962C8B-B14F-4D97-AF65-F5344CB8AC3E}">
-        <p14:creationId xmlns:p14="http://schemas.microsoft.com/office/powerpoint/2010/main" val="3048016764"/>
+        <p14:creationId xmlns:p14="http://schemas.microsoft.com/office/powerpoint/2010/main" val="2499349514"/>
       </p:ext>
     </p:extLst>
   </p:cSld>
@@ -8442,56 +8285,57 @@
           <a:lstStyle/>
           <a:p>
             <a:r>
-              <a:rPr lang="en-US" dirty="0" err="1" smtClean="0"/>
-              <a:t>RESTful</a:t>
-            </a:r>
-            <a:r>
               <a:rPr lang="en-US" dirty="0" smtClean="0"/>
-              <a:t> API + HTML5 client</a:t>
-            </a:r>
+              <a:t>Browser extension </a:t>
+            </a:r>
+            <a:r>
+              <a:rPr lang="ru-RU" dirty="0" smtClean="0"/>
+              <a:t>для сканирования и печати</a:t>
+            </a:r>
+            <a:endParaRPr lang="en-US" dirty="0" smtClean="0"/>
           </a:p>
           <a:p>
             <a:r>
               <a:rPr lang="en-US" dirty="0" smtClean="0"/>
-              <a:t>Azure Cache </a:t>
-            </a:r>
-            <a:r>
-              <a:rPr lang="ru-RU" dirty="0" smtClean="0"/>
-              <a:t>для часто требующихся данных</a:t>
-            </a:r>
-          </a:p>
-          <a:p>
+              <a:t>Azure Queue </a:t>
+            </a:r>
+            <a:r>
+              <a:rPr lang="ru-RU" dirty="0" smtClean="0"/>
+              <a:t>и </a:t>
+            </a:r>
             <a:r>
               <a:rPr lang="en-US" dirty="0" smtClean="0"/>
-              <a:t>Azure Blob storage </a:t>
-            </a:r>
-            <a:r>
-              <a:rPr lang="ru-RU" dirty="0" smtClean="0"/>
-              <a:t>для хранения изображений и контента</a:t>
+              <a:t>Azure Worker Role </a:t>
+            </a:r>
+            <a:r>
+              <a:rPr lang="ru-RU" dirty="0" smtClean="0"/>
+              <a:t>для работы с распознаванием изображений</a:t>
             </a:r>
           </a:p>
           <a:p>
             <a:r>
               <a:rPr lang="en-US" dirty="0" smtClean="0"/>
-              <a:t>Azure Table storage </a:t>
-            </a:r>
-            <a:r>
-              <a:rPr lang="ru-RU" dirty="0" smtClean="0"/>
-              <a:t>для хранения глобальных данных</a:t>
-            </a:r>
-          </a:p>
-          <a:p>
-            <a:r>
-              <a:rPr lang="en-US" dirty="0" smtClean="0"/>
-              <a:t>SQL Azure </a:t>
-            </a:r>
-            <a:r>
-              <a:rPr lang="ru-RU" dirty="0" smtClean="0"/>
-              <a:t>для хранения данных </a:t>
-            </a:r>
-            <a:r>
-              <a:rPr lang="en-US" dirty="0" smtClean="0"/>
-              <a:t>per tenant</a:t>
+              <a:t>ABBYY Cloud OCR SDK </a:t>
+            </a:r>
+            <a:r>
+              <a:rPr lang="ru-RU" dirty="0" smtClean="0"/>
+              <a:t>для распознавания</a:t>
+            </a:r>
+            <a:endParaRPr lang="en-US" dirty="0" smtClean="0"/>
+          </a:p>
+          <a:p>
+            <a:pPr lvl="1"/>
+            <a:r>
+              <a:rPr lang="en-US" dirty="0" smtClean="0">
+                <a:hlinkClick r:id="rId2"/>
+              </a:rPr>
+              <a:t>http</a:t>
+            </a:r>
+            <a:r>
+              <a:rPr lang="en-US" dirty="0">
+                <a:hlinkClick r:id="rId2"/>
+              </a:rPr>
+              <a:t>://ocrsdk.com/</a:t>
             </a:r>
             <a:endParaRPr lang="ru-RU" dirty="0" smtClean="0"/>
           </a:p>
@@ -8500,7 +8344,7 @@
     </p:spTree>
     <p:extLst>
       <p:ext uri="{BB962C8B-B14F-4D97-AF65-F5344CB8AC3E}">
-        <p14:creationId xmlns:p14="http://schemas.microsoft.com/office/powerpoint/2010/main" val="2499349514"/>
+        <p14:creationId xmlns:p14="http://schemas.microsoft.com/office/powerpoint/2010/main" val="3643400134"/>
       </p:ext>
     </p:extLst>
   </p:cSld>
@@ -9241,18 +9085,18 @@
 </file>
 
 <file path=customXml/item1.xml><?xml version="1.0" encoding="utf-8"?>
+<p:properties xmlns:p="http://schemas.microsoft.com/office/2006/metadata/properties" xmlns:xsi="http://www.w3.org/2001/XMLSchema-instance" xmlns:pc="http://schemas.microsoft.com/office/infopath/2007/PartnerControls">
+  <documentManagement/>
+</p:properties>
+</file>
+
+<file path=customXml/item2.xml><?xml version="1.0" encoding="utf-8"?>
 <?mso-contentType ?>
 <FormTemplates xmlns="http://schemas.microsoft.com/sharepoint/v3/contenttype/forms">
   <Display>DocumentLibraryForm</Display>
   <Edit>DocumentLibraryForm</Edit>
   <New>DocumentLibraryForm</New>
 </FormTemplates>
-</file>
-
-<file path=customXml/item2.xml><?xml version="1.0" encoding="utf-8"?>
-<p:properties xmlns:p="http://schemas.microsoft.com/office/2006/metadata/properties" xmlns:xsi="http://www.w3.org/2001/XMLSchema-instance" xmlns:pc="http://schemas.microsoft.com/office/infopath/2007/PartnerControls">
-  <documentManagement/>
-</p:properties>
 </file>
 
 <file path=customXml/item3.xml><?xml version="1.0" encoding="utf-8"?>
@@ -9396,14 +9240,6 @@
 </file>
 
 <file path=customXml/itemProps1.xml><?xml version="1.0" encoding="utf-8"?>
-<ds:datastoreItem xmlns:ds="http://schemas.openxmlformats.org/officeDocument/2006/customXml" ds:itemID="{AE2C73D0-6452-4B74-876E-F854C149D3F2}">
-  <ds:schemaRefs>
-    <ds:schemaRef ds:uri="http://schemas.microsoft.com/sharepoint/v3/contenttype/forms"/>
-  </ds:schemaRefs>
-</ds:datastoreItem>
-</file>
-
-<file path=customXml/itemProps2.xml><?xml version="1.0" encoding="utf-8"?>
 <ds:datastoreItem xmlns:ds="http://schemas.openxmlformats.org/officeDocument/2006/customXml" ds:itemID="{A5A1518E-3F6D-4166-8FC6-37AEE79B374E}">
   <ds:schemaRefs>
     <ds:schemaRef ds:uri="http://schemas.microsoft.com/office/2006/documentManagement/types"/>
@@ -9415,6 +9251,14 @@
     <ds:schemaRef ds:uri="http://schemas.openxmlformats.org/package/2006/metadata/core-properties"/>
     <ds:schemaRef ds:uri="http://www.w3.org/XML/1998/namespace"/>
     <ds:schemaRef ds:uri="http://purl.org/dc/dcmitype/"/>
+  </ds:schemaRefs>
+</ds:datastoreItem>
+</file>
+
+<file path=customXml/itemProps2.xml><?xml version="1.0" encoding="utf-8"?>
+<ds:datastoreItem xmlns:ds="http://schemas.openxmlformats.org/officeDocument/2006/customXml" ds:itemID="{AE2C73D0-6452-4B74-876E-F854C149D3F2}">
+  <ds:schemaRefs>
+    <ds:schemaRef ds:uri="http://schemas.microsoft.com/sharepoint/v3/contenttype/forms"/>
   </ds:schemaRefs>
 </ds:datastoreItem>
 </file>

--- a/Slides/devcon2014_ege.pptx
+++ b/Slides/devcon2014_ege.pptx
@@ -5,10 +5,10 @@
     <p:sldMasterId id="2147483648" r:id="rId4"/>
   </p:sldMasterIdLst>
   <p:notesMasterIdLst>
-    <p:notesMasterId r:id="rId28"/>
+    <p:notesMasterId r:id="rId29"/>
   </p:notesMasterIdLst>
   <p:handoutMasterIdLst>
-    <p:handoutMasterId r:id="rId29"/>
+    <p:handoutMasterId r:id="rId30"/>
   </p:handoutMasterIdLst>
   <p:sldIdLst>
     <p:sldId id="257" r:id="rId5"/>
@@ -18,22 +18,23 @@
     <p:sldId id="280" r:id="rId9"/>
     <p:sldId id="271" r:id="rId10"/>
     <p:sldId id="282" r:id="rId11"/>
-    <p:sldId id="283" r:id="rId12"/>
-    <p:sldId id="284" r:id="rId13"/>
-    <p:sldId id="285" r:id="rId14"/>
-    <p:sldId id="286" r:id="rId15"/>
-    <p:sldId id="287" r:id="rId16"/>
-    <p:sldId id="288" r:id="rId17"/>
-    <p:sldId id="290" r:id="rId18"/>
-    <p:sldId id="275" r:id="rId19"/>
-    <p:sldId id="291" r:id="rId20"/>
-    <p:sldId id="278" r:id="rId21"/>
-    <p:sldId id="292" r:id="rId22"/>
-    <p:sldId id="277" r:id="rId23"/>
-    <p:sldId id="293" r:id="rId24"/>
-    <p:sldId id="276" r:id="rId25"/>
-    <p:sldId id="267" r:id="rId26"/>
-    <p:sldId id="264" r:id="rId27"/>
+    <p:sldId id="294" r:id="rId12"/>
+    <p:sldId id="283" r:id="rId13"/>
+    <p:sldId id="284" r:id="rId14"/>
+    <p:sldId id="285" r:id="rId15"/>
+    <p:sldId id="286" r:id="rId16"/>
+    <p:sldId id="287" r:id="rId17"/>
+    <p:sldId id="288" r:id="rId18"/>
+    <p:sldId id="290" r:id="rId19"/>
+    <p:sldId id="275" r:id="rId20"/>
+    <p:sldId id="291" r:id="rId21"/>
+    <p:sldId id="278" r:id="rId22"/>
+    <p:sldId id="292" r:id="rId23"/>
+    <p:sldId id="277" r:id="rId24"/>
+    <p:sldId id="293" r:id="rId25"/>
+    <p:sldId id="276" r:id="rId26"/>
+    <p:sldId id="267" r:id="rId27"/>
+    <p:sldId id="264" r:id="rId28"/>
   </p:sldIdLst>
   <p:sldSz cx="12192000" cy="6858000"/>
   <p:notesSz cx="6858000" cy="9144000"/>
@@ -225,7 +226,7 @@
           <a:p>
             <a:fld id="{94239FBE-FC08-4336-9B53-CDE8BC5ED33D}" type="datetimeFigureOut">
               <a:rPr lang="ru-RU" smtClean="0"/>
-              <a:t>26.05.2014</a:t>
+              <a:t>27.05.2014</a:t>
             </a:fld>
             <a:endParaRPr lang="ru-RU"/>
           </a:p>
@@ -390,7 +391,7 @@
           <a:p>
             <a:fld id="{135EBF37-D0C5-4B7C-9D35-9D2E20CA27EC}" type="datetimeFigureOut">
               <a:rPr lang="ru-RU" smtClean="0"/>
-              <a:t>26.05.2014</a:t>
+              <a:t>27.05.2014</a:t>
             </a:fld>
             <a:endParaRPr lang="ru-RU"/>
           </a:p>
@@ -1079,7 +1080,7 @@
                   <a:spcPct val="0"/>
                 </a:spcAft>
               </a:pPr>
-              <a:t>5/26/2014 10:58 AM</a:t>
+              <a:t>5/27/2014 4:09 PM</a:t>
             </a:fld>
             <a:endParaRPr lang="en-US"/>
           </a:p>
@@ -1249,7 +1250,7 @@
                   <a:spcPct val="0"/>
                 </a:spcAft>
               </a:pPr>
-              <a:t>23</a:t>
+              <a:t>24</a:t>
             </a:fld>
             <a:endParaRPr lang="en-US"/>
           </a:p>
@@ -5618,12 +5619,12 @@
       </p:grpSpPr>
       <p:sp>
         <p:nvSpPr>
-          <p:cNvPr id="4" name="Title 3"/>
+          <p:cNvPr id="2" name="Title 1"/>
           <p:cNvSpPr>
             <a:spLocks noGrp="1"/>
           </p:cNvSpPr>
           <p:nvPr>
-            <p:ph type="ctrTitle"/>
+            <p:ph type="title"/>
           </p:nvPr>
         </p:nvSpPr>
         <p:spPr/>
@@ -5632,29 +5633,21 @@
           <a:lstStyle/>
           <a:p>
             <a:r>
-              <a:rPr lang="en-US" dirty="0"/>
-              <a:t>2</a:t>
-            </a:r>
-            <a:r>
-              <a:rPr lang="en-US" dirty="0" smtClean="0"/>
-              <a:t>. </a:t>
-            </a:r>
-            <a:r>
-              <a:rPr lang="ru-RU" dirty="0" smtClean="0"/>
-              <a:t>Опыт разработки</a:t>
-            </a:r>
-            <a:endParaRPr lang="ru-RU" dirty="0"/>
-          </a:p>
-        </p:txBody>
-      </p:sp>
-      <p:sp>
-        <p:nvSpPr>
-          <p:cNvPr id="5" name="Subtitle 4"/>
+              <a:rPr lang="ru-RU" dirty="0" smtClean="0"/>
+              <a:t>Архитектура сервиса</a:t>
+            </a:r>
+            <a:endParaRPr lang="en-US" dirty="0"/>
+          </a:p>
+        </p:txBody>
+      </p:sp>
+      <p:sp>
+        <p:nvSpPr>
+          <p:cNvPr id="3" name="Content Placeholder 2"/>
           <p:cNvSpPr>
             <a:spLocks noGrp="1"/>
           </p:cNvSpPr>
           <p:nvPr>
-            <p:ph type="subTitle" idx="1"/>
+            <p:ph idx="1"/>
           </p:nvPr>
         </p:nvSpPr>
         <p:spPr/>
@@ -5662,14 +5655,67 @@
           <a:bodyPr/>
           <a:lstStyle/>
           <a:p>
-            <a:endParaRPr lang="ru-RU"/>
+            <a:r>
+              <a:rPr lang="en-US" dirty="0" smtClean="0"/>
+              <a:t>Browser extension </a:t>
+            </a:r>
+            <a:r>
+              <a:rPr lang="ru-RU" dirty="0" smtClean="0"/>
+              <a:t>для сканирования и печати</a:t>
+            </a:r>
+            <a:endParaRPr lang="en-US" dirty="0" smtClean="0"/>
+          </a:p>
+          <a:p>
+            <a:r>
+              <a:rPr lang="en-US" dirty="0" smtClean="0"/>
+              <a:t>Azure Queue </a:t>
+            </a:r>
+            <a:r>
+              <a:rPr lang="ru-RU" dirty="0" smtClean="0"/>
+              <a:t>и </a:t>
+            </a:r>
+            <a:r>
+              <a:rPr lang="en-US" dirty="0" smtClean="0"/>
+              <a:t>Azure Worker Role </a:t>
+            </a:r>
+            <a:r>
+              <a:rPr lang="ru-RU" dirty="0" smtClean="0"/>
+              <a:t>для работы с распознаванием изображений</a:t>
+            </a:r>
+          </a:p>
+          <a:p>
+            <a:r>
+              <a:rPr lang="en-US" dirty="0" smtClean="0"/>
+              <a:t>ABBYY Cloud OCR SDK </a:t>
+            </a:r>
+            <a:r>
+              <a:rPr lang="ru-RU" dirty="0" smtClean="0"/>
+              <a:t>для распознавания</a:t>
+            </a:r>
+            <a:endParaRPr lang="en-US" dirty="0" smtClean="0"/>
+          </a:p>
+          <a:p>
+            <a:pPr lvl="1"/>
+            <a:r>
+              <a:rPr lang="en-US" dirty="0" smtClean="0">
+                <a:hlinkClick r:id="rId2"/>
+              </a:rPr>
+              <a:t>http</a:t>
+            </a:r>
+            <a:r>
+              <a:rPr lang="en-US" dirty="0">
+                <a:hlinkClick r:id="rId2"/>
+              </a:rPr>
+              <a:t>://ocrsdk.com/</a:t>
+            </a:r>
+            <a:endParaRPr lang="ru-RU" dirty="0" smtClean="0"/>
           </a:p>
         </p:txBody>
       </p:sp>
     </p:spTree>
     <p:extLst>
       <p:ext uri="{BB962C8B-B14F-4D97-AF65-F5344CB8AC3E}">
-        <p14:creationId xmlns:p14="http://schemas.microsoft.com/office/powerpoint/2010/main" val="2708893099"/>
+        <p14:creationId xmlns:p14="http://schemas.microsoft.com/office/powerpoint/2010/main" val="3643400134"/>
       </p:ext>
     </p:extLst>
   </p:cSld>
@@ -5705,12 +5751,12 @@
       </p:grpSpPr>
       <p:sp>
         <p:nvSpPr>
-          <p:cNvPr id="2" name="Title 1"/>
+          <p:cNvPr id="4" name="Title 3"/>
           <p:cNvSpPr>
             <a:spLocks noGrp="1"/>
           </p:cNvSpPr>
           <p:nvPr>
-            <p:ph type="title"/>
+            <p:ph type="ctrTitle"/>
           </p:nvPr>
         </p:nvSpPr>
         <p:spPr/>
@@ -5719,21 +5765,29 @@
           <a:lstStyle/>
           <a:p>
             <a:r>
-              <a:rPr lang="ru-RU" dirty="0" smtClean="0"/>
-              <a:t>Данные</a:t>
-            </a:r>
-            <a:endParaRPr lang="en-US" dirty="0"/>
-          </a:p>
-        </p:txBody>
-      </p:sp>
-      <p:sp>
-        <p:nvSpPr>
-          <p:cNvPr id="3" name="Content Placeholder 2"/>
+              <a:rPr lang="en-US" dirty="0"/>
+              <a:t>2</a:t>
+            </a:r>
+            <a:r>
+              <a:rPr lang="en-US" dirty="0" smtClean="0"/>
+              <a:t>. </a:t>
+            </a:r>
+            <a:r>
+              <a:rPr lang="ru-RU" dirty="0" smtClean="0"/>
+              <a:t>Опыт разработки</a:t>
+            </a:r>
+            <a:endParaRPr lang="ru-RU" dirty="0"/>
+          </a:p>
+        </p:txBody>
+      </p:sp>
+      <p:sp>
+        <p:nvSpPr>
+          <p:cNvPr id="5" name="Subtitle 4"/>
           <p:cNvSpPr>
             <a:spLocks noGrp="1"/>
           </p:cNvSpPr>
           <p:nvPr>
-            <p:ph idx="1"/>
+            <p:ph type="subTitle" idx="1"/>
           </p:nvPr>
         </p:nvSpPr>
         <p:spPr/>
@@ -5741,72 +5795,14 @@
           <a:bodyPr/>
           <a:lstStyle/>
           <a:p>
-            <a:r>
-              <a:rPr lang="ru-RU" dirty="0" smtClean="0"/>
-              <a:t>Мультитенантность</a:t>
-            </a:r>
-          </a:p>
-          <a:p>
-            <a:pPr lvl="1"/>
-            <a:r>
-              <a:rPr lang="ru-RU" dirty="0" smtClean="0"/>
-              <a:t>С</a:t>
-            </a:r>
-            <a:r>
-              <a:rPr lang="en-US" dirty="0" err="1" smtClean="0"/>
-              <a:t>onnection</a:t>
-            </a:r>
-            <a:r>
-              <a:rPr lang="en-US" dirty="0" smtClean="0"/>
-              <a:t> string per tenant</a:t>
-            </a:r>
-            <a:r>
-              <a:rPr lang="ru-RU" dirty="0" smtClean="0"/>
-              <a:t/>
-            </a:r>
-            <a:br>
-              <a:rPr lang="ru-RU" dirty="0" smtClean="0"/>
-            </a:br>
-            <a:r>
-              <a:rPr lang="ru-RU" dirty="0" smtClean="0"/>
-              <a:t>Глобально доступные данные</a:t>
-            </a:r>
-            <a:r>
-              <a:rPr lang="en-US" dirty="0"/>
-              <a:t> </a:t>
-            </a:r>
-            <a:r>
-              <a:rPr lang="ru-RU" dirty="0" smtClean="0"/>
-              <a:t>в </a:t>
-            </a:r>
-            <a:r>
-              <a:rPr lang="en-US" dirty="0" smtClean="0"/>
-              <a:t>Azure Table Storage</a:t>
-            </a:r>
-          </a:p>
-          <a:p>
-            <a:r>
-              <a:rPr lang="en-US" dirty="0" smtClean="0"/>
-              <a:t>Azure Blob storage </a:t>
-            </a:r>
-            <a:r>
-              <a:rPr lang="ru-RU" dirty="0" smtClean="0"/>
-              <a:t>для хранения файлов</a:t>
-            </a:r>
-          </a:p>
-          <a:p>
-            <a:pPr lvl="1"/>
-            <a:r>
-              <a:rPr lang="ru-RU" dirty="0" smtClean="0"/>
-              <a:t>Один контейнер или много контейнеров?</a:t>
-            </a:r>
+            <a:endParaRPr lang="ru-RU"/>
           </a:p>
         </p:txBody>
       </p:sp>
     </p:spTree>
     <p:extLst>
       <p:ext uri="{BB962C8B-B14F-4D97-AF65-F5344CB8AC3E}">
-        <p14:creationId xmlns:p14="http://schemas.microsoft.com/office/powerpoint/2010/main" val="3309134068"/>
+        <p14:creationId xmlns:p14="http://schemas.microsoft.com/office/powerpoint/2010/main" val="2708893099"/>
       </p:ext>
     </p:extLst>
   </p:cSld>
@@ -5856,6 +5852,143 @@
           <a:lstStyle/>
           <a:p>
             <a:r>
+              <a:rPr lang="ru-RU" dirty="0" smtClean="0"/>
+              <a:t>Данные</a:t>
+            </a:r>
+            <a:endParaRPr lang="en-US" dirty="0"/>
+          </a:p>
+        </p:txBody>
+      </p:sp>
+      <p:sp>
+        <p:nvSpPr>
+          <p:cNvPr id="3" name="Content Placeholder 2"/>
+          <p:cNvSpPr>
+            <a:spLocks noGrp="1"/>
+          </p:cNvSpPr>
+          <p:nvPr>
+            <p:ph idx="1"/>
+          </p:nvPr>
+        </p:nvSpPr>
+        <p:spPr/>
+        <p:txBody>
+          <a:bodyPr/>
+          <a:lstStyle/>
+          <a:p>
+            <a:r>
+              <a:rPr lang="ru-RU" dirty="0" smtClean="0"/>
+              <a:t>Мультитенантность</a:t>
+            </a:r>
+          </a:p>
+          <a:p>
+            <a:pPr lvl="1"/>
+            <a:r>
+              <a:rPr lang="ru-RU" dirty="0" smtClean="0"/>
+              <a:t>С</a:t>
+            </a:r>
+            <a:r>
+              <a:rPr lang="en-US" dirty="0" err="1" smtClean="0"/>
+              <a:t>onnection</a:t>
+            </a:r>
+            <a:r>
+              <a:rPr lang="en-US" dirty="0" smtClean="0"/>
+              <a:t> string per tenant</a:t>
+            </a:r>
+            <a:r>
+              <a:rPr lang="ru-RU" dirty="0" smtClean="0"/>
+              <a:t/>
+            </a:r>
+            <a:br>
+              <a:rPr lang="ru-RU" dirty="0" smtClean="0"/>
+            </a:br>
+            <a:r>
+              <a:rPr lang="ru-RU" dirty="0" smtClean="0"/>
+              <a:t>Глобально доступные данные</a:t>
+            </a:r>
+            <a:r>
+              <a:rPr lang="en-US" dirty="0"/>
+              <a:t> </a:t>
+            </a:r>
+            <a:r>
+              <a:rPr lang="ru-RU" dirty="0" smtClean="0"/>
+              <a:t>в </a:t>
+            </a:r>
+            <a:r>
+              <a:rPr lang="en-US" dirty="0" smtClean="0"/>
+              <a:t>Azure Table Storage</a:t>
+            </a:r>
+          </a:p>
+          <a:p>
+            <a:r>
+              <a:rPr lang="en-US" dirty="0" smtClean="0"/>
+              <a:t>Azure Blob storage </a:t>
+            </a:r>
+            <a:r>
+              <a:rPr lang="ru-RU" dirty="0" smtClean="0"/>
+              <a:t>для хранения файлов</a:t>
+            </a:r>
+          </a:p>
+          <a:p>
+            <a:pPr lvl="1"/>
+            <a:r>
+              <a:rPr lang="ru-RU" dirty="0" smtClean="0"/>
+              <a:t>Один контейнер или много контейнеров?</a:t>
+            </a:r>
+          </a:p>
+        </p:txBody>
+      </p:sp>
+    </p:spTree>
+    <p:extLst>
+      <p:ext uri="{BB962C8B-B14F-4D97-AF65-F5344CB8AC3E}">
+        <p14:creationId xmlns:p14="http://schemas.microsoft.com/office/powerpoint/2010/main" val="3309134068"/>
+      </p:ext>
+    </p:extLst>
+  </p:cSld>
+  <p:clrMapOvr>
+    <a:masterClrMapping/>
+  </p:clrMapOvr>
+  <p:timing>
+    <p:tnLst>
+      <p:par>
+        <p:cTn id="1" dur="indefinite" restart="never" nodeType="tmRoot"/>
+      </p:par>
+    </p:tnLst>
+  </p:timing>
+</p:sld>
+</file>
+
+<file path=ppt/slides/slide13.xml><?xml version="1.0" encoding="utf-8"?>
+<p:sld xmlns:a="http://schemas.openxmlformats.org/drawingml/2006/main" xmlns:r="http://schemas.openxmlformats.org/officeDocument/2006/relationships" xmlns:p="http://schemas.openxmlformats.org/presentationml/2006/main">
+  <p:cSld>
+    <p:spTree>
+      <p:nvGrpSpPr>
+        <p:cNvPr id="1" name=""/>
+        <p:cNvGrpSpPr/>
+        <p:nvPr/>
+      </p:nvGrpSpPr>
+      <p:grpSpPr>
+        <a:xfrm>
+          <a:off x="0" y="0"/>
+          <a:ext cx="0" cy="0"/>
+          <a:chOff x="0" y="0"/>
+          <a:chExt cx="0" cy="0"/>
+        </a:xfrm>
+      </p:grpSpPr>
+      <p:sp>
+        <p:nvSpPr>
+          <p:cNvPr id="2" name="Title 1"/>
+          <p:cNvSpPr>
+            <a:spLocks noGrp="1"/>
+          </p:cNvSpPr>
+          <p:nvPr>
+            <p:ph type="title"/>
+          </p:nvPr>
+        </p:nvSpPr>
+        <p:spPr/>
+        <p:txBody>
+          <a:bodyPr/>
+          <a:lstStyle/>
+          <a:p>
+            <a:r>
               <a:rPr lang="en-US" dirty="0" smtClean="0"/>
               <a:t>Backend</a:t>
             </a:r>
@@ -5994,7 +6127,7 @@
 </p:sld>
 </file>
 
-<file path=ppt/slides/slide13.xml><?xml version="1.0" encoding="utf-8"?>
+<file path=ppt/slides/slide14.xml><?xml version="1.0" encoding="utf-8"?>
 <p:sld xmlns:a="http://schemas.openxmlformats.org/drawingml/2006/main" xmlns:r="http://schemas.openxmlformats.org/officeDocument/2006/relationships" xmlns:p="http://schemas.openxmlformats.org/presentationml/2006/main">
   <p:cSld>
     <p:spTree>
@@ -6094,7 +6227,7 @@
 </p:sld>
 </file>
 
-<file path=ppt/slides/slide14.xml><?xml version="1.0" encoding="utf-8"?>
+<file path=ppt/slides/slide15.xml><?xml version="1.0" encoding="utf-8"?>
 <p:sld xmlns:a="http://schemas.openxmlformats.org/drawingml/2006/main" xmlns:r="http://schemas.openxmlformats.org/officeDocument/2006/relationships" xmlns:p="http://schemas.openxmlformats.org/presentationml/2006/main">
   <p:cSld>
     <p:spTree>
@@ -6231,7 +6364,7 @@
 </p:sld>
 </file>
 
-<file path=ppt/slides/slide15.xml><?xml version="1.0" encoding="utf-8"?>
+<file path=ppt/slides/slide16.xml><?xml version="1.0" encoding="utf-8"?>
 <p:sld xmlns:a="http://schemas.openxmlformats.org/drawingml/2006/main" xmlns:r="http://schemas.openxmlformats.org/officeDocument/2006/relationships" xmlns:p="http://schemas.openxmlformats.org/presentationml/2006/main">
   <p:cSld>
     <p:spTree>
@@ -6330,7 +6463,7 @@
 </p:sld>
 </file>
 
-<file path=ppt/slides/slide16.xml><?xml version="1.0" encoding="utf-8"?>
+<file path=ppt/slides/slide17.xml><?xml version="1.0" encoding="utf-8"?>
 <p:sld xmlns:a="http://schemas.openxmlformats.org/drawingml/2006/main" xmlns:r="http://schemas.openxmlformats.org/officeDocument/2006/relationships" xmlns:p="http://schemas.openxmlformats.org/presentationml/2006/main">
   <p:cSld>
     <p:spTree>
@@ -6500,7 +6633,7 @@
 </p:sld>
 </file>
 
-<file path=ppt/slides/slide17.xml><?xml version="1.0" encoding="utf-8"?>
+<file path=ppt/slides/slide18.xml><?xml version="1.0" encoding="utf-8"?>
 <p:sld xmlns:a="http://schemas.openxmlformats.org/drawingml/2006/main" xmlns:r="http://schemas.openxmlformats.org/officeDocument/2006/relationships" xmlns:p="http://schemas.openxmlformats.org/presentationml/2006/main">
   <p:cSld>
     <p:spTree>
@@ -6598,7 +6731,7 @@
 </p:sld>
 </file>
 
-<file path=ppt/slides/slide18.xml><?xml version="1.0" encoding="utf-8"?>
+<file path=ppt/slides/slide19.xml><?xml version="1.0" encoding="utf-8"?>
 <p:sld xmlns:a="http://schemas.openxmlformats.org/drawingml/2006/main" xmlns:r="http://schemas.openxmlformats.org/officeDocument/2006/relationships" xmlns:p="http://schemas.openxmlformats.org/presentationml/2006/main">
   <p:cSld>
     <p:spTree>
@@ -6718,7 +6851,121 @@
 </p:sld>
 </file>
 
-<file path=ppt/slides/slide19.xml><?xml version="1.0" encoding="utf-8"?>
+<file path=ppt/slides/slide2.xml><?xml version="1.0" encoding="utf-8"?>
+<p:sld xmlns:a="http://schemas.openxmlformats.org/drawingml/2006/main" xmlns:r="http://schemas.openxmlformats.org/officeDocument/2006/relationships" xmlns:p="http://schemas.openxmlformats.org/presentationml/2006/main">
+  <p:cSld>
+    <p:spTree>
+      <p:nvGrpSpPr>
+        <p:cNvPr id="1" name=""/>
+        <p:cNvGrpSpPr/>
+        <p:nvPr/>
+      </p:nvGrpSpPr>
+      <p:grpSpPr>
+        <a:xfrm>
+          <a:off x="0" y="0"/>
+          <a:ext cx="0" cy="0"/>
+          <a:chOff x="0" y="0"/>
+          <a:chExt cx="0" cy="0"/>
+        </a:xfrm>
+      </p:grpSpPr>
+      <p:sp>
+        <p:nvSpPr>
+          <p:cNvPr id="2" name="Title 1"/>
+          <p:cNvSpPr>
+            <a:spLocks noGrp="1"/>
+          </p:cNvSpPr>
+          <p:nvPr>
+            <p:ph type="ctrTitle"/>
+          </p:nvPr>
+        </p:nvSpPr>
+        <p:spPr/>
+        <p:txBody>
+          <a:bodyPr>
+            <a:normAutofit fontScale="90000"/>
+          </a:bodyPr>
+          <a:lstStyle/>
+          <a:p>
+            <a:r>
+              <a:rPr lang="ru-RU" dirty="0"/>
+              <a:t>Опыт разработки сервиса мониторинга подготовки к ЕГЭ </a:t>
+            </a:r>
+            <a:r>
+              <a:rPr lang="ru-RU" dirty="0" smtClean="0"/>
+              <a:t>на платформе </a:t>
+            </a:r>
+            <a:r>
+              <a:rPr lang="ru-RU" dirty="0"/>
+              <a:t>Microsoft </a:t>
+            </a:r>
+            <a:r>
+              <a:rPr lang="ru-RU" dirty="0" smtClean="0"/>
+              <a:t>Azure</a:t>
+            </a:r>
+            <a:endParaRPr lang="en-US" dirty="0"/>
+          </a:p>
+        </p:txBody>
+      </p:sp>
+      <p:sp>
+        <p:nvSpPr>
+          <p:cNvPr id="3" name="Text Placeholder 2"/>
+          <p:cNvSpPr>
+            <a:spLocks noGrp="1"/>
+          </p:cNvSpPr>
+          <p:nvPr>
+            <p:ph type="body" sz="quarter" idx="11"/>
+          </p:nvPr>
+        </p:nvSpPr>
+        <p:spPr/>
+        <p:txBody>
+          <a:bodyPr>
+            <a:normAutofit fontScale="85000" lnSpcReduction="10000"/>
+          </a:bodyPr>
+          <a:lstStyle/>
+          <a:p>
+            <a:pPr lvl="0"/>
+            <a:r>
+              <a:rPr lang="ru-RU" dirty="0" smtClean="0"/>
+              <a:t>Евгений Агафонов</a:t>
+            </a:r>
+            <a:r>
+              <a:rPr lang="en-US" dirty="0" smtClean="0"/>
+              <a:t> </a:t>
+            </a:r>
+            <a:r>
+              <a:rPr lang="en-US" sz="2400" dirty="0" smtClean="0"/>
+              <a:t>{</a:t>
+            </a:r>
+            <a:r>
+              <a:rPr lang="en-US" sz="2400" dirty="0"/>
+              <a:t>ABBYY, Head of Education Products Development Group}</a:t>
+            </a:r>
+          </a:p>
+          <a:p>
+            <a:endParaRPr lang="en-US" dirty="0"/>
+          </a:p>
+        </p:txBody>
+      </p:sp>
+    </p:spTree>
+    <p:extLst>
+      <p:ext uri="{BB962C8B-B14F-4D97-AF65-F5344CB8AC3E}">
+        <p14:creationId xmlns:p14="http://schemas.microsoft.com/office/powerpoint/2010/main" val="2899047879"/>
+      </p:ext>
+    </p:extLst>
+  </p:cSld>
+  <p:clrMapOvr>
+    <a:masterClrMapping/>
+  </p:clrMapOvr>
+  <p:timing>
+    <p:tnLst>
+      <p:par>
+        <p:cTn id="1" dur="indefinite" restart="never" nodeType="tmRoot"/>
+      </p:par>
+    </p:tnLst>
+  </p:timing>
+</p:sld>
+</file>
+
+<file path=ppt/slides/slide20.xml><?xml version="1.0" encoding="utf-8"?>
 <p:sld xmlns:a="http://schemas.openxmlformats.org/drawingml/2006/main" xmlns:r="http://schemas.openxmlformats.org/officeDocument/2006/relationships" xmlns:p="http://schemas.openxmlformats.org/presentationml/2006/main">
   <p:cSld>
     <p:spTree>
@@ -6810,121 +7057,7 @@
 </p:sld>
 </file>
 
-<file path=ppt/slides/slide2.xml><?xml version="1.0" encoding="utf-8"?>
-<p:sld xmlns:a="http://schemas.openxmlformats.org/drawingml/2006/main" xmlns:r="http://schemas.openxmlformats.org/officeDocument/2006/relationships" xmlns:p="http://schemas.openxmlformats.org/presentationml/2006/main">
-  <p:cSld>
-    <p:spTree>
-      <p:nvGrpSpPr>
-        <p:cNvPr id="1" name=""/>
-        <p:cNvGrpSpPr/>
-        <p:nvPr/>
-      </p:nvGrpSpPr>
-      <p:grpSpPr>
-        <a:xfrm>
-          <a:off x="0" y="0"/>
-          <a:ext cx="0" cy="0"/>
-          <a:chOff x="0" y="0"/>
-          <a:chExt cx="0" cy="0"/>
-        </a:xfrm>
-      </p:grpSpPr>
-      <p:sp>
-        <p:nvSpPr>
-          <p:cNvPr id="2" name="Title 1"/>
-          <p:cNvSpPr>
-            <a:spLocks noGrp="1"/>
-          </p:cNvSpPr>
-          <p:nvPr>
-            <p:ph type="ctrTitle"/>
-          </p:nvPr>
-        </p:nvSpPr>
-        <p:spPr/>
-        <p:txBody>
-          <a:bodyPr>
-            <a:normAutofit fontScale="90000"/>
-          </a:bodyPr>
-          <a:lstStyle/>
-          <a:p>
-            <a:r>
-              <a:rPr lang="ru-RU" dirty="0"/>
-              <a:t>Опыт разработки сервиса мониторинга подготовки к ЕГЭ </a:t>
-            </a:r>
-            <a:r>
-              <a:rPr lang="ru-RU" dirty="0" smtClean="0"/>
-              <a:t>на платформе </a:t>
-            </a:r>
-            <a:r>
-              <a:rPr lang="ru-RU" dirty="0"/>
-              <a:t>Microsoft </a:t>
-            </a:r>
-            <a:r>
-              <a:rPr lang="ru-RU" dirty="0" smtClean="0"/>
-              <a:t>Azure</a:t>
-            </a:r>
-            <a:endParaRPr lang="en-US" dirty="0"/>
-          </a:p>
-        </p:txBody>
-      </p:sp>
-      <p:sp>
-        <p:nvSpPr>
-          <p:cNvPr id="3" name="Text Placeholder 2"/>
-          <p:cNvSpPr>
-            <a:spLocks noGrp="1"/>
-          </p:cNvSpPr>
-          <p:nvPr>
-            <p:ph type="body" sz="quarter" idx="11"/>
-          </p:nvPr>
-        </p:nvSpPr>
-        <p:spPr/>
-        <p:txBody>
-          <a:bodyPr>
-            <a:normAutofit fontScale="85000" lnSpcReduction="10000"/>
-          </a:bodyPr>
-          <a:lstStyle/>
-          <a:p>
-            <a:pPr lvl="0"/>
-            <a:r>
-              <a:rPr lang="ru-RU" dirty="0" smtClean="0"/>
-              <a:t>Евгений Агафонов</a:t>
-            </a:r>
-            <a:r>
-              <a:rPr lang="en-US" dirty="0" smtClean="0"/>
-              <a:t> </a:t>
-            </a:r>
-            <a:r>
-              <a:rPr lang="en-US" sz="2400" dirty="0" smtClean="0"/>
-              <a:t>{</a:t>
-            </a:r>
-            <a:r>
-              <a:rPr lang="en-US" sz="2400" dirty="0"/>
-              <a:t>ABBYY, Head of Education Products Development Group}</a:t>
-            </a:r>
-          </a:p>
-          <a:p>
-            <a:endParaRPr lang="en-US" dirty="0"/>
-          </a:p>
-        </p:txBody>
-      </p:sp>
-    </p:spTree>
-    <p:extLst>
-      <p:ext uri="{BB962C8B-B14F-4D97-AF65-F5344CB8AC3E}">
-        <p14:creationId xmlns:p14="http://schemas.microsoft.com/office/powerpoint/2010/main" val="2899047879"/>
-      </p:ext>
-    </p:extLst>
-  </p:cSld>
-  <p:clrMapOvr>
-    <a:masterClrMapping/>
-  </p:clrMapOvr>
-  <p:timing>
-    <p:tnLst>
-      <p:par>
-        <p:cTn id="1" dur="indefinite" restart="never" nodeType="tmRoot"/>
-      </p:par>
-    </p:tnLst>
-  </p:timing>
-</p:sld>
-</file>
-
-<file path=ppt/slides/slide20.xml><?xml version="1.0" encoding="utf-8"?>
+<file path=ppt/slides/slide21.xml><?xml version="1.0" encoding="utf-8"?>
 <p:sld xmlns:a="http://schemas.openxmlformats.org/drawingml/2006/main" xmlns:r="http://schemas.openxmlformats.org/officeDocument/2006/relationships" xmlns:p="http://schemas.openxmlformats.org/presentationml/2006/main">
   <p:cSld>
     <p:spTree>
@@ -7144,7 +7277,7 @@
 </p:sld>
 </file>
 
-<file path=ppt/slides/slide21.xml><?xml version="1.0" encoding="utf-8"?>
+<file path=ppt/slides/slide22.xml><?xml version="1.0" encoding="utf-8"?>
 <p:sld xmlns:a="http://schemas.openxmlformats.org/drawingml/2006/main" xmlns:r="http://schemas.openxmlformats.org/officeDocument/2006/relationships" xmlns:p="http://schemas.openxmlformats.org/presentationml/2006/main">
   <p:cSld>
     <p:spTree>
@@ -7239,7 +7372,7 @@
 </p:sld>
 </file>
 
-<file path=ppt/slides/slide22.xml><?xml version="1.0" encoding="utf-8"?>
+<file path=ppt/slides/slide23.xml><?xml version="1.0" encoding="utf-8"?>
 <p:sld xmlns:a="http://schemas.openxmlformats.org/drawingml/2006/main" xmlns:r="http://schemas.openxmlformats.org/officeDocument/2006/relationships" xmlns:p="http://schemas.openxmlformats.org/presentationml/2006/main">
   <p:cSld>
     <p:spTree>
@@ -7401,7 +7534,7 @@
 </p:sld>
 </file>
 
-<file path=ppt/slides/slide23.xml><?xml version="1.0" encoding="utf-8"?>
+<file path=ppt/slides/slide24.xml><?xml version="1.0" encoding="utf-8"?>
 <p:sld xmlns:a="http://schemas.openxmlformats.org/drawingml/2006/main" xmlns:r="http://schemas.openxmlformats.org/officeDocument/2006/relationships" xmlns:p="http://schemas.openxmlformats.org/presentationml/2006/main">
   <p:cSld>
     <p:spTree>
@@ -8132,9 +8265,9 @@
           <a:p>
             <a:r>
               <a:rPr lang="ru-RU" dirty="0" smtClean="0"/>
-              <a:t>Архитектура сервиса</a:t>
-            </a:r>
-            <a:endParaRPr lang="en-US" dirty="0"/>
+              <a:t>Как работает сервис</a:t>
+            </a:r>
+            <a:endParaRPr lang="en-GB" dirty="0"/>
           </a:p>
         </p:txBody>
       </p:sp>
@@ -8150,69 +8283,90 @@
         </p:nvSpPr>
         <p:spPr/>
         <p:txBody>
-          <a:bodyPr/>
+          <a:bodyPr>
+            <a:normAutofit/>
+          </a:bodyPr>
           <a:lstStyle/>
           <a:p>
-            <a:r>
-              <a:rPr lang="en-US" dirty="0" err="1" smtClean="0"/>
-              <a:t>RESTful</a:t>
-            </a:r>
-            <a:r>
-              <a:rPr lang="en-US" dirty="0" smtClean="0"/>
-              <a:t> API + HTML5 client</a:t>
-            </a:r>
-          </a:p>
-          <a:p>
-            <a:r>
-              <a:rPr lang="en-US" dirty="0" smtClean="0"/>
-              <a:t>Azure Cache </a:t>
-            </a:r>
-            <a:r>
-              <a:rPr lang="ru-RU" dirty="0" smtClean="0"/>
-              <a:t>для часто требующихся данных</a:t>
-            </a:r>
-          </a:p>
-          <a:p>
-            <a:r>
-              <a:rPr lang="en-US" dirty="0" smtClean="0"/>
-              <a:t>Azure Blob storage </a:t>
-            </a:r>
-            <a:r>
-              <a:rPr lang="ru-RU" dirty="0" smtClean="0"/>
-              <a:t>для хранения изображений и контента</a:t>
-            </a:r>
-          </a:p>
-          <a:p>
-            <a:r>
-              <a:rPr lang="en-US" dirty="0" smtClean="0"/>
-              <a:t>Azure Table storage </a:t>
-            </a:r>
-            <a:r>
-              <a:rPr lang="ru-RU" dirty="0" smtClean="0"/>
-              <a:t>для хранения глобальных данных</a:t>
-            </a:r>
-          </a:p>
-          <a:p>
-            <a:r>
-              <a:rPr lang="en-US" dirty="0" smtClean="0"/>
-              <a:t>SQL Azure </a:t>
-            </a:r>
-            <a:r>
-              <a:rPr lang="ru-RU" dirty="0" smtClean="0"/>
-              <a:t>для хранения данных </a:t>
-            </a:r>
-            <a:r>
-              <a:rPr lang="en-US" dirty="0" smtClean="0"/>
-              <a:t>per tenant</a:t>
-            </a:r>
+            <a:endParaRPr lang="ru-RU" dirty="0"/>
+          </a:p>
+          <a:p>
             <a:endParaRPr lang="ru-RU" dirty="0" smtClean="0"/>
           </a:p>
-        </p:txBody>
-      </p:sp>
+          <a:p>
+            <a:endParaRPr lang="ru-RU" dirty="0"/>
+          </a:p>
+          <a:p>
+            <a:pPr lvl="1"/>
+            <a:r>
+              <a:rPr lang="ru-RU" dirty="0"/>
+              <a:t/>
+            </a:r>
+            <a:br>
+              <a:rPr lang="ru-RU" dirty="0"/>
+            </a:br>
+            <a:endParaRPr lang="en-GB" dirty="0"/>
+          </a:p>
+        </p:txBody>
+      </p:sp>
+      <p:pic>
+        <p:nvPicPr>
+          <p:cNvPr id="4" name="Picture 2"/>
+          <p:cNvPicPr>
+            <a:picLocks noChangeAspect="1" noChangeArrowheads="1"/>
+          </p:cNvPicPr>
+          <p:nvPr/>
+        </p:nvPicPr>
+        <p:blipFill>
+          <a:blip r:embed="rId2">
+            <a:extLst>
+              <a:ext uri="{28A0092B-C50C-407E-A947-70E740481C1C}">
+                <a14:useLocalDpi xmlns:a14="http://schemas.microsoft.com/office/drawing/2010/main" val="0"/>
+              </a:ext>
+            </a:extLst>
+          </a:blip>
+          <a:srcRect/>
+          <a:stretch>
+            <a:fillRect/>
+          </a:stretch>
+        </p:blipFill>
+        <p:spPr bwMode="auto">
+          <a:xfrm>
+            <a:off x="1101059" y="1449000"/>
+            <a:ext cx="10472189" cy="2520000"/>
+          </a:xfrm>
+          <a:prstGeom prst="rect">
+            <a:avLst/>
+          </a:prstGeom>
+          <a:noFill/>
+          <a:ln>
+            <a:noFill/>
+          </a:ln>
+          <a:extLst>
+            <a:ext uri="{909E8E84-426E-40DD-AFC4-6F175D3DCCD1}">
+              <a14:hiddenFill xmlns:a14="http://schemas.microsoft.com/office/drawing/2010/main">
+                <a:solidFill>
+                  <a:schemeClr val="accent1"/>
+                </a:solidFill>
+              </a14:hiddenFill>
+            </a:ext>
+            <a:ext uri="{91240B29-F687-4F45-9708-019B960494DF}">
+              <a14:hiddenLine xmlns:a14="http://schemas.microsoft.com/office/drawing/2010/main" w="9525">
+                <a:solidFill>
+                  <a:schemeClr val="tx1"/>
+                </a:solidFill>
+                <a:miter lim="800000"/>
+                <a:headEnd/>
+                <a:tailEnd/>
+              </a14:hiddenLine>
+            </a:ext>
+          </a:extLst>
+        </p:spPr>
+      </p:pic>
     </p:spTree>
     <p:extLst>
       <p:ext uri="{BB962C8B-B14F-4D97-AF65-F5344CB8AC3E}">
-        <p14:creationId xmlns:p14="http://schemas.microsoft.com/office/powerpoint/2010/main" val="2499349514"/>
+        <p14:creationId xmlns:p14="http://schemas.microsoft.com/office/powerpoint/2010/main" val="2720004118"/>
       </p:ext>
     </p:extLst>
   </p:cSld>
@@ -8285,57 +8439,56 @@
           <a:lstStyle/>
           <a:p>
             <a:r>
+              <a:rPr lang="en-US" dirty="0" err="1" smtClean="0"/>
+              <a:t>RESTful</a:t>
+            </a:r>
+            <a:r>
               <a:rPr lang="en-US" dirty="0" smtClean="0"/>
-              <a:t>Browser extension </a:t>
-            </a:r>
-            <a:r>
-              <a:rPr lang="ru-RU" dirty="0" smtClean="0"/>
-              <a:t>для сканирования и печати</a:t>
-            </a:r>
-            <a:endParaRPr lang="en-US" dirty="0" smtClean="0"/>
+              <a:t> API + HTML5 client</a:t>
+            </a:r>
           </a:p>
           <a:p>
             <a:r>
               <a:rPr lang="en-US" dirty="0" smtClean="0"/>
-              <a:t>Azure Queue </a:t>
-            </a:r>
-            <a:r>
-              <a:rPr lang="ru-RU" dirty="0" smtClean="0"/>
-              <a:t>и </a:t>
-            </a:r>
+              <a:t>Azure Cache </a:t>
+            </a:r>
+            <a:r>
+              <a:rPr lang="ru-RU" dirty="0" smtClean="0"/>
+              <a:t>для часто требующихся данных</a:t>
+            </a:r>
+          </a:p>
+          <a:p>
             <a:r>
               <a:rPr lang="en-US" dirty="0" smtClean="0"/>
-              <a:t>Azure Worker Role </a:t>
-            </a:r>
-            <a:r>
-              <a:rPr lang="ru-RU" dirty="0" smtClean="0"/>
-              <a:t>для работы с распознаванием изображений</a:t>
+              <a:t>Azure Blob storage </a:t>
+            </a:r>
+            <a:r>
+              <a:rPr lang="ru-RU" dirty="0" smtClean="0"/>
+              <a:t>для хранения изображений и контента</a:t>
             </a:r>
           </a:p>
           <a:p>
             <a:r>
               <a:rPr lang="en-US" dirty="0" smtClean="0"/>
-              <a:t>ABBYY Cloud OCR SDK </a:t>
-            </a:r>
-            <a:r>
-              <a:rPr lang="ru-RU" dirty="0" smtClean="0"/>
-              <a:t>для распознавания</a:t>
-            </a:r>
-            <a:endParaRPr lang="en-US" dirty="0" smtClean="0"/>
-          </a:p>
-          <a:p>
-            <a:pPr lvl="1"/>
-            <a:r>
-              <a:rPr lang="en-US" dirty="0" smtClean="0">
-                <a:hlinkClick r:id="rId2"/>
-              </a:rPr>
-              <a:t>http</a:t>
-            </a:r>
-            <a:r>
-              <a:rPr lang="en-US" dirty="0">
-                <a:hlinkClick r:id="rId2"/>
-              </a:rPr>
-              <a:t>://ocrsdk.com/</a:t>
+              <a:t>Azure Table storage </a:t>
+            </a:r>
+            <a:r>
+              <a:rPr lang="ru-RU" dirty="0" smtClean="0"/>
+              <a:t>для хранения глобальных данных</a:t>
+            </a:r>
+          </a:p>
+          <a:p>
+            <a:r>
+              <a:rPr lang="en-US" dirty="0" smtClean="0"/>
+              <a:t>SQL Azure </a:t>
+            </a:r>
+            <a:r>
+              <a:rPr lang="ru-RU" dirty="0" smtClean="0"/>
+              <a:t>для хранения данных </a:t>
+            </a:r>
+            <a:r>
+              <a:rPr lang="en-US" dirty="0" smtClean="0"/>
+              <a:t>per tenant</a:t>
             </a:r>
             <a:endParaRPr lang="ru-RU" dirty="0" smtClean="0"/>
           </a:p>
@@ -8344,7 +8497,7 @@
     </p:spTree>
     <p:extLst>
       <p:ext uri="{BB962C8B-B14F-4D97-AF65-F5344CB8AC3E}">
-        <p14:creationId xmlns:p14="http://schemas.microsoft.com/office/powerpoint/2010/main" val="3643400134"/>
+        <p14:creationId xmlns:p14="http://schemas.microsoft.com/office/powerpoint/2010/main" val="2499349514"/>
       </p:ext>
     </p:extLst>
   </p:cSld>
@@ -9091,15 +9244,6 @@
 </file>
 
 <file path=customXml/item2.xml><?xml version="1.0" encoding="utf-8"?>
-<?mso-contentType ?>
-<FormTemplates xmlns="http://schemas.microsoft.com/sharepoint/v3/contenttype/forms">
-  <Display>DocumentLibraryForm</Display>
-  <Edit>DocumentLibraryForm</Edit>
-  <New>DocumentLibraryForm</New>
-</FormTemplates>
-</file>
-
-<file path=customXml/item3.xml><?xml version="1.0" encoding="utf-8"?>
 <ct:contentTypeSchema xmlns:ct="http://schemas.microsoft.com/office/2006/metadata/contentType" xmlns:ma="http://schemas.microsoft.com/office/2006/metadata/properties/metaAttributes" ct:_="" ma:_="" ma:contentTypeName="Document" ma:contentTypeID="0x01010076BDC9AB8D85574E92B3FF85DD8EEE9A" ma:contentTypeVersion="1" ma:contentTypeDescription="Create a new document." ma:contentTypeScope="" ma:versionID="2e72a6d13f881d5d5061dda7c6af8501">
   <xsd:schema xmlns:xsd="http://www.w3.org/2001/XMLSchema" xmlns:xs="http://www.w3.org/2001/XMLSchema" xmlns:p="http://schemas.microsoft.com/office/2006/metadata/properties" xmlns:ns3="83163233-208f-487d-8d66-a814ca9ada95" targetNamespace="http://schemas.microsoft.com/office/2006/metadata/properties" ma:root="true" ma:fieldsID="341279c777b4549f0fa603bc1f710ef4" ns3:_="">
     <xsd:import namespace="83163233-208f-487d-8d66-a814ca9ada95"/>
@@ -9239,6 +9383,15 @@
 </ct:contentTypeSchema>
 </file>
 
+<file path=customXml/item3.xml><?xml version="1.0" encoding="utf-8"?>
+<?mso-contentType ?>
+<FormTemplates xmlns="http://schemas.microsoft.com/sharepoint/v3/contenttype/forms">
+  <Display>DocumentLibraryForm</Display>
+  <Edit>DocumentLibraryForm</Edit>
+  <New>DocumentLibraryForm</New>
+</FormTemplates>
+</file>
+
 <file path=customXml/itemProps1.xml><?xml version="1.0" encoding="utf-8"?>
 <ds:datastoreItem xmlns:ds="http://schemas.openxmlformats.org/officeDocument/2006/customXml" ds:itemID="{A5A1518E-3F6D-4166-8FC6-37AEE79B374E}">
   <ds:schemaRefs>
@@ -9256,14 +9409,6 @@
 </file>
 
 <file path=customXml/itemProps2.xml><?xml version="1.0" encoding="utf-8"?>
-<ds:datastoreItem xmlns:ds="http://schemas.openxmlformats.org/officeDocument/2006/customXml" ds:itemID="{AE2C73D0-6452-4B74-876E-F854C149D3F2}">
-  <ds:schemaRefs>
-    <ds:schemaRef ds:uri="http://schemas.microsoft.com/sharepoint/v3/contenttype/forms"/>
-  </ds:schemaRefs>
-</ds:datastoreItem>
-</file>
-
-<file path=customXml/itemProps3.xml><?xml version="1.0" encoding="utf-8"?>
 <ds:datastoreItem xmlns:ds="http://schemas.openxmlformats.org/officeDocument/2006/customXml" ds:itemID="{109FDA8F-394E-4FE5-9E2E-6A2A0BC6C38F}">
   <ds:schemaRefs>
     <ds:schemaRef ds:uri="http://schemas.microsoft.com/office/2006/metadata/contentType"/>
@@ -9279,4 +9424,12 @@
     <ds:schemaRef ds:uri="http://schemas.microsoft.com/internal/obd"/>
   </ds:schemaRefs>
 </ds:datastoreItem>
+</file>
+
+<file path=customXml/itemProps3.xml><?xml version="1.0" encoding="utf-8"?>
+<ds:datastoreItem xmlns:ds="http://schemas.openxmlformats.org/officeDocument/2006/customXml" ds:itemID="{AE2C73D0-6452-4B74-876E-F854C149D3F2}">
+  <ds:schemaRefs>
+    <ds:schemaRef ds:uri="http://schemas.microsoft.com/sharepoint/v3/contenttype/forms"/>
+  </ds:schemaRefs>
+</ds:datastoreItem>
 </file>
--- a/Slides/devcon2014_ege.pptx
+++ b/Slides/devcon2014_ege.pptx
@@ -226,7 +226,7 @@
           <a:p>
             <a:fld id="{94239FBE-FC08-4336-9B53-CDE8BC5ED33D}" type="datetimeFigureOut">
               <a:rPr lang="ru-RU" smtClean="0"/>
-              <a:t>27.05.2014</a:t>
+              <a:t>28.05.2014</a:t>
             </a:fld>
             <a:endParaRPr lang="ru-RU"/>
           </a:p>
@@ -391,7 +391,7 @@
           <a:p>
             <a:fld id="{135EBF37-D0C5-4B7C-9D35-9D2E20CA27EC}" type="datetimeFigureOut">
               <a:rPr lang="ru-RU" smtClean="0"/>
-              <a:t>27.05.2014</a:t>
+              <a:t>28.05.2014</a:t>
             </a:fld>
             <a:endParaRPr lang="ru-RU"/>
           </a:p>
@@ -1080,7 +1080,7 @@
                   <a:spcPct val="0"/>
                 </a:spcAft>
               </a:pPr>
-              <a:t>5/27/2014 4:09 PM</a:t>
+              <a:t>5/28/2014 9:18 PM</a:t>
             </a:fld>
             <a:endParaRPr lang="en-US"/>
           </a:p>
@@ -5706,7 +5706,25 @@
               <a:rPr lang="en-US" dirty="0">
                 <a:hlinkClick r:id="rId2"/>
               </a:rPr>
-              <a:t>://ocrsdk.com/</a:t>
+              <a:t>://ocrsdk.com</a:t>
+            </a:r>
+            <a:r>
+              <a:rPr lang="en-US" dirty="0" smtClean="0">
+                <a:hlinkClick r:id="rId2"/>
+              </a:rPr>
+              <a:t>/</a:t>
+            </a:r>
+            <a:endParaRPr lang="en-US" dirty="0" smtClean="0"/>
+          </a:p>
+          <a:p>
+            <a:pPr lvl="1"/>
+            <a:r>
+              <a:rPr lang="ru-RU" dirty="0" smtClean="0"/>
+              <a:t>Есть в магазине приложений </a:t>
+            </a:r>
+            <a:r>
+              <a:rPr lang="en-US" dirty="0" smtClean="0"/>
+              <a:t>Microsoft Azure</a:t>
             </a:r>
             <a:endParaRPr lang="ru-RU" dirty="0" smtClean="0"/>
           </a:p>
@@ -6283,63 +6301,87 @@
           <a:lstStyle/>
           <a:p>
             <a:r>
-              <a:rPr lang="ru-RU" dirty="0" smtClean="0"/>
-              <a:t>Мультитенантность</a:t>
-            </a:r>
+              <a:rPr lang="en-US" dirty="0" smtClean="0"/>
+              <a:t>UI Framework</a:t>
+            </a:r>
+            <a:endParaRPr lang="ru-RU" dirty="0" smtClean="0"/>
           </a:p>
           <a:p>
             <a:pPr lvl="1"/>
             <a:r>
-              <a:rPr lang="ru-RU" dirty="0" smtClean="0"/>
-              <a:t>С</a:t>
+              <a:rPr lang="en-US" dirty="0" smtClean="0"/>
+              <a:t>knockout.js</a:t>
+            </a:r>
+            <a:r>
+              <a:rPr lang="ru-RU" dirty="0" smtClean="0"/>
+              <a:t/>
+            </a:r>
+            <a:br>
+              <a:rPr lang="ru-RU" dirty="0" smtClean="0"/>
+            </a:br>
+            <a:r>
+              <a:rPr lang="ru-RU" dirty="0" smtClean="0"/>
+              <a:t>Максимум контроля, но много кода</a:t>
+            </a:r>
+            <a:br>
+              <a:rPr lang="ru-RU" dirty="0" smtClean="0"/>
+            </a:br>
+            <a:r>
+              <a:rPr lang="ru-RU" dirty="0" smtClean="0"/>
+              <a:t>Смотрим на </a:t>
+            </a:r>
+            <a:r>
+              <a:rPr lang="en-US" dirty="0" smtClean="0"/>
+              <a:t>angular.js</a:t>
+            </a:r>
+          </a:p>
+          <a:p>
+            <a:r>
+              <a:rPr lang="en-US" dirty="0" smtClean="0"/>
+              <a:t>Typescript</a:t>
+            </a:r>
+            <a:endParaRPr lang="ru-RU" dirty="0" smtClean="0"/>
+          </a:p>
+          <a:p>
+            <a:pPr lvl="1"/>
+            <a:r>
+              <a:rPr lang="ru-RU" dirty="0" smtClean="0"/>
+              <a:t>Контроль над большим </a:t>
+            </a:r>
+            <a:r>
+              <a:rPr lang="en-US" dirty="0" smtClean="0"/>
+              <a:t>codebase</a:t>
+            </a:r>
+            <a:r>
+              <a:rPr lang="ru-RU" dirty="0"/>
+              <a:t/>
+            </a:r>
+            <a:br>
+              <a:rPr lang="ru-RU" dirty="0"/>
+            </a:br>
+            <a:r>
+              <a:rPr lang="ru-RU" dirty="0" smtClean="0"/>
+              <a:t>Переход от </a:t>
+            </a:r>
+            <a:r>
+              <a:rPr lang="en-US" dirty="0" smtClean="0"/>
+              <a:t>AMD </a:t>
+            </a:r>
+            <a:r>
+              <a:rPr lang="ru-RU" dirty="0" smtClean="0"/>
+              <a:t>к</a:t>
+            </a:r>
+            <a:r>
+              <a:rPr lang="en-US" dirty="0" smtClean="0"/>
+              <a:t> </a:t>
             </a:r>
             <a:r>
               <a:rPr lang="en-US" dirty="0" err="1" smtClean="0"/>
-              <a:t>onnection</a:t>
+              <a:t>commonjs</a:t>
             </a:r>
             <a:r>
               <a:rPr lang="en-US" dirty="0" smtClean="0"/>
-              <a:t> string per tenant</a:t>
-            </a:r>
-            <a:r>
-              <a:rPr lang="ru-RU" dirty="0" smtClean="0"/>
-              <a:t/>
-            </a:r>
-            <a:br>
-              <a:rPr lang="ru-RU" dirty="0" smtClean="0"/>
-            </a:br>
-            <a:r>
-              <a:rPr lang="ru-RU" dirty="0" smtClean="0"/>
-              <a:t>Глобально доступные данные</a:t>
-            </a:r>
-            <a:r>
-              <a:rPr lang="en-US" dirty="0"/>
-              <a:t> </a:t>
-            </a:r>
-            <a:r>
-              <a:rPr lang="ru-RU" dirty="0" smtClean="0"/>
-              <a:t>в </a:t>
-            </a:r>
-            <a:r>
-              <a:rPr lang="en-US" dirty="0" smtClean="0"/>
-              <a:t>Azure Table Storage</a:t>
-            </a:r>
-          </a:p>
-          <a:p>
-            <a:r>
-              <a:rPr lang="en-US" dirty="0" smtClean="0"/>
-              <a:t>Azure Blob storage </a:t>
-            </a:r>
-            <a:r>
-              <a:rPr lang="ru-RU" dirty="0" smtClean="0"/>
-              <a:t>для хранения файлов</a:t>
-            </a:r>
-          </a:p>
-          <a:p>
-            <a:pPr lvl="1"/>
-            <a:r>
-              <a:rPr lang="ru-RU" dirty="0" smtClean="0"/>
-              <a:t>Один контейнер или много контейнеров?</a:t>
+              <a:t> modules</a:t>
             </a:r>
           </a:p>
         </p:txBody>
